--- a/prez/ChocoLoRa.pptx
+++ b/prez/ChocoLoRa.pptx
@@ -4,14 +4,32 @@
   <p:sldMasterIdLst>
     <p:sldMasterId id="2147483758" r:id="rId1"/>
   </p:sldMasterIdLst>
+  <p:notesMasterIdLst>
+    <p:notesMasterId r:id="rId24"/>
+  </p:notesMasterIdLst>
   <p:sldIdLst>
     <p:sldId id="256" r:id="rId2"/>
     <p:sldId id="260" r:id="rId3"/>
     <p:sldId id="263" r:id="rId4"/>
-    <p:sldId id="261" r:id="rId5"/>
-    <p:sldId id="262" r:id="rId6"/>
-    <p:sldId id="264" r:id="rId7"/>
-    <p:sldId id="265" r:id="rId8"/>
+    <p:sldId id="265" r:id="rId5"/>
+    <p:sldId id="279" r:id="rId6"/>
+    <p:sldId id="280" r:id="rId7"/>
+    <p:sldId id="281" r:id="rId8"/>
+    <p:sldId id="266" r:id="rId9"/>
+    <p:sldId id="277" r:id="rId10"/>
+    <p:sldId id="278" r:id="rId11"/>
+    <p:sldId id="267" r:id="rId12"/>
+    <p:sldId id="269" r:id="rId13"/>
+    <p:sldId id="270" r:id="rId14"/>
+    <p:sldId id="271" r:id="rId15"/>
+    <p:sldId id="268" r:id="rId16"/>
+    <p:sldId id="272" r:id="rId17"/>
+    <p:sldId id="283" r:id="rId18"/>
+    <p:sldId id="273" r:id="rId19"/>
+    <p:sldId id="274" r:id="rId20"/>
+    <p:sldId id="275" r:id="rId21"/>
+    <p:sldId id="276" r:id="rId22"/>
+    <p:sldId id="282" r:id="rId23"/>
   </p:sldIdLst>
   <p:sldSz cx="12192000" cy="6858000"/>
   <p:notesSz cx="6858000" cy="9144000"/>
@@ -118,6 +136,356 @@
 </p:presentation>
 </file>
 
+<file path=ppt/notesMasters/notesMaster1.xml><?xml version="1.0" encoding="utf-8"?>
+<p:notesMaster xmlns:a="http://schemas.openxmlformats.org/drawingml/2006/main" xmlns:r="http://schemas.openxmlformats.org/officeDocument/2006/relationships" xmlns:p="http://schemas.openxmlformats.org/presentationml/2006/main">
+  <p:cSld>
+    <p:bg>
+      <p:bgRef idx="1001">
+        <a:schemeClr val="bg1"/>
+      </p:bgRef>
+    </p:bg>
+    <p:spTree>
+      <p:nvGrpSpPr>
+        <p:cNvPr id="1" name=""/>
+        <p:cNvGrpSpPr/>
+        <p:nvPr/>
+      </p:nvGrpSpPr>
+      <p:grpSpPr>
+        <a:xfrm>
+          <a:off x="0" y="0"/>
+          <a:ext cx="0" cy="0"/>
+          <a:chOff x="0" y="0"/>
+          <a:chExt cx="0" cy="0"/>
+        </a:xfrm>
+      </p:grpSpPr>
+      <p:sp>
+        <p:nvSpPr>
+          <p:cNvPr id="2" name="Header Placeholder 1"/>
+          <p:cNvSpPr>
+            <a:spLocks noGrp="1"/>
+          </p:cNvSpPr>
+          <p:nvPr>
+            <p:ph type="hdr" sz="quarter"/>
+          </p:nvPr>
+        </p:nvSpPr>
+        <p:spPr>
+          <a:xfrm>
+            <a:off x="0" y="0"/>
+            <a:ext cx="2971800" cy="458788"/>
+          </a:xfrm>
+          <a:prstGeom prst="rect">
+            <a:avLst/>
+          </a:prstGeom>
+        </p:spPr>
+        <p:txBody>
+          <a:bodyPr vert="horz" lIns="91440" tIns="45720" rIns="91440" bIns="45720" rtlCol="0"/>
+          <a:lstStyle>
+            <a:lvl1pPr algn="l">
+              <a:defRPr sz="1200"/>
+            </a:lvl1pPr>
+          </a:lstStyle>
+          <a:p>
+            <a:endParaRPr lang="fr-FR"/>
+          </a:p>
+        </p:txBody>
+      </p:sp>
+      <p:sp>
+        <p:nvSpPr>
+          <p:cNvPr id="3" name="Date Placeholder 2"/>
+          <p:cNvSpPr>
+            <a:spLocks noGrp="1"/>
+          </p:cNvSpPr>
+          <p:nvPr>
+            <p:ph type="dt" idx="1"/>
+          </p:nvPr>
+        </p:nvSpPr>
+        <p:spPr>
+          <a:xfrm>
+            <a:off x="3884613" y="0"/>
+            <a:ext cx="2971800" cy="458788"/>
+          </a:xfrm>
+          <a:prstGeom prst="rect">
+            <a:avLst/>
+          </a:prstGeom>
+        </p:spPr>
+        <p:txBody>
+          <a:bodyPr vert="horz" lIns="91440" tIns="45720" rIns="91440" bIns="45720" rtlCol="0"/>
+          <a:lstStyle>
+            <a:lvl1pPr algn="r">
+              <a:defRPr sz="1200"/>
+            </a:lvl1pPr>
+          </a:lstStyle>
+          <a:p>
+            <a:fld id="{21DA8D28-BDB7-438C-A868-D3A6009DD4BF}" type="datetimeFigureOut">
+              <a:rPr lang="fr-FR" smtClean="0"/>
+              <a:t>08/01/2019</a:t>
+            </a:fld>
+            <a:endParaRPr lang="fr-FR"/>
+          </a:p>
+        </p:txBody>
+      </p:sp>
+      <p:sp>
+        <p:nvSpPr>
+          <p:cNvPr id="4" name="Slide Image Placeholder 3"/>
+          <p:cNvSpPr>
+            <a:spLocks noGrp="1" noRot="1" noChangeAspect="1"/>
+          </p:cNvSpPr>
+          <p:nvPr>
+            <p:ph type="sldImg" idx="2"/>
+          </p:nvPr>
+        </p:nvSpPr>
+        <p:spPr>
+          <a:xfrm>
+            <a:off x="685800" y="1143000"/>
+            <a:ext cx="5486400" cy="3086100"/>
+          </a:xfrm>
+          <a:prstGeom prst="rect">
+            <a:avLst/>
+          </a:prstGeom>
+          <a:noFill/>
+          <a:ln w="12700">
+            <a:solidFill>
+              <a:prstClr val="black"/>
+            </a:solidFill>
+          </a:ln>
+        </p:spPr>
+        <p:txBody>
+          <a:bodyPr vert="horz" lIns="91440" tIns="45720" rIns="91440" bIns="45720" rtlCol="0" anchor="ctr"/>
+          <a:lstStyle/>
+          <a:p>
+            <a:endParaRPr lang="fr-FR"/>
+          </a:p>
+        </p:txBody>
+      </p:sp>
+      <p:sp>
+        <p:nvSpPr>
+          <p:cNvPr id="5" name="Notes Placeholder 4"/>
+          <p:cNvSpPr>
+            <a:spLocks noGrp="1"/>
+          </p:cNvSpPr>
+          <p:nvPr>
+            <p:ph type="body" sz="quarter" idx="3"/>
+          </p:nvPr>
+        </p:nvSpPr>
+        <p:spPr>
+          <a:xfrm>
+            <a:off x="685800" y="4400550"/>
+            <a:ext cx="5486400" cy="3600450"/>
+          </a:xfrm>
+          <a:prstGeom prst="rect">
+            <a:avLst/>
+          </a:prstGeom>
+        </p:spPr>
+        <p:txBody>
+          <a:bodyPr vert="horz" lIns="91440" tIns="45720" rIns="91440" bIns="45720" rtlCol="0"/>
+          <a:lstStyle/>
+          <a:p>
+            <a:pPr lvl="0"/>
+            <a:r>
+              <a:rPr lang="en-US" smtClean="0"/>
+              <a:t>Edit Master text styles</a:t>
+            </a:r>
+          </a:p>
+          <a:p>
+            <a:pPr lvl="1"/>
+            <a:r>
+              <a:rPr lang="en-US" smtClean="0"/>
+              <a:t>Second level</a:t>
+            </a:r>
+          </a:p>
+          <a:p>
+            <a:pPr lvl="2"/>
+            <a:r>
+              <a:rPr lang="en-US" smtClean="0"/>
+              <a:t>Third level</a:t>
+            </a:r>
+          </a:p>
+          <a:p>
+            <a:pPr lvl="3"/>
+            <a:r>
+              <a:rPr lang="en-US" smtClean="0"/>
+              <a:t>Fourth level</a:t>
+            </a:r>
+          </a:p>
+          <a:p>
+            <a:pPr lvl="4"/>
+            <a:r>
+              <a:rPr lang="en-US" smtClean="0"/>
+              <a:t>Fifth level</a:t>
+            </a:r>
+            <a:endParaRPr lang="fr-FR"/>
+          </a:p>
+        </p:txBody>
+      </p:sp>
+      <p:sp>
+        <p:nvSpPr>
+          <p:cNvPr id="6" name="Footer Placeholder 5"/>
+          <p:cNvSpPr>
+            <a:spLocks noGrp="1"/>
+          </p:cNvSpPr>
+          <p:nvPr>
+            <p:ph type="ftr" sz="quarter" idx="4"/>
+          </p:nvPr>
+        </p:nvSpPr>
+        <p:spPr>
+          <a:xfrm>
+            <a:off x="0" y="8685213"/>
+            <a:ext cx="2971800" cy="458787"/>
+          </a:xfrm>
+          <a:prstGeom prst="rect">
+            <a:avLst/>
+          </a:prstGeom>
+        </p:spPr>
+        <p:txBody>
+          <a:bodyPr vert="horz" lIns="91440" tIns="45720" rIns="91440" bIns="45720" rtlCol="0" anchor="b"/>
+          <a:lstStyle>
+            <a:lvl1pPr algn="l">
+              <a:defRPr sz="1200"/>
+            </a:lvl1pPr>
+          </a:lstStyle>
+          <a:p>
+            <a:endParaRPr lang="fr-FR"/>
+          </a:p>
+        </p:txBody>
+      </p:sp>
+      <p:sp>
+        <p:nvSpPr>
+          <p:cNvPr id="7" name="Slide Number Placeholder 6"/>
+          <p:cNvSpPr>
+            <a:spLocks noGrp="1"/>
+          </p:cNvSpPr>
+          <p:nvPr>
+            <p:ph type="sldNum" sz="quarter" idx="5"/>
+          </p:nvPr>
+        </p:nvSpPr>
+        <p:spPr>
+          <a:xfrm>
+            <a:off x="3884613" y="8685213"/>
+            <a:ext cx="2971800" cy="458787"/>
+          </a:xfrm>
+          <a:prstGeom prst="rect">
+            <a:avLst/>
+          </a:prstGeom>
+        </p:spPr>
+        <p:txBody>
+          <a:bodyPr vert="horz" lIns="91440" tIns="45720" rIns="91440" bIns="45720" rtlCol="0" anchor="b"/>
+          <a:lstStyle>
+            <a:lvl1pPr algn="r">
+              <a:defRPr sz="1200"/>
+            </a:lvl1pPr>
+          </a:lstStyle>
+          <a:p>
+            <a:fld id="{AD20EBBE-1DF2-4F47-9869-69DFDA5400E4}" type="slidenum">
+              <a:rPr lang="fr-FR" smtClean="0"/>
+              <a:t>‹#›</a:t>
+            </a:fld>
+            <a:endParaRPr lang="fr-FR"/>
+          </a:p>
+        </p:txBody>
+      </p:sp>
+    </p:spTree>
+    <p:extLst>
+      <p:ext uri="{BB962C8B-B14F-4D97-AF65-F5344CB8AC3E}">
+        <p14:creationId xmlns:p14="http://schemas.microsoft.com/office/powerpoint/2010/main" val="3528050726"/>
+      </p:ext>
+    </p:extLst>
+  </p:cSld>
+  <p:clrMap bg1="lt1" tx1="dk1" bg2="lt2" tx2="dk2" accent1="accent1" accent2="accent2" accent3="accent3" accent4="accent4" accent5="accent5" accent6="accent6" hlink="hlink" folHlink="folHlink"/>
+  <p:notesStyle>
+    <a:lvl1pPr marL="0" algn="l" defTabSz="914400" rtl="0" eaLnBrk="1" latinLnBrk="0" hangingPunct="1">
+      <a:defRPr sz="1200" kern="1200">
+        <a:solidFill>
+          <a:schemeClr val="tx1"/>
+        </a:solidFill>
+        <a:latin typeface="+mn-lt"/>
+        <a:ea typeface="+mn-ea"/>
+        <a:cs typeface="+mn-cs"/>
+      </a:defRPr>
+    </a:lvl1pPr>
+    <a:lvl2pPr marL="457200" algn="l" defTabSz="914400" rtl="0" eaLnBrk="1" latinLnBrk="0" hangingPunct="1">
+      <a:defRPr sz="1200" kern="1200">
+        <a:solidFill>
+          <a:schemeClr val="tx1"/>
+        </a:solidFill>
+        <a:latin typeface="+mn-lt"/>
+        <a:ea typeface="+mn-ea"/>
+        <a:cs typeface="+mn-cs"/>
+      </a:defRPr>
+    </a:lvl2pPr>
+    <a:lvl3pPr marL="914400" algn="l" defTabSz="914400" rtl="0" eaLnBrk="1" latinLnBrk="0" hangingPunct="1">
+      <a:defRPr sz="1200" kern="1200">
+        <a:solidFill>
+          <a:schemeClr val="tx1"/>
+        </a:solidFill>
+        <a:latin typeface="+mn-lt"/>
+        <a:ea typeface="+mn-ea"/>
+        <a:cs typeface="+mn-cs"/>
+      </a:defRPr>
+    </a:lvl3pPr>
+    <a:lvl4pPr marL="1371600" algn="l" defTabSz="914400" rtl="0" eaLnBrk="1" latinLnBrk="0" hangingPunct="1">
+      <a:defRPr sz="1200" kern="1200">
+        <a:solidFill>
+          <a:schemeClr val="tx1"/>
+        </a:solidFill>
+        <a:latin typeface="+mn-lt"/>
+        <a:ea typeface="+mn-ea"/>
+        <a:cs typeface="+mn-cs"/>
+      </a:defRPr>
+    </a:lvl4pPr>
+    <a:lvl5pPr marL="1828800" algn="l" defTabSz="914400" rtl="0" eaLnBrk="1" latinLnBrk="0" hangingPunct="1">
+      <a:defRPr sz="1200" kern="1200">
+        <a:solidFill>
+          <a:schemeClr val="tx1"/>
+        </a:solidFill>
+        <a:latin typeface="+mn-lt"/>
+        <a:ea typeface="+mn-ea"/>
+        <a:cs typeface="+mn-cs"/>
+      </a:defRPr>
+    </a:lvl5pPr>
+    <a:lvl6pPr marL="2286000" algn="l" defTabSz="914400" rtl="0" eaLnBrk="1" latinLnBrk="0" hangingPunct="1">
+      <a:defRPr sz="1200" kern="1200">
+        <a:solidFill>
+          <a:schemeClr val="tx1"/>
+        </a:solidFill>
+        <a:latin typeface="+mn-lt"/>
+        <a:ea typeface="+mn-ea"/>
+        <a:cs typeface="+mn-cs"/>
+      </a:defRPr>
+    </a:lvl6pPr>
+    <a:lvl7pPr marL="2743200" algn="l" defTabSz="914400" rtl="0" eaLnBrk="1" latinLnBrk="0" hangingPunct="1">
+      <a:defRPr sz="1200" kern="1200">
+        <a:solidFill>
+          <a:schemeClr val="tx1"/>
+        </a:solidFill>
+        <a:latin typeface="+mn-lt"/>
+        <a:ea typeface="+mn-ea"/>
+        <a:cs typeface="+mn-cs"/>
+      </a:defRPr>
+    </a:lvl7pPr>
+    <a:lvl8pPr marL="3200400" algn="l" defTabSz="914400" rtl="0" eaLnBrk="1" latinLnBrk="0" hangingPunct="1">
+      <a:defRPr sz="1200" kern="1200">
+        <a:solidFill>
+          <a:schemeClr val="tx1"/>
+        </a:solidFill>
+        <a:latin typeface="+mn-lt"/>
+        <a:ea typeface="+mn-ea"/>
+        <a:cs typeface="+mn-cs"/>
+      </a:defRPr>
+    </a:lvl8pPr>
+    <a:lvl9pPr marL="3657600" algn="l" defTabSz="914400" rtl="0" eaLnBrk="1" latinLnBrk="0" hangingPunct="1">
+      <a:defRPr sz="1200" kern="1200">
+        <a:solidFill>
+          <a:schemeClr val="tx1"/>
+        </a:solidFill>
+        <a:latin typeface="+mn-lt"/>
+        <a:ea typeface="+mn-ea"/>
+        <a:cs typeface="+mn-cs"/>
+      </a:defRPr>
+    </a:lvl9pPr>
+  </p:notesStyle>
+</p:notesMaster>
+</file>
+
 <file path=ppt/slideLayouts/slideLayout1.xml><?xml version="1.0" encoding="utf-8"?>
 <p:sldLayout xmlns:a="http://schemas.openxmlformats.org/drawingml/2006/main" xmlns:r="http://schemas.openxmlformats.org/officeDocument/2006/relationships" xmlns:p="http://schemas.openxmlformats.org/presentationml/2006/main" showMasterSp="0" type="title" preserve="1">
   <p:cSld name="Title Slide">
@@ -340,7 +708,7 @@
           <a:bodyPr/>
           <a:lstStyle/>
           <a:p>
-            <a:fld id="{F1B01A7E-90DD-4004-9938-246E1F6E3D94}" type="datetimeFigureOut">
+            <a:fld id="{6469B9D0-BED3-4B38-A4BF-B0C3BF665F4C}" type="datetime1">
               <a:rPr lang="fr-FR" smtClean="0"/>
               <a:t>08/01/2019</a:t>
             </a:fld>
@@ -400,7 +768,7 @@
   <p:clrMapOvr>
     <a:masterClrMapping/>
   </p:clrMapOvr>
-  <p:extLst>
+  <p:extLst mod="1">
     <p:ext uri="{DCECCB84-F9BA-43D5-87BE-67443E8EF086}">
       <p15:sldGuideLst xmlns:p15="http://schemas.microsoft.com/office/powerpoint/2012/main"/>
     </p:ext>
@@ -515,7 +883,7 @@
           <a:bodyPr/>
           <a:lstStyle/>
           <a:p>
-            <a:fld id="{F1B01A7E-90DD-4004-9938-246E1F6E3D94}" type="datetimeFigureOut">
+            <a:fld id="{1FC253D6-7A3A-4E28-B741-93A62E2EA165}" type="datetime1">
               <a:rPr lang="fr-FR" smtClean="0"/>
               <a:t>08/01/2019</a:t>
             </a:fld>
@@ -695,7 +1063,7 @@
           <a:bodyPr/>
           <a:lstStyle/>
           <a:p>
-            <a:fld id="{F1B01A7E-90DD-4004-9938-246E1F6E3D94}" type="datetimeFigureOut">
+            <a:fld id="{27CAF1CE-161C-4724-8629-016A18FBDE77}" type="datetime1">
               <a:rPr lang="fr-FR" smtClean="0"/>
               <a:t>08/01/2019</a:t>
             </a:fld>
@@ -865,7 +1233,7 @@
           <a:bodyPr/>
           <a:lstStyle/>
           <a:p>
-            <a:fld id="{F1B01A7E-90DD-4004-9938-246E1F6E3D94}" type="datetimeFigureOut">
+            <a:fld id="{3F0D4217-C01F-4381-BB3F-CBF6C4125326}" type="datetime1">
               <a:rPr lang="fr-FR" smtClean="0"/>
               <a:t>08/01/2019</a:t>
             </a:fld>
@@ -1123,7 +1491,7 @@
           <a:bodyPr/>
           <a:lstStyle/>
           <a:p>
-            <a:fld id="{F1B01A7E-90DD-4004-9938-246E1F6E3D94}" type="datetimeFigureOut">
+            <a:fld id="{9578D3A8-6D0A-4531-A3D4-2B6841E32729}" type="datetime1">
               <a:rPr lang="fr-FR" smtClean="0"/>
               <a:t>08/01/2019</a:t>
             </a:fld>
@@ -1183,7 +1551,7 @@
   <p:clrMapOvr>
     <a:masterClrMapping/>
   </p:clrMapOvr>
-  <p:extLst>
+  <p:extLst mod="1">
     <p:ext uri="{DCECCB84-F9BA-43D5-87BE-67443E8EF086}">
       <p15:sldGuideLst xmlns:p15="http://schemas.microsoft.com/office/powerpoint/2012/main"/>
     </p:ext>
@@ -1416,7 +1784,7 @@
           <a:bodyPr/>
           <a:lstStyle/>
           <a:p>
-            <a:fld id="{F1B01A7E-90DD-4004-9938-246E1F6E3D94}" type="datetimeFigureOut">
+            <a:fld id="{F2FCD2E1-8BC6-454E-827C-1A4A84BBC0E5}" type="datetime1">
               <a:rPr lang="fr-FR" smtClean="0"/>
               <a:t>08/01/2019</a:t>
             </a:fld>
@@ -1858,7 +2226,7 @@
           <a:bodyPr/>
           <a:lstStyle/>
           <a:p>
-            <a:fld id="{F1B01A7E-90DD-4004-9938-246E1F6E3D94}" type="datetimeFigureOut">
+            <a:fld id="{756477AB-AF8D-4A57-93F7-59D031FA9319}" type="datetime1">
               <a:rPr lang="fr-FR" smtClean="0"/>
               <a:t>08/01/2019</a:t>
             </a:fld>
@@ -1976,7 +2344,7 @@
           <a:bodyPr/>
           <a:lstStyle/>
           <a:p>
-            <a:fld id="{F1B01A7E-90DD-4004-9938-246E1F6E3D94}" type="datetimeFigureOut">
+            <a:fld id="{97B6E5FF-F7A1-4222-9066-E0FCBFDE9DD3}" type="datetime1">
               <a:rPr lang="fr-FR" smtClean="0"/>
               <a:t>08/01/2019</a:t>
             </a:fld>
@@ -2071,7 +2439,7 @@
           <a:bodyPr/>
           <a:lstStyle/>
           <a:p>
-            <a:fld id="{F1B01A7E-90DD-4004-9938-246E1F6E3D94}" type="datetimeFigureOut">
+            <a:fld id="{7CF8300E-3EDF-4E1B-9599-FF62F1498475}" type="datetime1">
               <a:rPr lang="fr-FR" smtClean="0"/>
               <a:t>08/01/2019</a:t>
             </a:fld>
@@ -2359,7 +2727,7 @@
           <a:bodyPr/>
           <a:lstStyle/>
           <a:p>
-            <a:fld id="{F1B01A7E-90DD-4004-9938-246E1F6E3D94}" type="datetimeFigureOut">
+            <a:fld id="{B91BCEAE-4AC1-4EF8-A74C-B54E3EE43419}" type="datetime1">
               <a:rPr lang="fr-FR" smtClean="0"/>
               <a:t>08/01/2019</a:t>
             </a:fld>
@@ -2632,7 +3000,7 @@
           <a:bodyPr/>
           <a:lstStyle/>
           <a:p>
-            <a:fld id="{F1B01A7E-90DD-4004-9938-246E1F6E3D94}" type="datetimeFigureOut">
+            <a:fld id="{D9289983-D945-4052-992E-2D484056B5DC}" type="datetime1">
               <a:rPr lang="fr-FR" smtClean="0"/>
               <a:t>08/01/2019</a:t>
             </a:fld>
@@ -2929,7 +3297,7 @@
             </a:lvl1pPr>
           </a:lstStyle>
           <a:p>
-            <a:fld id="{F1B01A7E-90DD-4004-9938-246E1F6E3D94}" type="datetimeFigureOut">
+            <a:fld id="{8C85FE6D-B4BE-4589-BBA8-544EF679E11D}" type="datetime1">
               <a:rPr lang="fr-FR" smtClean="0"/>
               <a:t>08/01/2019</a:t>
             </a:fld>
@@ -3065,6 +3433,7 @@
     <p:sldLayoutId id="2147483768" r:id="rId10"/>
     <p:sldLayoutId id="2147483769" r:id="rId11"/>
   </p:sldLayoutIdLst>
+  <p:hf hdr="0" ftr="0" dt="0"/>
   <p:txStyles>
     <p:titleStyle>
       <a:lvl1pPr algn="l" defTabSz="914400" rtl="0" eaLnBrk="1" latinLnBrk="0" hangingPunct="1">
@@ -3423,7 +3792,7 @@
       </a:lvl9pPr>
     </p:otherStyle>
   </p:txStyles>
-  <p:extLst>
+  <p:extLst mod="1">
     <p:ext uri="{27BBF7A9-308A-43DC-89C8-2F10F3537804}">
       <p15:sldGuideLst xmlns:p15="http://schemas.microsoft.com/office/powerpoint/2012/main"/>
     </p:ext>
@@ -3570,6 +3939,2063 @@
   <p:clrMapOvr>
     <a:masterClrMapping/>
   </p:clrMapOvr>
+  <p:timing>
+    <p:tnLst>
+      <p:par>
+        <p:cTn id="1" dur="indefinite" restart="never" nodeType="tmRoot"/>
+      </p:par>
+    </p:tnLst>
+  </p:timing>
+</p:sld>
+</file>
+
+<file path=ppt/slides/slide10.xml><?xml version="1.0" encoding="utf-8"?>
+<p:sld xmlns:a="http://schemas.openxmlformats.org/drawingml/2006/main" xmlns:r="http://schemas.openxmlformats.org/officeDocument/2006/relationships" xmlns:p="http://schemas.openxmlformats.org/presentationml/2006/main">
+  <p:cSld>
+    <p:spTree>
+      <p:nvGrpSpPr>
+        <p:cNvPr id="1" name=""/>
+        <p:cNvGrpSpPr/>
+        <p:nvPr/>
+      </p:nvGrpSpPr>
+      <p:grpSpPr>
+        <a:xfrm>
+          <a:off x="0" y="0"/>
+          <a:ext cx="0" cy="0"/>
+          <a:chOff x="0" y="0"/>
+          <a:chExt cx="0" cy="0"/>
+        </a:xfrm>
+      </p:grpSpPr>
+      <p:sp>
+        <p:nvSpPr>
+          <p:cNvPr id="2" name="Titre 1"/>
+          <p:cNvSpPr>
+            <a:spLocks noGrp="1"/>
+          </p:cNvSpPr>
+          <p:nvPr>
+            <p:ph type="title"/>
+          </p:nvPr>
+        </p:nvSpPr>
+        <p:spPr/>
+        <p:txBody>
+          <a:bodyPr/>
+          <a:lstStyle/>
+          <a:p>
+            <a:r>
+              <a:rPr lang="fr-FR" dirty="0" err="1" smtClean="0"/>
+              <a:t>Lopy</a:t>
+            </a:r>
+            <a:r>
+              <a:rPr lang="fr-FR" dirty="0"/>
+              <a:t> </a:t>
+            </a:r>
+            <a:r>
+              <a:rPr lang="fr-FR" dirty="0" err="1" smtClean="0"/>
+              <a:t>node</a:t>
+            </a:r>
+            <a:endParaRPr lang="fr-FR" dirty="0"/>
+          </a:p>
+        </p:txBody>
+      </p:sp>
+      <p:sp>
+        <p:nvSpPr>
+          <p:cNvPr id="3" name="Espace réservé du contenu 2"/>
+          <p:cNvSpPr>
+            <a:spLocks noGrp="1"/>
+          </p:cNvSpPr>
+          <p:nvPr>
+            <p:ph idx="1"/>
+          </p:nvPr>
+        </p:nvSpPr>
+        <p:spPr>
+          <a:xfrm>
+            <a:off x="3707476" y="1600201"/>
+            <a:ext cx="7946968" cy="3400436"/>
+          </a:xfrm>
+        </p:spPr>
+        <p:txBody>
+          <a:bodyPr>
+            <a:normAutofit lnSpcReduction="10000"/>
+          </a:bodyPr>
+          <a:lstStyle/>
+          <a:p>
+            <a:pPr>
+              <a:buNone/>
+            </a:pPr>
+            <a:r>
+              <a:rPr lang="fr-FR" dirty="0" smtClean="0"/>
+              <a:t>BLE : 1 services, 4 caractéristiques</a:t>
+            </a:r>
+          </a:p>
+          <a:p>
+            <a:pPr>
+              <a:buNone/>
+            </a:pPr>
+            <a:endParaRPr lang="fr-FR" sz="1400" dirty="0"/>
+          </a:p>
+          <a:p>
+            <a:r>
+              <a:rPr lang="fr-FR" sz="2800" dirty="0" err="1"/>
+              <a:t>char_send</a:t>
+            </a:r>
+            <a:r>
+              <a:rPr lang="fr-FR" sz="2800" dirty="0"/>
+              <a:t> (W) : recevoir les messages du téléphone</a:t>
+            </a:r>
+          </a:p>
+          <a:p>
+            <a:r>
+              <a:rPr lang="fr-FR" sz="2800" dirty="0" err="1"/>
+              <a:t>char_sent</a:t>
+            </a:r>
+            <a:r>
+              <a:rPr lang="fr-FR" sz="2800" dirty="0"/>
+              <a:t>  (N) : accusé de réception de la </a:t>
+            </a:r>
+            <a:r>
+              <a:rPr lang="fr-FR" sz="2800" dirty="0" err="1"/>
+              <a:t>gateway</a:t>
+            </a:r>
+            <a:endParaRPr lang="fr-FR" sz="2800" dirty="0"/>
+          </a:p>
+          <a:p>
+            <a:r>
+              <a:rPr lang="fr-FR" sz="2800" dirty="0" err="1"/>
+              <a:t>char_receive</a:t>
+            </a:r>
+            <a:r>
+              <a:rPr lang="fr-FR" sz="2800" dirty="0"/>
+              <a:t> (N) : envoyer les messages </a:t>
+            </a:r>
+            <a:r>
+              <a:rPr lang="fr-FR" sz="2800" dirty="0" err="1"/>
+              <a:t>LoRa</a:t>
+            </a:r>
+            <a:r>
+              <a:rPr lang="fr-FR" sz="2800" dirty="0"/>
+              <a:t> vers le téléphone</a:t>
+            </a:r>
+          </a:p>
+          <a:p>
+            <a:r>
+              <a:rPr lang="fr-FR" sz="2800" dirty="0" err="1"/>
+              <a:t>char_ready</a:t>
+            </a:r>
+            <a:r>
+              <a:rPr lang="fr-FR" sz="2800" dirty="0"/>
+              <a:t> (R/N) : </a:t>
+            </a:r>
+            <a:r>
+              <a:rPr lang="fr-FR" sz="2800" dirty="0" err="1"/>
+              <a:t>disponiblité</a:t>
+            </a:r>
+            <a:r>
+              <a:rPr lang="fr-FR" sz="2800" dirty="0"/>
+              <a:t> de la connexion </a:t>
+            </a:r>
+            <a:r>
+              <a:rPr lang="fr-FR" sz="2800" dirty="0" err="1"/>
+              <a:t>LoRa</a:t>
+            </a:r>
+            <a:endParaRPr lang="fr-FR" sz="2800" dirty="0"/>
+          </a:p>
+        </p:txBody>
+      </p:sp>
+      <p:sp>
+        <p:nvSpPr>
+          <p:cNvPr id="4" name="Slide Number Placeholder 3"/>
+          <p:cNvSpPr>
+            <a:spLocks noGrp="1"/>
+          </p:cNvSpPr>
+          <p:nvPr>
+            <p:ph type="sldNum" sz="quarter" idx="12"/>
+          </p:nvPr>
+        </p:nvSpPr>
+        <p:spPr/>
+        <p:txBody>
+          <a:bodyPr/>
+          <a:lstStyle/>
+          <a:p>
+            <a:fld id="{7404B288-D4C1-4B47-A59A-F4398D5A3735}" type="slidenum">
+              <a:rPr lang="fr-FR" smtClean="0"/>
+              <a:t>10</a:t>
+            </a:fld>
+            <a:endParaRPr lang="fr-FR"/>
+          </a:p>
+        </p:txBody>
+      </p:sp>
+    </p:spTree>
+    <p:extLst>
+      <p:ext uri="{BB962C8B-B14F-4D97-AF65-F5344CB8AC3E}">
+        <p14:creationId xmlns:p14="http://schemas.microsoft.com/office/powerpoint/2010/main" val="280442456"/>
+      </p:ext>
+    </p:extLst>
+  </p:cSld>
+  <p:clrMapOvr>
+    <a:masterClrMapping/>
+  </p:clrMapOvr>
+  <p:timing>
+    <p:tnLst>
+      <p:par>
+        <p:cTn id="1" dur="indefinite" restart="never" nodeType="tmRoot"/>
+      </p:par>
+    </p:tnLst>
+  </p:timing>
+</p:sld>
+</file>
+
+<file path=ppt/slides/slide11.xml><?xml version="1.0" encoding="utf-8"?>
+<p:sld xmlns:a="http://schemas.openxmlformats.org/drawingml/2006/main" xmlns:r="http://schemas.openxmlformats.org/officeDocument/2006/relationships" xmlns:p="http://schemas.openxmlformats.org/presentationml/2006/main">
+  <p:cSld>
+    <p:spTree>
+      <p:nvGrpSpPr>
+        <p:cNvPr id="1" name=""/>
+        <p:cNvGrpSpPr/>
+        <p:nvPr/>
+      </p:nvGrpSpPr>
+      <p:grpSpPr>
+        <a:xfrm>
+          <a:off x="0" y="0"/>
+          <a:ext cx="0" cy="0"/>
+          <a:chOff x="0" y="0"/>
+          <a:chExt cx="0" cy="0"/>
+        </a:xfrm>
+      </p:grpSpPr>
+      <p:sp>
+        <p:nvSpPr>
+          <p:cNvPr id="2" name="Title 1"/>
+          <p:cNvSpPr>
+            <a:spLocks noGrp="1"/>
+          </p:cNvSpPr>
+          <p:nvPr>
+            <p:ph type="title"/>
+          </p:nvPr>
+        </p:nvSpPr>
+        <p:spPr/>
+        <p:txBody>
+          <a:bodyPr/>
+          <a:lstStyle/>
+          <a:p>
+            <a:r>
+              <a:rPr lang="fr-FR" dirty="0" smtClean="0"/>
+              <a:t>Schéma de principe</a:t>
+            </a:r>
+            <a:endParaRPr lang="fr-FR" dirty="0"/>
+          </a:p>
+        </p:txBody>
+      </p:sp>
+      <p:pic>
+        <p:nvPicPr>
+          <p:cNvPr id="4" name="Content Placeholder 3"/>
+          <p:cNvPicPr>
+            <a:picLocks noGrp="1" noChangeAspect="1"/>
+          </p:cNvPicPr>
+          <p:nvPr>
+            <p:ph idx="1"/>
+          </p:nvPr>
+        </p:nvPicPr>
+        <p:blipFill>
+          <a:blip r:embed="rId2">
+            <a:extLst>
+              <a:ext uri="{28A0092B-C50C-407E-A947-70E740481C1C}">
+                <a14:useLocalDpi xmlns:a14="http://schemas.microsoft.com/office/drawing/2010/main" val="0"/>
+              </a:ext>
+            </a:extLst>
+          </a:blip>
+          <a:stretch>
+            <a:fillRect/>
+          </a:stretch>
+        </p:blipFill>
+        <p:spPr>
+          <a:xfrm>
+            <a:off x="3431400" y="1612669"/>
+            <a:ext cx="8361728" cy="3699163"/>
+          </a:xfrm>
+        </p:spPr>
+      </p:pic>
+      <p:sp>
+        <p:nvSpPr>
+          <p:cNvPr id="3" name="Slide Number Placeholder 2"/>
+          <p:cNvSpPr>
+            <a:spLocks noGrp="1"/>
+          </p:cNvSpPr>
+          <p:nvPr>
+            <p:ph type="sldNum" sz="quarter" idx="12"/>
+          </p:nvPr>
+        </p:nvSpPr>
+        <p:spPr/>
+        <p:txBody>
+          <a:bodyPr/>
+          <a:lstStyle/>
+          <a:p>
+            <a:fld id="{7404B288-D4C1-4B47-A59A-F4398D5A3735}" type="slidenum">
+              <a:rPr lang="fr-FR" smtClean="0"/>
+              <a:t>11</a:t>
+            </a:fld>
+            <a:endParaRPr lang="fr-FR"/>
+          </a:p>
+        </p:txBody>
+      </p:sp>
+    </p:spTree>
+    <p:extLst>
+      <p:ext uri="{BB962C8B-B14F-4D97-AF65-F5344CB8AC3E}">
+        <p14:creationId xmlns:p14="http://schemas.microsoft.com/office/powerpoint/2010/main" val="255172815"/>
+      </p:ext>
+    </p:extLst>
+  </p:cSld>
+  <p:clrMapOvr>
+    <a:masterClrMapping/>
+  </p:clrMapOvr>
+  <p:timing>
+    <p:tnLst>
+      <p:par>
+        <p:cTn id="1" dur="indefinite" restart="never" nodeType="tmRoot"/>
+      </p:par>
+    </p:tnLst>
+  </p:timing>
+</p:sld>
+</file>
+
+<file path=ppt/slides/slide12.xml><?xml version="1.0" encoding="utf-8"?>
+<p:sld xmlns:a="http://schemas.openxmlformats.org/drawingml/2006/main" xmlns:r="http://schemas.openxmlformats.org/officeDocument/2006/relationships" xmlns:p="http://schemas.openxmlformats.org/presentationml/2006/main">
+  <p:cSld>
+    <p:spTree>
+      <p:nvGrpSpPr>
+        <p:cNvPr id="1" name=""/>
+        <p:cNvGrpSpPr/>
+        <p:nvPr/>
+      </p:nvGrpSpPr>
+      <p:grpSpPr>
+        <a:xfrm>
+          <a:off x="0" y="0"/>
+          <a:ext cx="0" cy="0"/>
+          <a:chOff x="0" y="0"/>
+          <a:chExt cx="0" cy="0"/>
+        </a:xfrm>
+      </p:grpSpPr>
+      <p:sp>
+        <p:nvSpPr>
+          <p:cNvPr id="2" name="Titre 1"/>
+          <p:cNvSpPr>
+            <a:spLocks noGrp="1"/>
+          </p:cNvSpPr>
+          <p:nvPr>
+            <p:ph type="title"/>
+          </p:nvPr>
+        </p:nvSpPr>
+        <p:spPr/>
+        <p:txBody>
+          <a:bodyPr/>
+          <a:lstStyle/>
+          <a:p>
+            <a:r>
+              <a:rPr lang="fr-FR" dirty="0" err="1" smtClean="0"/>
+              <a:t>LoRaWAN</a:t>
+            </a:r>
+            <a:endParaRPr lang="fr-FR" dirty="0"/>
+          </a:p>
+        </p:txBody>
+      </p:sp>
+      <p:sp>
+        <p:nvSpPr>
+          <p:cNvPr id="3" name="Espace réservé du contenu 2"/>
+          <p:cNvSpPr>
+            <a:spLocks noGrp="1"/>
+          </p:cNvSpPr>
+          <p:nvPr>
+            <p:ph idx="1"/>
+          </p:nvPr>
+        </p:nvSpPr>
+        <p:spPr>
+          <a:xfrm>
+            <a:off x="3573710" y="864108"/>
+            <a:ext cx="3456264" cy="5120640"/>
+          </a:xfrm>
+        </p:spPr>
+        <p:txBody>
+          <a:bodyPr>
+            <a:normAutofit/>
+          </a:bodyPr>
+          <a:lstStyle/>
+          <a:p>
+            <a:r>
+              <a:rPr lang="fr-FR" dirty="0" smtClean="0"/>
+              <a:t>WAN pour </a:t>
+            </a:r>
+            <a:r>
+              <a:rPr lang="en-US" dirty="0" smtClean="0"/>
+              <a:t>“Wide Area Network”</a:t>
+            </a:r>
+          </a:p>
+          <a:p>
+            <a:endParaRPr lang="en-US" dirty="0"/>
+          </a:p>
+          <a:p>
+            <a:r>
+              <a:rPr lang="en-US" dirty="0" smtClean="0"/>
+              <a:t>2 types de </a:t>
+            </a:r>
+            <a:r>
+              <a:rPr lang="en-US" dirty="0" err="1" smtClean="0"/>
+              <a:t>connexions</a:t>
+            </a:r>
+            <a:r>
+              <a:rPr lang="en-US" dirty="0" smtClean="0"/>
+              <a:t> </a:t>
+            </a:r>
+            <a:r>
+              <a:rPr lang="en-US" dirty="0" err="1" smtClean="0"/>
+              <a:t>LoRa</a:t>
+            </a:r>
+            <a:r>
+              <a:rPr lang="en-US" dirty="0" smtClean="0"/>
+              <a:t> :</a:t>
+            </a:r>
+          </a:p>
+          <a:p>
+            <a:pPr lvl="1"/>
+            <a:r>
+              <a:rPr lang="en-US" dirty="0" smtClean="0"/>
+              <a:t>Point </a:t>
+            </a:r>
+            <a:r>
+              <a:rPr lang="en-US" dirty="0" err="1" smtClean="0"/>
+              <a:t>à</a:t>
+            </a:r>
+            <a:r>
+              <a:rPr lang="en-US" dirty="0" smtClean="0"/>
+              <a:t> point “</a:t>
+            </a:r>
+            <a:r>
+              <a:rPr lang="en-US" dirty="0" err="1" smtClean="0"/>
+              <a:t>classique</a:t>
+            </a:r>
+            <a:r>
+              <a:rPr lang="en-US" dirty="0" smtClean="0"/>
+              <a:t>”</a:t>
+            </a:r>
+          </a:p>
+          <a:p>
+            <a:pPr lvl="1"/>
+            <a:r>
+              <a:rPr lang="en-US" dirty="0" err="1" smtClean="0"/>
+              <a:t>LoRaWAN</a:t>
+            </a:r>
+            <a:endParaRPr lang="en-US" dirty="0" smtClean="0"/>
+          </a:p>
+          <a:p>
+            <a:pPr lvl="1"/>
+            <a:endParaRPr lang="fr-FR" dirty="0" smtClean="0"/>
+          </a:p>
+          <a:p>
+            <a:r>
+              <a:rPr lang="fr-FR" dirty="0" smtClean="0"/>
+              <a:t>R</a:t>
+            </a:r>
+            <a:r>
+              <a:rPr lang="en-US" dirty="0" err="1" smtClean="0"/>
+              <a:t>éseaux</a:t>
+            </a:r>
+            <a:r>
+              <a:rPr lang="en-US" dirty="0" smtClean="0"/>
+              <a:t> </a:t>
+            </a:r>
+            <a:r>
+              <a:rPr lang="en-US" dirty="0" err="1" smtClean="0"/>
+              <a:t>existants</a:t>
+            </a:r>
+            <a:r>
+              <a:rPr lang="en-US" dirty="0" smtClean="0"/>
+              <a:t> :</a:t>
+            </a:r>
+          </a:p>
+          <a:p>
+            <a:pPr lvl="1"/>
+            <a:r>
+              <a:rPr lang="en-US" dirty="0" err="1" smtClean="0"/>
+              <a:t>Objenious</a:t>
+            </a:r>
+            <a:r>
+              <a:rPr lang="en-US" dirty="0" smtClean="0"/>
+              <a:t> (Bouygues Telecom)</a:t>
+            </a:r>
+          </a:p>
+          <a:p>
+            <a:pPr lvl="1"/>
+            <a:r>
+              <a:rPr lang="en-US" dirty="0" smtClean="0"/>
+              <a:t>Orange Live Objects</a:t>
+            </a:r>
+          </a:p>
+          <a:p>
+            <a:pPr lvl="1"/>
+            <a:r>
+              <a:rPr lang="en-US" b="1" dirty="0" smtClean="0"/>
+              <a:t>The Things Network</a:t>
+            </a:r>
+            <a:endParaRPr lang="en-US" b="1" dirty="0"/>
+          </a:p>
+        </p:txBody>
+      </p:sp>
+      <p:pic>
+        <p:nvPicPr>
+          <p:cNvPr id="4" name="Image 3"/>
+          <p:cNvPicPr>
+            <a:picLocks noChangeAspect="1"/>
+          </p:cNvPicPr>
+          <p:nvPr/>
+        </p:nvPicPr>
+        <p:blipFill>
+          <a:blip r:embed="rId2" cstate="print">
+            <a:extLst>
+              <a:ext uri="{28A0092B-C50C-407E-A947-70E740481C1C}">
+                <a14:useLocalDpi xmlns:a14="http://schemas.microsoft.com/office/drawing/2010/main" val="0"/>
+              </a:ext>
+            </a:extLst>
+          </a:blip>
+          <a:stretch>
+            <a:fillRect/>
+          </a:stretch>
+        </p:blipFill>
+        <p:spPr>
+          <a:xfrm>
+            <a:off x="6928999" y="1604357"/>
+            <a:ext cx="4863011" cy="3647258"/>
+          </a:xfrm>
+          <a:prstGeom prst="rect">
+            <a:avLst/>
+          </a:prstGeom>
+        </p:spPr>
+      </p:pic>
+      <p:sp>
+        <p:nvSpPr>
+          <p:cNvPr id="5" name="Slide Number Placeholder 4"/>
+          <p:cNvSpPr>
+            <a:spLocks noGrp="1"/>
+          </p:cNvSpPr>
+          <p:nvPr>
+            <p:ph type="sldNum" sz="quarter" idx="12"/>
+          </p:nvPr>
+        </p:nvSpPr>
+        <p:spPr/>
+        <p:txBody>
+          <a:bodyPr/>
+          <a:lstStyle/>
+          <a:p>
+            <a:fld id="{7404B288-D4C1-4B47-A59A-F4398D5A3735}" type="slidenum">
+              <a:rPr lang="fr-FR" smtClean="0"/>
+              <a:t>12</a:t>
+            </a:fld>
+            <a:endParaRPr lang="fr-FR"/>
+          </a:p>
+        </p:txBody>
+      </p:sp>
+    </p:spTree>
+    <p:extLst>
+      <p:ext uri="{BB962C8B-B14F-4D97-AF65-F5344CB8AC3E}">
+        <p14:creationId xmlns:p14="http://schemas.microsoft.com/office/powerpoint/2010/main" val="3599510319"/>
+      </p:ext>
+    </p:extLst>
+  </p:cSld>
+  <p:clrMapOvr>
+    <a:masterClrMapping/>
+  </p:clrMapOvr>
+  <p:timing>
+    <p:tnLst>
+      <p:par>
+        <p:cTn id="1" dur="indefinite" restart="never" nodeType="tmRoot"/>
+      </p:par>
+    </p:tnLst>
+  </p:timing>
+</p:sld>
+</file>
+
+<file path=ppt/slides/slide13.xml><?xml version="1.0" encoding="utf-8"?>
+<p:sld xmlns:a="http://schemas.openxmlformats.org/drawingml/2006/main" xmlns:r="http://schemas.openxmlformats.org/officeDocument/2006/relationships" xmlns:p="http://schemas.openxmlformats.org/presentationml/2006/main">
+  <p:cSld>
+    <p:spTree>
+      <p:nvGrpSpPr>
+        <p:cNvPr id="1" name=""/>
+        <p:cNvGrpSpPr/>
+        <p:nvPr/>
+      </p:nvGrpSpPr>
+      <p:grpSpPr>
+        <a:xfrm>
+          <a:off x="0" y="0"/>
+          <a:ext cx="0" cy="0"/>
+          <a:chOff x="0" y="0"/>
+          <a:chExt cx="0" cy="0"/>
+        </a:xfrm>
+      </p:grpSpPr>
+      <p:sp>
+        <p:nvSpPr>
+          <p:cNvPr id="2" name="Titre 1"/>
+          <p:cNvSpPr>
+            <a:spLocks noGrp="1"/>
+          </p:cNvSpPr>
+          <p:nvPr>
+            <p:ph type="title"/>
+          </p:nvPr>
+        </p:nvSpPr>
+        <p:spPr/>
+        <p:txBody>
+          <a:bodyPr/>
+          <a:lstStyle/>
+          <a:p>
+            <a:r>
+              <a:rPr lang="fr-FR" dirty="0" smtClean="0"/>
+              <a:t>The </a:t>
+            </a:r>
+            <a:r>
+              <a:rPr lang="fr-FR" dirty="0" err="1" smtClean="0"/>
+              <a:t>Things</a:t>
+            </a:r>
+            <a:r>
+              <a:rPr lang="fr-FR" dirty="0" smtClean="0"/>
+              <a:t> Network</a:t>
+            </a:r>
+            <a:endParaRPr lang="fr-FR" dirty="0"/>
+          </a:p>
+        </p:txBody>
+      </p:sp>
+      <p:sp>
+        <p:nvSpPr>
+          <p:cNvPr id="3" name="Espace réservé du contenu 2"/>
+          <p:cNvSpPr>
+            <a:spLocks noGrp="1"/>
+          </p:cNvSpPr>
+          <p:nvPr>
+            <p:ph idx="1"/>
+          </p:nvPr>
+        </p:nvSpPr>
+        <p:spPr>
+          <a:xfrm>
+            <a:off x="3582784" y="850518"/>
+            <a:ext cx="8107899" cy="585518"/>
+          </a:xfrm>
+        </p:spPr>
+        <p:txBody>
+          <a:bodyPr>
+            <a:normAutofit/>
+          </a:bodyPr>
+          <a:lstStyle/>
+          <a:p>
+            <a:pPr marL="0" indent="0" algn="ctr">
+              <a:buNone/>
+            </a:pPr>
+            <a:r>
+              <a:rPr lang="en-US" sz="2000" dirty="0" err="1" smtClean="0"/>
+              <a:t>Réseau</a:t>
+            </a:r>
+            <a:r>
+              <a:rPr lang="en-US" sz="2000" dirty="0" smtClean="0"/>
+              <a:t> </a:t>
+            </a:r>
+            <a:r>
+              <a:rPr lang="en-US" sz="2000" dirty="0" err="1" smtClean="0"/>
+              <a:t>LoRaWAN</a:t>
+            </a:r>
+            <a:r>
+              <a:rPr lang="en-US" sz="2000" dirty="0" smtClean="0"/>
+              <a:t> </a:t>
+            </a:r>
+            <a:r>
+              <a:rPr lang="en-US" sz="2000" dirty="0" err="1" smtClean="0"/>
+              <a:t>collaboratif</a:t>
+            </a:r>
+            <a:r>
+              <a:rPr lang="en-US" sz="2000" dirty="0" smtClean="0"/>
+              <a:t> (</a:t>
+            </a:r>
+            <a:r>
+              <a:rPr lang="en-US" sz="2000" dirty="0" err="1" smtClean="0"/>
+              <a:t>gratuit</a:t>
+            </a:r>
+            <a:r>
+              <a:rPr lang="en-US" sz="2000" dirty="0" smtClean="0"/>
+              <a:t> et </a:t>
+            </a:r>
+            <a:r>
+              <a:rPr lang="en-US" sz="2000" dirty="0" err="1" smtClean="0"/>
+              <a:t>ouvert</a:t>
+            </a:r>
+            <a:r>
+              <a:rPr lang="en-US" sz="2000" dirty="0" smtClean="0"/>
+              <a:t>)</a:t>
+            </a:r>
+          </a:p>
+        </p:txBody>
+      </p:sp>
+      <p:pic>
+        <p:nvPicPr>
+          <p:cNvPr id="5" name="Image 4"/>
+          <p:cNvPicPr>
+            <a:picLocks noChangeAspect="1"/>
+          </p:cNvPicPr>
+          <p:nvPr/>
+        </p:nvPicPr>
+        <p:blipFill>
+          <a:blip r:embed="rId2" cstate="print">
+            <a:extLst>
+              <a:ext uri="{28A0092B-C50C-407E-A947-70E740481C1C}">
+                <a14:useLocalDpi xmlns:a14="http://schemas.microsoft.com/office/drawing/2010/main" val="0"/>
+              </a:ext>
+            </a:extLst>
+          </a:blip>
+          <a:stretch>
+            <a:fillRect/>
+          </a:stretch>
+        </p:blipFill>
+        <p:spPr>
+          <a:xfrm>
+            <a:off x="10985790" y="852453"/>
+            <a:ext cx="704893" cy="542768"/>
+          </a:xfrm>
+          <a:prstGeom prst="rect">
+            <a:avLst/>
+          </a:prstGeom>
+        </p:spPr>
+      </p:pic>
+      <p:pic>
+        <p:nvPicPr>
+          <p:cNvPr id="6" name="Image 5"/>
+          <p:cNvPicPr>
+            <a:picLocks noChangeAspect="1"/>
+          </p:cNvPicPr>
+          <p:nvPr/>
+        </p:nvPicPr>
+        <p:blipFill>
+          <a:blip r:embed="rId3" cstate="print">
+            <a:extLst>
+              <a:ext uri="{28A0092B-C50C-407E-A947-70E740481C1C}">
+                <a14:useLocalDpi xmlns:a14="http://schemas.microsoft.com/office/drawing/2010/main" val="0"/>
+              </a:ext>
+            </a:extLst>
+          </a:blip>
+          <a:stretch>
+            <a:fillRect/>
+          </a:stretch>
+        </p:blipFill>
+        <p:spPr>
+          <a:xfrm>
+            <a:off x="4544386" y="1622874"/>
+            <a:ext cx="6184694" cy="3435284"/>
+          </a:xfrm>
+          <a:prstGeom prst="rect">
+            <a:avLst/>
+          </a:prstGeom>
+        </p:spPr>
+      </p:pic>
+      <p:sp>
+        <p:nvSpPr>
+          <p:cNvPr id="7" name="ZoneTexte 6"/>
+          <p:cNvSpPr txBox="1"/>
+          <p:nvPr/>
+        </p:nvSpPr>
+        <p:spPr>
+          <a:xfrm>
+            <a:off x="3582785" y="5158064"/>
+            <a:ext cx="8107899" cy="400110"/>
+          </a:xfrm>
+          <a:prstGeom prst="rect">
+            <a:avLst/>
+          </a:prstGeom>
+          <a:noFill/>
+        </p:spPr>
+        <p:txBody>
+          <a:bodyPr wrap="square" rtlCol="0">
+            <a:spAutoFit/>
+          </a:bodyPr>
+          <a:lstStyle/>
+          <a:p>
+            <a:pPr algn="ctr"/>
+            <a:r>
+              <a:rPr lang="en-US" sz="2000" dirty="0" err="1" smtClean="0"/>
+              <a:t>Inconvénient</a:t>
+            </a:r>
+            <a:r>
+              <a:rPr lang="en-US" sz="2000" dirty="0" smtClean="0"/>
+              <a:t> : limitation (par respect pour les </a:t>
+            </a:r>
+            <a:r>
+              <a:rPr lang="en-US" sz="2000" dirty="0" err="1" smtClean="0"/>
+              <a:t>autres</a:t>
+            </a:r>
+            <a:r>
+              <a:rPr lang="en-US" sz="2000" dirty="0" smtClean="0"/>
+              <a:t> </a:t>
+            </a:r>
+            <a:r>
+              <a:rPr lang="en-US" sz="2000" dirty="0" err="1" smtClean="0"/>
+              <a:t>utilisateurs</a:t>
+            </a:r>
+            <a:r>
+              <a:rPr lang="mr-IN" sz="2000" dirty="0" smtClean="0"/>
+              <a:t>…</a:t>
+            </a:r>
+            <a:r>
+              <a:rPr lang="en-US" sz="2000" dirty="0"/>
+              <a:t>)</a:t>
+            </a:r>
+            <a:endParaRPr lang="fr-FR" sz="2000" dirty="0"/>
+          </a:p>
+        </p:txBody>
+      </p:sp>
+      <p:sp>
+        <p:nvSpPr>
+          <p:cNvPr id="4" name="Slide Number Placeholder 3"/>
+          <p:cNvSpPr>
+            <a:spLocks noGrp="1"/>
+          </p:cNvSpPr>
+          <p:nvPr>
+            <p:ph type="sldNum" sz="quarter" idx="12"/>
+          </p:nvPr>
+        </p:nvSpPr>
+        <p:spPr/>
+        <p:txBody>
+          <a:bodyPr/>
+          <a:lstStyle/>
+          <a:p>
+            <a:fld id="{7404B288-D4C1-4B47-A59A-F4398D5A3735}" type="slidenum">
+              <a:rPr lang="fr-FR" smtClean="0"/>
+              <a:t>13</a:t>
+            </a:fld>
+            <a:endParaRPr lang="fr-FR"/>
+          </a:p>
+        </p:txBody>
+      </p:sp>
+    </p:spTree>
+    <p:extLst>
+      <p:ext uri="{BB962C8B-B14F-4D97-AF65-F5344CB8AC3E}">
+        <p14:creationId xmlns:p14="http://schemas.microsoft.com/office/powerpoint/2010/main" val="1403025759"/>
+      </p:ext>
+    </p:extLst>
+  </p:cSld>
+  <p:clrMapOvr>
+    <a:masterClrMapping/>
+  </p:clrMapOvr>
+  <p:timing>
+    <p:tnLst>
+      <p:par>
+        <p:cTn id="1" dur="indefinite" restart="never" nodeType="tmRoot"/>
+      </p:par>
+    </p:tnLst>
+  </p:timing>
+</p:sld>
+</file>
+
+<file path=ppt/slides/slide14.xml><?xml version="1.0" encoding="utf-8"?>
+<p:sld xmlns:a="http://schemas.openxmlformats.org/drawingml/2006/main" xmlns:r="http://schemas.openxmlformats.org/officeDocument/2006/relationships" xmlns:p="http://schemas.openxmlformats.org/presentationml/2006/main">
+  <p:cSld>
+    <p:spTree>
+      <p:nvGrpSpPr>
+        <p:cNvPr id="1" name=""/>
+        <p:cNvGrpSpPr/>
+        <p:nvPr/>
+      </p:nvGrpSpPr>
+      <p:grpSpPr>
+        <a:xfrm>
+          <a:off x="0" y="0"/>
+          <a:ext cx="0" cy="0"/>
+          <a:chOff x="0" y="0"/>
+          <a:chExt cx="0" cy="0"/>
+        </a:xfrm>
+      </p:grpSpPr>
+      <p:sp>
+        <p:nvSpPr>
+          <p:cNvPr id="2" name="Titre 1"/>
+          <p:cNvSpPr>
+            <a:spLocks noGrp="1"/>
+          </p:cNvSpPr>
+          <p:nvPr>
+            <p:ph type="title"/>
+          </p:nvPr>
+        </p:nvSpPr>
+        <p:spPr/>
+        <p:txBody>
+          <a:bodyPr/>
+          <a:lstStyle/>
+          <a:p>
+            <a:r>
+              <a:rPr lang="fr-FR" dirty="0" smtClean="0"/>
+              <a:t>The </a:t>
+            </a:r>
+            <a:r>
+              <a:rPr lang="fr-FR" dirty="0" err="1" smtClean="0"/>
+              <a:t>Things</a:t>
+            </a:r>
+            <a:r>
+              <a:rPr lang="fr-FR" dirty="0" smtClean="0"/>
+              <a:t> Network</a:t>
+            </a:r>
+            <a:endParaRPr lang="fr-FR" dirty="0"/>
+          </a:p>
+        </p:txBody>
+      </p:sp>
+      <p:sp>
+        <p:nvSpPr>
+          <p:cNvPr id="3" name="Espace réservé du contenu 2"/>
+          <p:cNvSpPr>
+            <a:spLocks noGrp="1"/>
+          </p:cNvSpPr>
+          <p:nvPr>
+            <p:ph idx="1"/>
+          </p:nvPr>
+        </p:nvSpPr>
+        <p:spPr>
+          <a:xfrm>
+            <a:off x="3582784" y="290947"/>
+            <a:ext cx="8107899" cy="5335240"/>
+          </a:xfrm>
+        </p:spPr>
+        <p:txBody>
+          <a:bodyPr>
+            <a:noAutofit/>
+          </a:bodyPr>
+          <a:lstStyle/>
+          <a:p>
+            <a:pPr marL="0" indent="0">
+              <a:buNone/>
+            </a:pPr>
+            <a:r>
+              <a:rPr lang="en-US" sz="2000" dirty="0" err="1" smtClean="0"/>
+              <a:t>Fonctionnement</a:t>
+            </a:r>
+            <a:endParaRPr lang="en-US" sz="2000" dirty="0"/>
+          </a:p>
+          <a:p>
+            <a:r>
+              <a:rPr lang="en-US" sz="2000" dirty="0" err="1" smtClean="0"/>
+              <a:t>Enregistrer</a:t>
+            </a:r>
+            <a:r>
+              <a:rPr lang="en-US" sz="2000" dirty="0" smtClean="0"/>
+              <a:t> son application </a:t>
+            </a:r>
+            <a:r>
+              <a:rPr lang="en-US" sz="2000" dirty="0" err="1" smtClean="0"/>
+              <a:t>sur</a:t>
+            </a:r>
+            <a:r>
+              <a:rPr lang="en-US" sz="2000" dirty="0" smtClean="0"/>
+              <a:t> le site =&gt; </a:t>
+            </a:r>
+            <a:r>
+              <a:rPr lang="en-US" sz="2000" dirty="0" err="1" smtClean="0"/>
+              <a:t>génération</a:t>
+            </a:r>
+            <a:r>
+              <a:rPr lang="en-US" sz="2000" dirty="0" smtClean="0"/>
+              <a:t> d’un “APP EUI"</a:t>
+            </a:r>
+          </a:p>
+          <a:p>
+            <a:pPr marL="0" indent="0">
+              <a:buNone/>
+            </a:pPr>
+            <a:endParaRPr lang="en-US" sz="2000" dirty="0" smtClean="0"/>
+          </a:p>
+          <a:p>
+            <a:pPr marL="0" indent="0">
+              <a:buNone/>
+            </a:pPr>
+            <a:endParaRPr lang="en-US" sz="2000" dirty="0"/>
+          </a:p>
+          <a:p>
+            <a:pPr marL="0" indent="0">
+              <a:buNone/>
+            </a:pPr>
+            <a:endParaRPr lang="en-US" sz="2000" dirty="0" smtClean="0"/>
+          </a:p>
+          <a:p>
+            <a:pPr marL="0" indent="0">
+              <a:buNone/>
+            </a:pPr>
+            <a:endParaRPr lang="en-US" sz="2000" dirty="0"/>
+          </a:p>
+          <a:p>
+            <a:r>
+              <a:rPr lang="en-US" sz="2000" dirty="0" err="1" smtClean="0"/>
+              <a:t>Enregistrer</a:t>
+            </a:r>
+            <a:r>
+              <a:rPr lang="en-US" sz="2000" dirty="0" smtClean="0"/>
+              <a:t> </a:t>
+            </a:r>
+            <a:r>
+              <a:rPr lang="en-US" sz="2000" dirty="0" err="1" smtClean="0"/>
+              <a:t>ses</a:t>
+            </a:r>
+            <a:r>
+              <a:rPr lang="en-US" sz="2000" dirty="0" smtClean="0"/>
+              <a:t> </a:t>
+            </a:r>
+            <a:r>
+              <a:rPr lang="en-US" sz="2000" dirty="0" err="1" smtClean="0"/>
+              <a:t>appareils</a:t>
+            </a:r>
+            <a:r>
+              <a:rPr lang="en-US" sz="2000" dirty="0" smtClean="0"/>
+              <a:t> </a:t>
+            </a:r>
+            <a:r>
+              <a:rPr lang="en-US" sz="2000" dirty="0" err="1" smtClean="0"/>
+              <a:t>sur</a:t>
+            </a:r>
+            <a:r>
+              <a:rPr lang="en-US" sz="2000" dirty="0" smtClean="0"/>
+              <a:t> le site =&gt; </a:t>
+            </a:r>
+            <a:r>
+              <a:rPr lang="en-US" sz="2000" dirty="0" err="1" smtClean="0"/>
+              <a:t>génération</a:t>
+            </a:r>
+            <a:r>
+              <a:rPr lang="en-US" sz="2000" dirty="0" smtClean="0"/>
+              <a:t> d’un “DEV EUI” et </a:t>
+            </a:r>
+            <a:r>
+              <a:rPr lang="en-US" sz="2000" dirty="0" err="1" smtClean="0"/>
+              <a:t>d’une</a:t>
+            </a:r>
+            <a:r>
+              <a:rPr lang="en-US" sz="2000" dirty="0" smtClean="0"/>
+              <a:t> “APP KEY"</a:t>
+            </a:r>
+          </a:p>
+          <a:p>
+            <a:pPr marL="0" indent="0">
+              <a:buNone/>
+            </a:pPr>
+            <a:endParaRPr lang="en-US" sz="2000" dirty="0" smtClean="0"/>
+          </a:p>
+        </p:txBody>
+      </p:sp>
+      <p:pic>
+        <p:nvPicPr>
+          <p:cNvPr id="4" name="Image 3"/>
+          <p:cNvPicPr>
+            <a:picLocks noChangeAspect="1"/>
+          </p:cNvPicPr>
+          <p:nvPr/>
+        </p:nvPicPr>
+        <p:blipFill rotWithShape="1">
+          <a:blip r:embed="rId2" cstate="print">
+            <a:extLst>
+              <a:ext uri="{28A0092B-C50C-407E-A947-70E740481C1C}">
+                <a14:useLocalDpi xmlns:a14="http://schemas.microsoft.com/office/drawing/2010/main" val="0"/>
+              </a:ext>
+            </a:extLst>
+          </a:blip>
+          <a:srcRect l="12233" t="58036" r="12558" b="1219"/>
+          <a:stretch/>
+        </p:blipFill>
+        <p:spPr>
+          <a:xfrm>
+            <a:off x="3582956" y="2065329"/>
+            <a:ext cx="8107727" cy="1034072"/>
+          </a:xfrm>
+          <a:prstGeom prst="rect">
+            <a:avLst/>
+          </a:prstGeom>
+        </p:spPr>
+      </p:pic>
+      <p:pic>
+        <p:nvPicPr>
+          <p:cNvPr id="8" name="Image 7"/>
+          <p:cNvPicPr>
+            <a:picLocks noChangeAspect="1"/>
+          </p:cNvPicPr>
+          <p:nvPr/>
+        </p:nvPicPr>
+        <p:blipFill>
+          <a:blip r:embed="rId3" cstate="print">
+            <a:extLst>
+              <a:ext uri="{28A0092B-C50C-407E-A947-70E740481C1C}">
+                <a14:useLocalDpi xmlns:a14="http://schemas.microsoft.com/office/drawing/2010/main" val="0"/>
+              </a:ext>
+            </a:extLst>
+          </a:blip>
+          <a:stretch>
+            <a:fillRect/>
+          </a:stretch>
+        </p:blipFill>
+        <p:spPr>
+          <a:xfrm>
+            <a:off x="3582784" y="4305078"/>
+            <a:ext cx="8107899" cy="1785087"/>
+          </a:xfrm>
+          <a:prstGeom prst="rect">
+            <a:avLst/>
+          </a:prstGeom>
+        </p:spPr>
+      </p:pic>
+      <p:sp>
+        <p:nvSpPr>
+          <p:cNvPr id="6" name="Slide Number Placeholder 5"/>
+          <p:cNvSpPr>
+            <a:spLocks noGrp="1"/>
+          </p:cNvSpPr>
+          <p:nvPr>
+            <p:ph type="sldNum" sz="quarter" idx="12"/>
+          </p:nvPr>
+        </p:nvSpPr>
+        <p:spPr/>
+        <p:txBody>
+          <a:bodyPr/>
+          <a:lstStyle/>
+          <a:p>
+            <a:fld id="{7404B288-D4C1-4B47-A59A-F4398D5A3735}" type="slidenum">
+              <a:rPr lang="fr-FR" smtClean="0"/>
+              <a:t>14</a:t>
+            </a:fld>
+            <a:endParaRPr lang="fr-FR"/>
+          </a:p>
+        </p:txBody>
+      </p:sp>
+      <p:pic>
+        <p:nvPicPr>
+          <p:cNvPr id="9" name="Image 4"/>
+          <p:cNvPicPr>
+            <a:picLocks noChangeAspect="1"/>
+          </p:cNvPicPr>
+          <p:nvPr/>
+        </p:nvPicPr>
+        <p:blipFill>
+          <a:blip r:embed="rId4" cstate="print">
+            <a:extLst>
+              <a:ext uri="{28A0092B-C50C-407E-A947-70E740481C1C}">
+                <a14:useLocalDpi xmlns:a14="http://schemas.microsoft.com/office/drawing/2010/main" val="0"/>
+              </a:ext>
+            </a:extLst>
+          </a:blip>
+          <a:stretch>
+            <a:fillRect/>
+          </a:stretch>
+        </p:blipFill>
+        <p:spPr>
+          <a:xfrm>
+            <a:off x="10985790" y="852453"/>
+            <a:ext cx="704893" cy="542768"/>
+          </a:xfrm>
+          <a:prstGeom prst="rect">
+            <a:avLst/>
+          </a:prstGeom>
+        </p:spPr>
+      </p:pic>
+    </p:spTree>
+    <p:extLst>
+      <p:ext uri="{BB962C8B-B14F-4D97-AF65-F5344CB8AC3E}">
+        <p14:creationId xmlns:p14="http://schemas.microsoft.com/office/powerpoint/2010/main" val="3612091545"/>
+      </p:ext>
+    </p:extLst>
+  </p:cSld>
+  <p:clrMapOvr>
+    <a:masterClrMapping/>
+  </p:clrMapOvr>
+  <p:timing>
+    <p:tnLst>
+      <p:par>
+        <p:cTn id="1" dur="indefinite" restart="never" nodeType="tmRoot"/>
+      </p:par>
+    </p:tnLst>
+  </p:timing>
+</p:sld>
+</file>
+
+<file path=ppt/slides/slide15.xml><?xml version="1.0" encoding="utf-8"?>
+<p:sld xmlns:a="http://schemas.openxmlformats.org/drawingml/2006/main" xmlns:r="http://schemas.openxmlformats.org/officeDocument/2006/relationships" xmlns:p="http://schemas.openxmlformats.org/presentationml/2006/main">
+  <p:cSld>
+    <p:spTree>
+      <p:nvGrpSpPr>
+        <p:cNvPr id="1" name=""/>
+        <p:cNvGrpSpPr/>
+        <p:nvPr/>
+      </p:nvGrpSpPr>
+      <p:grpSpPr>
+        <a:xfrm>
+          <a:off x="0" y="0"/>
+          <a:ext cx="0" cy="0"/>
+          <a:chOff x="0" y="0"/>
+          <a:chExt cx="0" cy="0"/>
+        </a:xfrm>
+      </p:grpSpPr>
+      <p:sp>
+        <p:nvSpPr>
+          <p:cNvPr id="2" name="Title 1"/>
+          <p:cNvSpPr>
+            <a:spLocks noGrp="1"/>
+          </p:cNvSpPr>
+          <p:nvPr>
+            <p:ph type="title"/>
+          </p:nvPr>
+        </p:nvSpPr>
+        <p:spPr/>
+        <p:txBody>
+          <a:bodyPr/>
+          <a:lstStyle/>
+          <a:p>
+            <a:r>
+              <a:rPr lang="fr-FR" dirty="0" smtClean="0"/>
+              <a:t>Schéma de principe</a:t>
+            </a:r>
+            <a:endParaRPr lang="fr-FR" dirty="0"/>
+          </a:p>
+        </p:txBody>
+      </p:sp>
+      <p:pic>
+        <p:nvPicPr>
+          <p:cNvPr id="4" name="Content Placeholder 3"/>
+          <p:cNvPicPr>
+            <a:picLocks noGrp="1" noChangeAspect="1"/>
+          </p:cNvPicPr>
+          <p:nvPr>
+            <p:ph idx="1"/>
+          </p:nvPr>
+        </p:nvPicPr>
+        <p:blipFill>
+          <a:blip r:embed="rId2">
+            <a:extLst>
+              <a:ext uri="{28A0092B-C50C-407E-A947-70E740481C1C}">
+                <a14:useLocalDpi xmlns:a14="http://schemas.microsoft.com/office/drawing/2010/main" val="0"/>
+              </a:ext>
+            </a:extLst>
+          </a:blip>
+          <a:stretch>
+            <a:fillRect/>
+          </a:stretch>
+        </p:blipFill>
+        <p:spPr>
+          <a:xfrm>
+            <a:off x="3431400" y="1612669"/>
+            <a:ext cx="8361728" cy="3699163"/>
+          </a:xfrm>
+        </p:spPr>
+      </p:pic>
+      <p:sp>
+        <p:nvSpPr>
+          <p:cNvPr id="3" name="Slide Number Placeholder 2"/>
+          <p:cNvSpPr>
+            <a:spLocks noGrp="1"/>
+          </p:cNvSpPr>
+          <p:nvPr>
+            <p:ph type="sldNum" sz="quarter" idx="12"/>
+          </p:nvPr>
+        </p:nvSpPr>
+        <p:spPr/>
+        <p:txBody>
+          <a:bodyPr/>
+          <a:lstStyle/>
+          <a:p>
+            <a:fld id="{7404B288-D4C1-4B47-A59A-F4398D5A3735}" type="slidenum">
+              <a:rPr lang="fr-FR" smtClean="0"/>
+              <a:t>15</a:t>
+            </a:fld>
+            <a:endParaRPr lang="fr-FR"/>
+          </a:p>
+        </p:txBody>
+      </p:sp>
+    </p:spTree>
+    <p:extLst>
+      <p:ext uri="{BB962C8B-B14F-4D97-AF65-F5344CB8AC3E}">
+        <p14:creationId xmlns:p14="http://schemas.microsoft.com/office/powerpoint/2010/main" val="2349380419"/>
+      </p:ext>
+    </p:extLst>
+  </p:cSld>
+  <p:clrMapOvr>
+    <a:masterClrMapping/>
+  </p:clrMapOvr>
+  <p:timing>
+    <p:tnLst>
+      <p:par>
+        <p:cTn id="1" dur="indefinite" restart="never" nodeType="tmRoot"/>
+      </p:par>
+    </p:tnLst>
+  </p:timing>
+</p:sld>
+</file>
+
+<file path=ppt/slides/slide16.xml><?xml version="1.0" encoding="utf-8"?>
+<p:sld xmlns:a="http://schemas.openxmlformats.org/drawingml/2006/main" xmlns:r="http://schemas.openxmlformats.org/officeDocument/2006/relationships" xmlns:p="http://schemas.openxmlformats.org/presentationml/2006/main">
+  <p:cSld>
+    <p:spTree>
+      <p:nvGrpSpPr>
+        <p:cNvPr id="1" name=""/>
+        <p:cNvGrpSpPr/>
+        <p:nvPr/>
+      </p:nvGrpSpPr>
+      <p:grpSpPr>
+        <a:xfrm>
+          <a:off x="0" y="0"/>
+          <a:ext cx="0" cy="0"/>
+          <a:chOff x="0" y="0"/>
+          <a:chExt cx="0" cy="0"/>
+        </a:xfrm>
+      </p:grpSpPr>
+      <p:sp>
+        <p:nvSpPr>
+          <p:cNvPr id="2" name="Titre 1"/>
+          <p:cNvSpPr>
+            <a:spLocks noGrp="1"/>
+          </p:cNvSpPr>
+          <p:nvPr>
+            <p:ph type="title"/>
+          </p:nvPr>
+        </p:nvSpPr>
+        <p:spPr/>
+        <p:txBody>
+          <a:bodyPr/>
+          <a:lstStyle/>
+          <a:p>
+            <a:r>
+              <a:rPr lang="fr-FR" dirty="0" smtClean="0"/>
+              <a:t>Gateway</a:t>
+            </a:r>
+            <a:endParaRPr lang="fr-FR" dirty="0"/>
+          </a:p>
+        </p:txBody>
+      </p:sp>
+      <p:sp>
+        <p:nvSpPr>
+          <p:cNvPr id="3" name="Espace réservé du contenu 2"/>
+          <p:cNvSpPr>
+            <a:spLocks noGrp="1"/>
+          </p:cNvSpPr>
+          <p:nvPr>
+            <p:ph idx="1"/>
+          </p:nvPr>
+        </p:nvSpPr>
+        <p:spPr>
+          <a:xfrm>
+            <a:off x="3645313" y="864107"/>
+            <a:ext cx="7975879" cy="3175877"/>
+          </a:xfrm>
+        </p:spPr>
+        <p:txBody>
+          <a:bodyPr/>
+          <a:lstStyle/>
+          <a:p>
+            <a:r>
+              <a:rPr lang="fr-FR" dirty="0" smtClean="0"/>
+              <a:t>Interface entre </a:t>
+            </a:r>
+            <a:r>
+              <a:rPr lang="fr-FR" dirty="0" err="1" smtClean="0"/>
+              <a:t>LoRa</a:t>
+            </a:r>
+            <a:r>
+              <a:rPr lang="fr-FR" dirty="0" smtClean="0"/>
+              <a:t> et Internet</a:t>
+            </a:r>
+          </a:p>
+          <a:p>
+            <a:pPr marL="0" indent="0">
+              <a:buNone/>
+            </a:pPr>
+            <a:endParaRPr lang="fr-FR" sz="1600" dirty="0"/>
+          </a:p>
+          <a:p>
+            <a:r>
+              <a:rPr lang="fr-FR" dirty="0" smtClean="0"/>
+              <a:t>A partir d</a:t>
+            </a:r>
+            <a:r>
+              <a:rPr lang="en-US" dirty="0" smtClean="0"/>
+              <a:t>’un </a:t>
+            </a:r>
+            <a:r>
+              <a:rPr lang="en-US" dirty="0" err="1" smtClean="0"/>
+              <a:t>Pycom</a:t>
+            </a:r>
+            <a:r>
+              <a:rPr lang="en-US" dirty="0" smtClean="0"/>
+              <a:t> </a:t>
+            </a:r>
+            <a:r>
+              <a:rPr lang="en-US" dirty="0" err="1" smtClean="0"/>
+              <a:t>Lopy</a:t>
+            </a:r>
+            <a:endParaRPr lang="en-US" dirty="0" smtClean="0"/>
+          </a:p>
+          <a:p>
+            <a:pPr lvl="1"/>
+            <a:r>
+              <a:rPr lang="en-US" dirty="0" err="1" smtClean="0"/>
+              <a:t>Connecté</a:t>
+            </a:r>
+            <a:r>
+              <a:rPr lang="en-US" dirty="0" smtClean="0"/>
+              <a:t> en </a:t>
+            </a:r>
+            <a:r>
+              <a:rPr lang="en-US" dirty="0" err="1" smtClean="0"/>
+              <a:t>WiFi</a:t>
+            </a:r>
+            <a:r>
+              <a:rPr lang="en-US" dirty="0" smtClean="0"/>
+              <a:t> </a:t>
+            </a:r>
+            <a:r>
+              <a:rPr lang="en-US" dirty="0" err="1" smtClean="0"/>
+              <a:t>à</a:t>
+            </a:r>
+            <a:r>
+              <a:rPr lang="en-US" dirty="0" smtClean="0"/>
+              <a:t> Internet</a:t>
+            </a:r>
+          </a:p>
+          <a:p>
+            <a:pPr lvl="1"/>
+            <a:r>
+              <a:rPr lang="en-US" dirty="0" err="1" smtClean="0"/>
+              <a:t>Identifié</a:t>
+            </a:r>
+            <a:r>
+              <a:rPr lang="en-US" dirty="0" smtClean="0"/>
+              <a:t> </a:t>
+            </a:r>
+            <a:r>
+              <a:rPr lang="en-US" dirty="0" err="1" smtClean="0"/>
+              <a:t>sur</a:t>
+            </a:r>
+            <a:r>
+              <a:rPr lang="en-US" dirty="0" smtClean="0"/>
+              <a:t> le </a:t>
+            </a:r>
+            <a:r>
+              <a:rPr lang="en-US" dirty="0" err="1" smtClean="0"/>
+              <a:t>réseau</a:t>
+            </a:r>
+            <a:r>
+              <a:rPr lang="en-US" dirty="0" smtClean="0"/>
+              <a:t> en </a:t>
+            </a:r>
+            <a:r>
+              <a:rPr lang="en-US" dirty="0" err="1" smtClean="0"/>
+              <a:t>tant</a:t>
+            </a:r>
+            <a:r>
+              <a:rPr lang="en-US" dirty="0" smtClean="0"/>
+              <a:t> </a:t>
+            </a:r>
+            <a:r>
+              <a:rPr lang="en-US" dirty="0" err="1" smtClean="0"/>
+              <a:t>que</a:t>
+            </a:r>
+            <a:r>
+              <a:rPr lang="en-US" dirty="0" smtClean="0"/>
+              <a:t> "Gateway"</a:t>
+            </a:r>
+            <a:endParaRPr lang="fr-FR" dirty="0"/>
+          </a:p>
+        </p:txBody>
+      </p:sp>
+      <p:pic>
+        <p:nvPicPr>
+          <p:cNvPr id="4" name="Image 3"/>
+          <p:cNvPicPr>
+            <a:picLocks noChangeAspect="1"/>
+          </p:cNvPicPr>
+          <p:nvPr/>
+        </p:nvPicPr>
+        <p:blipFill>
+          <a:blip r:embed="rId2" cstate="print">
+            <a:extLst>
+              <a:ext uri="{28A0092B-C50C-407E-A947-70E740481C1C}">
+                <a14:useLocalDpi xmlns:a14="http://schemas.microsoft.com/office/drawing/2010/main" val="0"/>
+              </a:ext>
+            </a:extLst>
+          </a:blip>
+          <a:stretch>
+            <a:fillRect/>
+          </a:stretch>
+        </p:blipFill>
+        <p:spPr>
+          <a:xfrm>
+            <a:off x="3645313" y="3672974"/>
+            <a:ext cx="7975879" cy="2010586"/>
+          </a:xfrm>
+          <a:prstGeom prst="rect">
+            <a:avLst/>
+          </a:prstGeom>
+        </p:spPr>
+      </p:pic>
+      <p:sp>
+        <p:nvSpPr>
+          <p:cNvPr id="5" name="Slide Number Placeholder 4"/>
+          <p:cNvSpPr>
+            <a:spLocks noGrp="1"/>
+          </p:cNvSpPr>
+          <p:nvPr>
+            <p:ph type="sldNum" sz="quarter" idx="12"/>
+          </p:nvPr>
+        </p:nvSpPr>
+        <p:spPr/>
+        <p:txBody>
+          <a:bodyPr/>
+          <a:lstStyle/>
+          <a:p>
+            <a:fld id="{7404B288-D4C1-4B47-A59A-F4398D5A3735}" type="slidenum">
+              <a:rPr lang="fr-FR" smtClean="0"/>
+              <a:t>16</a:t>
+            </a:fld>
+            <a:endParaRPr lang="fr-FR"/>
+          </a:p>
+        </p:txBody>
+      </p:sp>
+    </p:spTree>
+    <p:extLst>
+      <p:ext uri="{BB962C8B-B14F-4D97-AF65-F5344CB8AC3E}">
+        <p14:creationId xmlns:p14="http://schemas.microsoft.com/office/powerpoint/2010/main" val="126972848"/>
+      </p:ext>
+    </p:extLst>
+  </p:cSld>
+  <p:clrMapOvr>
+    <a:masterClrMapping/>
+  </p:clrMapOvr>
+  <p:timing>
+    <p:tnLst>
+      <p:par>
+        <p:cTn id="1" dur="indefinite" restart="never" nodeType="tmRoot"/>
+      </p:par>
+    </p:tnLst>
+  </p:timing>
+</p:sld>
+</file>
+
+<file path=ppt/slides/slide17.xml><?xml version="1.0" encoding="utf-8"?>
+<p:sld xmlns:a="http://schemas.openxmlformats.org/drawingml/2006/main" xmlns:r="http://schemas.openxmlformats.org/officeDocument/2006/relationships" xmlns:p="http://schemas.openxmlformats.org/presentationml/2006/main">
+  <p:cSld>
+    <p:spTree>
+      <p:nvGrpSpPr>
+        <p:cNvPr id="1" name=""/>
+        <p:cNvGrpSpPr/>
+        <p:nvPr/>
+      </p:nvGrpSpPr>
+      <p:grpSpPr>
+        <a:xfrm>
+          <a:off x="0" y="0"/>
+          <a:ext cx="0" cy="0"/>
+          <a:chOff x="0" y="0"/>
+          <a:chExt cx="0" cy="0"/>
+        </a:xfrm>
+      </p:grpSpPr>
+      <p:sp>
+        <p:nvSpPr>
+          <p:cNvPr id="2" name="Title 1"/>
+          <p:cNvSpPr>
+            <a:spLocks noGrp="1"/>
+          </p:cNvSpPr>
+          <p:nvPr>
+            <p:ph type="title"/>
+          </p:nvPr>
+        </p:nvSpPr>
+        <p:spPr/>
+        <p:txBody>
+          <a:bodyPr/>
+          <a:lstStyle/>
+          <a:p>
+            <a:r>
+              <a:rPr lang="fr-FR" dirty="0" smtClean="0"/>
+              <a:t>Schéma de principe</a:t>
+            </a:r>
+            <a:endParaRPr lang="fr-FR" dirty="0"/>
+          </a:p>
+        </p:txBody>
+      </p:sp>
+      <p:pic>
+        <p:nvPicPr>
+          <p:cNvPr id="4" name="Content Placeholder 3"/>
+          <p:cNvPicPr>
+            <a:picLocks noGrp="1" noChangeAspect="1"/>
+          </p:cNvPicPr>
+          <p:nvPr>
+            <p:ph idx="1"/>
+          </p:nvPr>
+        </p:nvPicPr>
+        <p:blipFill>
+          <a:blip r:embed="rId2">
+            <a:extLst>
+              <a:ext uri="{28A0092B-C50C-407E-A947-70E740481C1C}">
+                <a14:useLocalDpi xmlns:a14="http://schemas.microsoft.com/office/drawing/2010/main" val="0"/>
+              </a:ext>
+            </a:extLst>
+          </a:blip>
+          <a:stretch>
+            <a:fillRect/>
+          </a:stretch>
+        </p:blipFill>
+        <p:spPr>
+          <a:xfrm>
+            <a:off x="3431400" y="1612669"/>
+            <a:ext cx="8361728" cy="3699163"/>
+          </a:xfrm>
+        </p:spPr>
+      </p:pic>
+      <p:sp>
+        <p:nvSpPr>
+          <p:cNvPr id="3" name="Slide Number Placeholder 2"/>
+          <p:cNvSpPr>
+            <a:spLocks noGrp="1"/>
+          </p:cNvSpPr>
+          <p:nvPr>
+            <p:ph type="sldNum" sz="quarter" idx="12"/>
+          </p:nvPr>
+        </p:nvSpPr>
+        <p:spPr/>
+        <p:txBody>
+          <a:bodyPr/>
+          <a:lstStyle/>
+          <a:p>
+            <a:fld id="{7404B288-D4C1-4B47-A59A-F4398D5A3735}" type="slidenum">
+              <a:rPr lang="fr-FR" smtClean="0"/>
+              <a:t>17</a:t>
+            </a:fld>
+            <a:endParaRPr lang="fr-FR"/>
+          </a:p>
+        </p:txBody>
+      </p:sp>
+    </p:spTree>
+    <p:extLst>
+      <p:ext uri="{BB962C8B-B14F-4D97-AF65-F5344CB8AC3E}">
+        <p14:creationId xmlns:p14="http://schemas.microsoft.com/office/powerpoint/2010/main" val="3284289145"/>
+      </p:ext>
+    </p:extLst>
+  </p:cSld>
+  <p:clrMapOvr>
+    <a:masterClrMapping/>
+  </p:clrMapOvr>
+  <p:timing>
+    <p:tnLst>
+      <p:par>
+        <p:cTn id="1" dur="indefinite" restart="never" nodeType="tmRoot"/>
+      </p:par>
+    </p:tnLst>
+  </p:timing>
+</p:sld>
+</file>
+
+<file path=ppt/slides/slide18.xml><?xml version="1.0" encoding="utf-8"?>
+<p:sld xmlns:a="http://schemas.openxmlformats.org/drawingml/2006/main" xmlns:r="http://schemas.openxmlformats.org/officeDocument/2006/relationships" xmlns:p="http://schemas.openxmlformats.org/presentationml/2006/main">
+  <p:cSld>
+    <p:spTree>
+      <p:nvGrpSpPr>
+        <p:cNvPr id="1" name=""/>
+        <p:cNvGrpSpPr/>
+        <p:nvPr/>
+      </p:nvGrpSpPr>
+      <p:grpSpPr>
+        <a:xfrm>
+          <a:off x="0" y="0"/>
+          <a:ext cx="0" cy="0"/>
+          <a:chOff x="0" y="0"/>
+          <a:chExt cx="0" cy="0"/>
+        </a:xfrm>
+      </p:grpSpPr>
+      <p:sp>
+        <p:nvSpPr>
+          <p:cNvPr id="2" name="Titre 1"/>
+          <p:cNvSpPr>
+            <a:spLocks noGrp="1"/>
+          </p:cNvSpPr>
+          <p:nvPr>
+            <p:ph type="title"/>
+          </p:nvPr>
+        </p:nvSpPr>
+        <p:spPr/>
+        <p:txBody>
+          <a:bodyPr/>
+          <a:lstStyle/>
+          <a:p>
+            <a:r>
+              <a:rPr lang="fr-FR" dirty="0" smtClean="0"/>
+              <a:t>Serveur</a:t>
+            </a:r>
+            <a:endParaRPr lang="fr-FR" dirty="0"/>
+          </a:p>
+        </p:txBody>
+      </p:sp>
+      <p:sp>
+        <p:nvSpPr>
+          <p:cNvPr id="3" name="Espace réservé du contenu 2"/>
+          <p:cNvSpPr>
+            <a:spLocks noGrp="1"/>
+          </p:cNvSpPr>
+          <p:nvPr>
+            <p:ph idx="1"/>
+          </p:nvPr>
+        </p:nvSpPr>
+        <p:spPr>
+          <a:xfrm>
+            <a:off x="3699164" y="864108"/>
+            <a:ext cx="7888778" cy="5120640"/>
+          </a:xfrm>
+        </p:spPr>
+        <p:txBody>
+          <a:bodyPr>
+            <a:normAutofit/>
+          </a:bodyPr>
+          <a:lstStyle/>
+          <a:p>
+            <a:pPr marL="0" indent="0">
+              <a:buNone/>
+            </a:pPr>
+            <a:r>
+              <a:rPr lang="fr-FR" dirty="0" smtClean="0"/>
+              <a:t>Utilisation d</a:t>
+            </a:r>
+            <a:r>
+              <a:rPr lang="en-US" dirty="0" smtClean="0"/>
+              <a:t>’</a:t>
+            </a:r>
+            <a:r>
+              <a:rPr lang="en-US" dirty="0" err="1" smtClean="0"/>
+              <a:t>une</a:t>
+            </a:r>
+            <a:r>
+              <a:rPr lang="en-US" dirty="0" smtClean="0"/>
+              <a:t> instance EC2 </a:t>
+            </a:r>
+            <a:r>
+              <a:rPr lang="en-US" dirty="0" err="1" smtClean="0"/>
+              <a:t>d’Amazon</a:t>
+            </a:r>
+            <a:r>
+              <a:rPr lang="en-US" dirty="0" smtClean="0"/>
+              <a:t> Web Services (Ubuntu 18.04)</a:t>
+            </a:r>
+          </a:p>
+          <a:p>
+            <a:pPr marL="0" indent="0">
+              <a:buNone/>
+            </a:pPr>
+            <a:endParaRPr lang="fr-FR" dirty="0" smtClean="0"/>
+          </a:p>
+          <a:p>
+            <a:pPr marL="0" indent="0">
+              <a:buNone/>
+            </a:pPr>
+            <a:endParaRPr lang="fr-FR" dirty="0"/>
+          </a:p>
+          <a:p>
+            <a:pPr marL="0" indent="0">
+              <a:buNone/>
+            </a:pPr>
+            <a:endParaRPr lang="fr-FR" dirty="0" smtClean="0"/>
+          </a:p>
+          <a:p>
+            <a:pPr marL="0" indent="0">
+              <a:buNone/>
+            </a:pPr>
+            <a:endParaRPr lang="fr-FR" dirty="0" smtClean="0"/>
+          </a:p>
+          <a:p>
+            <a:pPr marL="0" indent="0">
+              <a:buNone/>
+            </a:pPr>
+            <a:r>
+              <a:rPr lang="fr-FR" dirty="0" smtClean="0"/>
+              <a:t>Installation de :</a:t>
+            </a:r>
+          </a:p>
+          <a:p>
+            <a:pPr lvl="1"/>
+            <a:r>
+              <a:rPr lang="fr-FR" dirty="0" err="1" smtClean="0"/>
+              <a:t>Node</a:t>
+            </a:r>
+            <a:r>
+              <a:rPr lang="fr-FR" dirty="0" smtClean="0"/>
+              <a:t>-RED pour la logique du back-end</a:t>
+            </a:r>
+          </a:p>
+          <a:p>
+            <a:pPr lvl="1"/>
+            <a:r>
+              <a:rPr lang="fr-FR" dirty="0" err="1" smtClean="0"/>
+              <a:t>Nginx</a:t>
+            </a:r>
+            <a:r>
+              <a:rPr lang="fr-FR" dirty="0" smtClean="0"/>
+              <a:t> (proxy web)</a:t>
+            </a:r>
+          </a:p>
+          <a:p>
+            <a:pPr lvl="1"/>
+            <a:r>
+              <a:rPr lang="fr-FR" dirty="0" err="1" smtClean="0"/>
+              <a:t>InfluxDB</a:t>
+            </a:r>
+            <a:r>
+              <a:rPr lang="fr-FR" dirty="0" smtClean="0"/>
+              <a:t> (base de </a:t>
+            </a:r>
+            <a:r>
+              <a:rPr lang="fr-FR" dirty="0" err="1" smtClean="0"/>
+              <a:t>donn</a:t>
+            </a:r>
+            <a:r>
+              <a:rPr lang="en-US" dirty="0" err="1" smtClean="0"/>
+              <a:t>és</a:t>
+            </a:r>
+            <a:r>
+              <a:rPr lang="en-US" dirty="0" smtClean="0"/>
+              <a:t> “</a:t>
+            </a:r>
+            <a:r>
+              <a:rPr lang="en-US" dirty="0" err="1" smtClean="0"/>
+              <a:t>timeseries</a:t>
+            </a:r>
+            <a:r>
+              <a:rPr lang="en-US" dirty="0" smtClean="0"/>
+              <a:t>”)</a:t>
+            </a:r>
+            <a:endParaRPr lang="fr-FR" dirty="0"/>
+          </a:p>
+        </p:txBody>
+      </p:sp>
+      <p:pic>
+        <p:nvPicPr>
+          <p:cNvPr id="4" name="Image 3"/>
+          <p:cNvPicPr>
+            <a:picLocks noChangeAspect="1"/>
+          </p:cNvPicPr>
+          <p:nvPr/>
+        </p:nvPicPr>
+        <p:blipFill>
+          <a:blip r:embed="rId2" cstate="print">
+            <a:extLst>
+              <a:ext uri="{28A0092B-C50C-407E-A947-70E740481C1C}">
+                <a14:useLocalDpi xmlns:a14="http://schemas.microsoft.com/office/drawing/2010/main" val="0"/>
+              </a:ext>
+            </a:extLst>
+          </a:blip>
+          <a:stretch>
+            <a:fillRect/>
+          </a:stretch>
+        </p:blipFill>
+        <p:spPr>
+          <a:xfrm>
+            <a:off x="3699164" y="2125821"/>
+            <a:ext cx="7888778" cy="1244442"/>
+          </a:xfrm>
+          <a:prstGeom prst="rect">
+            <a:avLst/>
+          </a:prstGeom>
+        </p:spPr>
+      </p:pic>
+      <p:sp>
+        <p:nvSpPr>
+          <p:cNvPr id="5" name="Slide Number Placeholder 4"/>
+          <p:cNvSpPr>
+            <a:spLocks noGrp="1"/>
+          </p:cNvSpPr>
+          <p:nvPr>
+            <p:ph type="sldNum" sz="quarter" idx="12"/>
+          </p:nvPr>
+        </p:nvSpPr>
+        <p:spPr/>
+        <p:txBody>
+          <a:bodyPr/>
+          <a:lstStyle/>
+          <a:p>
+            <a:fld id="{7404B288-D4C1-4B47-A59A-F4398D5A3735}" type="slidenum">
+              <a:rPr lang="fr-FR" smtClean="0"/>
+              <a:t>18</a:t>
+            </a:fld>
+            <a:endParaRPr lang="fr-FR"/>
+          </a:p>
+        </p:txBody>
+      </p:sp>
+    </p:spTree>
+    <p:extLst>
+      <p:ext uri="{BB962C8B-B14F-4D97-AF65-F5344CB8AC3E}">
+        <p14:creationId xmlns:p14="http://schemas.microsoft.com/office/powerpoint/2010/main" val="1510428232"/>
+      </p:ext>
+    </p:extLst>
+  </p:cSld>
+  <p:clrMapOvr>
+    <a:masterClrMapping/>
+  </p:clrMapOvr>
+  <p:timing>
+    <p:tnLst>
+      <p:par>
+        <p:cTn id="1" dur="indefinite" restart="never" nodeType="tmRoot"/>
+      </p:par>
+    </p:tnLst>
+  </p:timing>
+</p:sld>
+</file>
+
+<file path=ppt/slides/slide19.xml><?xml version="1.0" encoding="utf-8"?>
+<p:sld xmlns:a="http://schemas.openxmlformats.org/drawingml/2006/main" xmlns:r="http://schemas.openxmlformats.org/officeDocument/2006/relationships" xmlns:p="http://schemas.openxmlformats.org/presentationml/2006/main">
+  <p:cSld>
+    <p:spTree>
+      <p:nvGrpSpPr>
+        <p:cNvPr id="1" name=""/>
+        <p:cNvGrpSpPr/>
+        <p:nvPr/>
+      </p:nvGrpSpPr>
+      <p:grpSpPr>
+        <a:xfrm>
+          <a:off x="0" y="0"/>
+          <a:ext cx="0" cy="0"/>
+          <a:chOff x="0" y="0"/>
+          <a:chExt cx="0" cy="0"/>
+        </a:xfrm>
+      </p:grpSpPr>
+      <p:sp>
+        <p:nvSpPr>
+          <p:cNvPr id="2" name="Titre 1"/>
+          <p:cNvSpPr>
+            <a:spLocks noGrp="1"/>
+          </p:cNvSpPr>
+          <p:nvPr>
+            <p:ph type="title"/>
+          </p:nvPr>
+        </p:nvSpPr>
+        <p:spPr/>
+        <p:txBody>
+          <a:bodyPr/>
+          <a:lstStyle/>
+          <a:p>
+            <a:r>
+              <a:rPr lang="fr-FR" dirty="0" err="1" smtClean="0"/>
+              <a:t>Node</a:t>
+            </a:r>
+            <a:r>
+              <a:rPr lang="fr-FR" dirty="0" smtClean="0"/>
+              <a:t>-RED</a:t>
+            </a:r>
+            <a:endParaRPr lang="fr-FR" dirty="0"/>
+          </a:p>
+        </p:txBody>
+      </p:sp>
+      <p:sp>
+        <p:nvSpPr>
+          <p:cNvPr id="3" name="Espace réservé du contenu 2"/>
+          <p:cNvSpPr>
+            <a:spLocks noGrp="1"/>
+          </p:cNvSpPr>
+          <p:nvPr>
+            <p:ph idx="1"/>
+          </p:nvPr>
+        </p:nvSpPr>
+        <p:spPr>
+          <a:xfrm>
+            <a:off x="3541483" y="864108"/>
+            <a:ext cx="8161230" cy="1696212"/>
+          </a:xfrm>
+        </p:spPr>
+        <p:txBody>
+          <a:bodyPr>
+            <a:normAutofit/>
+          </a:bodyPr>
+          <a:lstStyle/>
+          <a:p>
+            <a:pPr marL="0" indent="0" algn="ctr">
+              <a:buNone/>
+            </a:pPr>
+            <a:r>
+              <a:rPr lang="fr-FR" dirty="0" smtClean="0"/>
+              <a:t>Interface graphique pour </a:t>
+            </a:r>
+            <a:r>
+              <a:rPr lang="en-US" dirty="0" smtClean="0"/>
+              <a:t>“coder" la </a:t>
+            </a:r>
+            <a:r>
+              <a:rPr lang="en-US" dirty="0" err="1" smtClean="0"/>
+              <a:t>logique</a:t>
+            </a:r>
+            <a:r>
+              <a:rPr lang="en-US" dirty="0"/>
+              <a:t> </a:t>
+            </a:r>
+            <a:r>
+              <a:rPr lang="en-US" dirty="0" smtClean="0"/>
+              <a:t>back-end</a:t>
+            </a:r>
+            <a:endParaRPr lang="fr-FR" dirty="0" smtClean="0"/>
+          </a:p>
+          <a:p>
+            <a:pPr marL="0" indent="0" algn="ctr">
+              <a:buNone/>
+            </a:pPr>
+            <a:endParaRPr lang="fr-FR" dirty="0" smtClean="0"/>
+          </a:p>
+        </p:txBody>
+      </p:sp>
+      <p:pic>
+        <p:nvPicPr>
+          <p:cNvPr id="5" name="Image 4"/>
+          <p:cNvPicPr>
+            <a:picLocks noChangeAspect="1"/>
+          </p:cNvPicPr>
+          <p:nvPr/>
+        </p:nvPicPr>
+        <p:blipFill>
+          <a:blip r:embed="rId2" cstate="print">
+            <a:extLst>
+              <a:ext uri="{28A0092B-C50C-407E-A947-70E740481C1C}">
+                <a14:useLocalDpi xmlns:a14="http://schemas.microsoft.com/office/drawing/2010/main" val="0"/>
+              </a:ext>
+            </a:extLst>
+          </a:blip>
+          <a:stretch>
+            <a:fillRect/>
+          </a:stretch>
+        </p:blipFill>
+        <p:spPr>
+          <a:xfrm>
+            <a:off x="3541483" y="1782880"/>
+            <a:ext cx="8161230" cy="4069280"/>
+          </a:xfrm>
+          <a:prstGeom prst="rect">
+            <a:avLst/>
+          </a:prstGeom>
+        </p:spPr>
+      </p:pic>
+      <p:sp>
+        <p:nvSpPr>
+          <p:cNvPr id="4" name="Slide Number Placeholder 3"/>
+          <p:cNvSpPr>
+            <a:spLocks noGrp="1"/>
+          </p:cNvSpPr>
+          <p:nvPr>
+            <p:ph type="sldNum" sz="quarter" idx="12"/>
+          </p:nvPr>
+        </p:nvSpPr>
+        <p:spPr/>
+        <p:txBody>
+          <a:bodyPr/>
+          <a:lstStyle/>
+          <a:p>
+            <a:fld id="{7404B288-D4C1-4B47-A59A-F4398D5A3735}" type="slidenum">
+              <a:rPr lang="fr-FR" smtClean="0"/>
+              <a:t>19</a:t>
+            </a:fld>
+            <a:endParaRPr lang="fr-FR"/>
+          </a:p>
+        </p:txBody>
+      </p:sp>
+    </p:spTree>
+    <p:extLst>
+      <p:ext uri="{BB962C8B-B14F-4D97-AF65-F5344CB8AC3E}">
+        <p14:creationId xmlns:p14="http://schemas.microsoft.com/office/powerpoint/2010/main" val="764419648"/>
+      </p:ext>
+    </p:extLst>
+  </p:cSld>
+  <p:clrMapOvr>
+    <a:masterClrMapping/>
+  </p:clrMapOvr>
+  <p:timing>
+    <p:tnLst>
+      <p:par>
+        <p:cTn id="1" dur="indefinite" restart="never" nodeType="tmRoot"/>
+      </p:par>
+    </p:tnLst>
+  </p:timing>
 </p:sld>
 </file>
 
@@ -3862,6 +6288,29 @@
           </a:prstGeom>
         </p:spPr>
       </p:pic>
+      <p:sp>
+        <p:nvSpPr>
+          <p:cNvPr id="6" name="Slide Number Placeholder 5"/>
+          <p:cNvSpPr>
+            <a:spLocks noGrp="1"/>
+          </p:cNvSpPr>
+          <p:nvPr>
+            <p:ph type="sldNum" sz="quarter" idx="12"/>
+          </p:nvPr>
+        </p:nvSpPr>
+        <p:spPr/>
+        <p:txBody>
+          <a:bodyPr/>
+          <a:lstStyle/>
+          <a:p>
+            <a:fld id="{7404B288-D4C1-4B47-A59A-F4398D5A3735}" type="slidenum">
+              <a:rPr lang="fr-FR" smtClean="0"/>
+              <a:t>2</a:t>
+            </a:fld>
+            <a:endParaRPr lang="fr-FR"/>
+          </a:p>
+        </p:txBody>
+      </p:sp>
     </p:spTree>
     <p:extLst>
       <p:ext uri="{BB962C8B-B14F-4D97-AF65-F5344CB8AC3E}">
@@ -3872,6 +6321,655 @@
   <p:clrMapOvr>
     <a:masterClrMapping/>
   </p:clrMapOvr>
+  <p:timing>
+    <p:tnLst>
+      <p:par>
+        <p:cTn id="1" dur="indefinite" restart="never" nodeType="tmRoot"/>
+      </p:par>
+    </p:tnLst>
+  </p:timing>
+</p:sld>
+</file>
+
+<file path=ppt/slides/slide20.xml><?xml version="1.0" encoding="utf-8"?>
+<p:sld xmlns:a="http://schemas.openxmlformats.org/drawingml/2006/main" xmlns:r="http://schemas.openxmlformats.org/officeDocument/2006/relationships" xmlns:p="http://schemas.openxmlformats.org/presentationml/2006/main">
+  <p:cSld>
+    <p:spTree>
+      <p:nvGrpSpPr>
+        <p:cNvPr id="1" name=""/>
+        <p:cNvGrpSpPr/>
+        <p:nvPr/>
+      </p:nvGrpSpPr>
+      <p:grpSpPr>
+        <a:xfrm>
+          <a:off x="0" y="0"/>
+          <a:ext cx="0" cy="0"/>
+          <a:chOff x="0" y="0"/>
+          <a:chExt cx="0" cy="0"/>
+        </a:xfrm>
+      </p:grpSpPr>
+      <p:sp>
+        <p:nvSpPr>
+          <p:cNvPr id="2" name="Titre 1"/>
+          <p:cNvSpPr>
+            <a:spLocks noGrp="1"/>
+          </p:cNvSpPr>
+          <p:nvPr>
+            <p:ph type="title"/>
+          </p:nvPr>
+        </p:nvSpPr>
+        <p:spPr/>
+        <p:txBody>
+          <a:bodyPr/>
+          <a:lstStyle/>
+          <a:p>
+            <a:r>
+              <a:rPr lang="fr-FR" dirty="0" err="1" smtClean="0"/>
+              <a:t>Node</a:t>
+            </a:r>
+            <a:r>
+              <a:rPr lang="fr-FR" dirty="0" smtClean="0"/>
+              <a:t>-RED</a:t>
+            </a:r>
+            <a:endParaRPr lang="fr-FR" dirty="0"/>
+          </a:p>
+        </p:txBody>
+      </p:sp>
+      <p:sp>
+        <p:nvSpPr>
+          <p:cNvPr id="3" name="Espace réservé du contenu 2"/>
+          <p:cNvSpPr>
+            <a:spLocks noGrp="1"/>
+          </p:cNvSpPr>
+          <p:nvPr>
+            <p:ph idx="1"/>
+          </p:nvPr>
+        </p:nvSpPr>
+        <p:spPr>
+          <a:xfrm>
+            <a:off x="3699164" y="864108"/>
+            <a:ext cx="7891258" cy="1214074"/>
+          </a:xfrm>
+        </p:spPr>
+        <p:txBody>
+          <a:bodyPr>
+            <a:normAutofit/>
+          </a:bodyPr>
+          <a:lstStyle/>
+          <a:p>
+            <a:pPr marL="0" indent="0" algn="ctr">
+              <a:buNone/>
+            </a:pPr>
+            <a:r>
+              <a:rPr lang="en-US" dirty="0" err="1" smtClean="0"/>
+              <a:t>Permet</a:t>
+            </a:r>
+            <a:r>
+              <a:rPr lang="en-US" dirty="0" smtClean="0"/>
+              <a:t> de faire un dashboard </a:t>
+            </a:r>
+            <a:r>
+              <a:rPr lang="en-US" dirty="0" err="1" smtClean="0"/>
+              <a:t>rapidement</a:t>
+            </a:r>
+            <a:endParaRPr lang="fr-FR" dirty="0" smtClean="0"/>
+          </a:p>
+        </p:txBody>
+      </p:sp>
+      <p:pic>
+        <p:nvPicPr>
+          <p:cNvPr id="4" name="Image 3"/>
+          <p:cNvPicPr>
+            <a:picLocks noChangeAspect="1"/>
+          </p:cNvPicPr>
+          <p:nvPr/>
+        </p:nvPicPr>
+        <p:blipFill>
+          <a:blip r:embed="rId2" cstate="print">
+            <a:extLst>
+              <a:ext uri="{28A0092B-C50C-407E-A947-70E740481C1C}">
+                <a14:useLocalDpi xmlns:a14="http://schemas.microsoft.com/office/drawing/2010/main" val="0"/>
+              </a:ext>
+            </a:extLst>
+          </a:blip>
+          <a:stretch>
+            <a:fillRect/>
+          </a:stretch>
+        </p:blipFill>
+        <p:spPr>
+          <a:xfrm>
+            <a:off x="3699164" y="1790351"/>
+            <a:ext cx="7891258" cy="3934669"/>
+          </a:xfrm>
+          <a:prstGeom prst="rect">
+            <a:avLst/>
+          </a:prstGeom>
+        </p:spPr>
+      </p:pic>
+      <p:sp>
+        <p:nvSpPr>
+          <p:cNvPr id="5" name="Slide Number Placeholder 4"/>
+          <p:cNvSpPr>
+            <a:spLocks noGrp="1"/>
+          </p:cNvSpPr>
+          <p:nvPr>
+            <p:ph type="sldNum" sz="quarter" idx="12"/>
+          </p:nvPr>
+        </p:nvSpPr>
+        <p:spPr/>
+        <p:txBody>
+          <a:bodyPr/>
+          <a:lstStyle/>
+          <a:p>
+            <a:fld id="{7404B288-D4C1-4B47-A59A-F4398D5A3735}" type="slidenum">
+              <a:rPr lang="fr-FR" smtClean="0"/>
+              <a:t>20</a:t>
+            </a:fld>
+            <a:endParaRPr lang="fr-FR"/>
+          </a:p>
+        </p:txBody>
+      </p:sp>
+    </p:spTree>
+    <p:extLst>
+      <p:ext uri="{BB962C8B-B14F-4D97-AF65-F5344CB8AC3E}">
+        <p14:creationId xmlns:p14="http://schemas.microsoft.com/office/powerpoint/2010/main" val="3190526090"/>
+      </p:ext>
+    </p:extLst>
+  </p:cSld>
+  <p:clrMapOvr>
+    <a:masterClrMapping/>
+  </p:clrMapOvr>
+  <p:timing>
+    <p:tnLst>
+      <p:par>
+        <p:cTn id="1" dur="indefinite" restart="never" nodeType="tmRoot"/>
+      </p:par>
+    </p:tnLst>
+  </p:timing>
+</p:sld>
+</file>
+
+<file path=ppt/slides/slide21.xml><?xml version="1.0" encoding="utf-8"?>
+<p:sld xmlns:a="http://schemas.openxmlformats.org/drawingml/2006/main" xmlns:r="http://schemas.openxmlformats.org/officeDocument/2006/relationships" xmlns:p="http://schemas.openxmlformats.org/presentationml/2006/main">
+  <p:cSld>
+    <p:spTree>
+      <p:nvGrpSpPr>
+        <p:cNvPr id="1" name=""/>
+        <p:cNvGrpSpPr/>
+        <p:nvPr/>
+      </p:nvGrpSpPr>
+      <p:grpSpPr>
+        <a:xfrm>
+          <a:off x="0" y="0"/>
+          <a:ext cx="0" cy="0"/>
+          <a:chOff x="0" y="0"/>
+          <a:chExt cx="0" cy="0"/>
+        </a:xfrm>
+      </p:grpSpPr>
+      <p:sp>
+        <p:nvSpPr>
+          <p:cNvPr id="2" name="Titre 1"/>
+          <p:cNvSpPr>
+            <a:spLocks noGrp="1"/>
+          </p:cNvSpPr>
+          <p:nvPr>
+            <p:ph type="title"/>
+          </p:nvPr>
+        </p:nvSpPr>
+        <p:spPr/>
+        <p:txBody>
+          <a:bodyPr/>
+          <a:lstStyle/>
+          <a:p>
+            <a:r>
+              <a:rPr lang="fr-FR" dirty="0" err="1" smtClean="0"/>
+              <a:t>InfluxDB</a:t>
+            </a:r>
+            <a:endParaRPr lang="fr-FR" dirty="0"/>
+          </a:p>
+        </p:txBody>
+      </p:sp>
+      <p:sp>
+        <p:nvSpPr>
+          <p:cNvPr id="3" name="Espace réservé du contenu 2"/>
+          <p:cNvSpPr>
+            <a:spLocks noGrp="1"/>
+          </p:cNvSpPr>
+          <p:nvPr>
+            <p:ph idx="1"/>
+          </p:nvPr>
+        </p:nvSpPr>
+        <p:spPr>
+          <a:xfrm>
+            <a:off x="3532909" y="847290"/>
+            <a:ext cx="8100446" cy="2619117"/>
+          </a:xfrm>
+        </p:spPr>
+        <p:txBody>
+          <a:bodyPr>
+            <a:normAutofit/>
+          </a:bodyPr>
+          <a:lstStyle/>
+          <a:p>
+            <a:pPr marL="0" indent="0">
+              <a:buNone/>
+            </a:pPr>
+            <a:r>
+              <a:rPr lang="fr-FR" sz="2000" dirty="0" smtClean="0"/>
+              <a:t>Base de </a:t>
+            </a:r>
+            <a:r>
+              <a:rPr lang="fr-FR" sz="2000" dirty="0" err="1" smtClean="0"/>
+              <a:t>donn</a:t>
+            </a:r>
+            <a:r>
+              <a:rPr lang="en-US" sz="2000" dirty="0" err="1" smtClean="0"/>
+              <a:t>ées</a:t>
+            </a:r>
+            <a:r>
+              <a:rPr lang="en-US" sz="2000" dirty="0" smtClean="0"/>
+              <a:t> "</a:t>
+            </a:r>
+            <a:r>
+              <a:rPr lang="en-US" sz="2000" dirty="0" err="1" smtClean="0"/>
+              <a:t>timeseries</a:t>
+            </a:r>
+            <a:r>
+              <a:rPr lang="en-US" sz="2000" dirty="0" smtClean="0"/>
+              <a:t>” =&gt; la </a:t>
+            </a:r>
+            <a:r>
+              <a:rPr lang="en-US" sz="2000" dirty="0" err="1" smtClean="0"/>
+              <a:t>clé</a:t>
+            </a:r>
+            <a:r>
+              <a:rPr lang="en-US" sz="2000" dirty="0" smtClean="0"/>
+              <a:t> </a:t>
+            </a:r>
+            <a:r>
+              <a:rPr lang="en-US" sz="2000" dirty="0" err="1" smtClean="0"/>
+              <a:t>est</a:t>
+            </a:r>
+            <a:r>
+              <a:rPr lang="en-US" sz="2000" dirty="0" smtClean="0"/>
+              <a:t> le </a:t>
+            </a:r>
+            <a:r>
+              <a:rPr lang="en-US" sz="2000" dirty="0" smtClean="0"/>
+              <a:t>temps</a:t>
+            </a:r>
+            <a:endParaRPr lang="en-US" sz="2000" dirty="0"/>
+          </a:p>
+          <a:p>
+            <a:r>
+              <a:rPr lang="en-US" sz="2000" dirty="0" err="1" smtClean="0"/>
+              <a:t>Très</a:t>
+            </a:r>
+            <a:r>
+              <a:rPr lang="en-US" sz="2000" dirty="0" smtClean="0"/>
+              <a:t> </a:t>
+            </a:r>
+            <a:r>
+              <a:rPr lang="en-US" sz="2000" dirty="0" err="1" smtClean="0"/>
+              <a:t>utilisé</a:t>
+            </a:r>
+            <a:r>
+              <a:rPr lang="en-US" sz="2000" dirty="0" smtClean="0"/>
+              <a:t> avec des </a:t>
+            </a:r>
+            <a:r>
+              <a:rPr lang="en-US" sz="2000" dirty="0" err="1" smtClean="0"/>
+              <a:t>objets</a:t>
+            </a:r>
+            <a:r>
+              <a:rPr lang="en-US" sz="2000" dirty="0" smtClean="0"/>
+              <a:t> </a:t>
+            </a:r>
+            <a:r>
+              <a:rPr lang="en-US" sz="2000" dirty="0" err="1" smtClean="0"/>
+              <a:t>connectés</a:t>
+            </a:r>
+            <a:endParaRPr lang="en-US" sz="2000" dirty="0"/>
+          </a:p>
+          <a:p>
+            <a:r>
+              <a:rPr lang="en-US" sz="2000" dirty="0" smtClean="0"/>
+              <a:t>Notions de “measurement”</a:t>
+            </a:r>
+          </a:p>
+          <a:p>
+            <a:r>
+              <a:rPr lang="en-US" sz="2000" dirty="0" err="1" smtClean="0"/>
+              <a:t>Politique</a:t>
+            </a:r>
+            <a:r>
+              <a:rPr lang="en-US" sz="2000" dirty="0" smtClean="0"/>
+              <a:t> de retention </a:t>
+            </a:r>
+            <a:r>
+              <a:rPr lang="fr-FR" sz="2000" dirty="0" smtClean="0"/>
+              <a:t>permettant</a:t>
+            </a:r>
+            <a:r>
+              <a:rPr lang="en-US" sz="2000" dirty="0" smtClean="0"/>
+              <a:t> de </a:t>
+            </a:r>
+            <a:r>
+              <a:rPr lang="en-US" sz="2000" dirty="0" err="1" smtClean="0"/>
+              <a:t>supprimer</a:t>
+            </a:r>
+            <a:r>
+              <a:rPr lang="en-US" sz="2000" dirty="0" smtClean="0"/>
+              <a:t> les </a:t>
+            </a:r>
+            <a:r>
+              <a:rPr lang="en-US" sz="2000" dirty="0" err="1" smtClean="0"/>
+              <a:t>vieilles</a:t>
+            </a:r>
+            <a:r>
+              <a:rPr lang="en-US" sz="2000" dirty="0" smtClean="0"/>
+              <a:t> </a:t>
+            </a:r>
+            <a:r>
+              <a:rPr lang="en-US" sz="2000" dirty="0" err="1" smtClean="0"/>
+              <a:t>données</a:t>
+            </a:r>
+            <a:endParaRPr lang="en-US" sz="2000" dirty="0" smtClean="0"/>
+          </a:p>
+          <a:p>
+            <a:r>
+              <a:rPr lang="en-US" sz="2000" dirty="0" smtClean="0"/>
+              <a:t>Manipulation </a:t>
+            </a:r>
+            <a:r>
+              <a:rPr lang="en-US" sz="2000" dirty="0" err="1" smtClean="0"/>
+              <a:t>temporelle</a:t>
+            </a:r>
+            <a:r>
+              <a:rPr lang="en-US" sz="2000" dirty="0" smtClean="0"/>
+              <a:t> facile</a:t>
+            </a:r>
+          </a:p>
+          <a:p>
+            <a:r>
+              <a:rPr lang="en-US" sz="2000" dirty="0" err="1" smtClean="0"/>
+              <a:t>Très</a:t>
+            </a:r>
+            <a:r>
+              <a:rPr lang="en-US" sz="2000" dirty="0" smtClean="0"/>
+              <a:t> </a:t>
+            </a:r>
+            <a:r>
+              <a:rPr lang="en-US" sz="2000" dirty="0" err="1" smtClean="0"/>
+              <a:t>léger</a:t>
+            </a:r>
+            <a:r>
+              <a:rPr lang="en-US" sz="2000" dirty="0" smtClean="0"/>
+              <a:t> (</a:t>
+            </a:r>
+            <a:r>
+              <a:rPr lang="en-US" sz="2000" dirty="0" err="1" smtClean="0"/>
+              <a:t>peut</a:t>
+            </a:r>
+            <a:r>
+              <a:rPr lang="en-US" sz="2000" dirty="0" smtClean="0"/>
+              <a:t> </a:t>
+            </a:r>
+            <a:r>
+              <a:rPr lang="en-US" sz="2000" dirty="0" err="1" smtClean="0"/>
+              <a:t>manipuler</a:t>
+            </a:r>
+            <a:r>
+              <a:rPr lang="en-US" sz="2000" dirty="0" smtClean="0"/>
+              <a:t> beaucoup de </a:t>
+            </a:r>
+            <a:r>
+              <a:rPr lang="en-US" sz="2000" dirty="0" err="1" smtClean="0"/>
+              <a:t>mesures</a:t>
+            </a:r>
+            <a:r>
+              <a:rPr lang="en-US" sz="2000" dirty="0" smtClean="0"/>
+              <a:t>)</a:t>
+            </a:r>
+            <a:endParaRPr lang="en-US" sz="2000" dirty="0" smtClean="0"/>
+          </a:p>
+        </p:txBody>
+      </p:sp>
+      <p:sp>
+        <p:nvSpPr>
+          <p:cNvPr id="6" name="Slide Number Placeholder 5"/>
+          <p:cNvSpPr>
+            <a:spLocks noGrp="1"/>
+          </p:cNvSpPr>
+          <p:nvPr>
+            <p:ph type="sldNum" sz="quarter" idx="12"/>
+          </p:nvPr>
+        </p:nvSpPr>
+        <p:spPr/>
+        <p:txBody>
+          <a:bodyPr/>
+          <a:lstStyle/>
+          <a:p>
+            <a:fld id="{7404B288-D4C1-4B47-A59A-F4398D5A3735}" type="slidenum">
+              <a:rPr lang="fr-FR" smtClean="0"/>
+              <a:t>21</a:t>
+            </a:fld>
+            <a:endParaRPr lang="fr-FR"/>
+          </a:p>
+        </p:txBody>
+      </p:sp>
+      <p:pic>
+        <p:nvPicPr>
+          <p:cNvPr id="4" name="Image 3"/>
+          <p:cNvPicPr>
+            <a:picLocks noChangeAspect="1"/>
+          </p:cNvPicPr>
+          <p:nvPr/>
+        </p:nvPicPr>
+        <p:blipFill>
+          <a:blip r:embed="rId2" cstate="print">
+            <a:extLst>
+              <a:ext uri="{28A0092B-C50C-407E-A947-70E740481C1C}">
+                <a14:useLocalDpi xmlns:a14="http://schemas.microsoft.com/office/drawing/2010/main" val="0"/>
+              </a:ext>
+            </a:extLst>
+          </a:blip>
+          <a:stretch>
+            <a:fillRect/>
+          </a:stretch>
+        </p:blipFill>
+        <p:spPr>
+          <a:xfrm>
+            <a:off x="5585886" y="3466407"/>
+            <a:ext cx="3982064" cy="2564449"/>
+          </a:xfrm>
+          <a:prstGeom prst="rect">
+            <a:avLst/>
+          </a:prstGeom>
+        </p:spPr>
+      </p:pic>
+      <p:pic>
+        <p:nvPicPr>
+          <p:cNvPr id="5" name="Image 4"/>
+          <p:cNvPicPr>
+            <a:picLocks noChangeAspect="1"/>
+          </p:cNvPicPr>
+          <p:nvPr/>
+        </p:nvPicPr>
+        <p:blipFill rotWithShape="1">
+          <a:blip r:embed="rId3" cstate="print">
+            <a:extLst>
+              <a:ext uri="{28A0092B-C50C-407E-A947-70E740481C1C}">
+                <a14:useLocalDpi xmlns:a14="http://schemas.microsoft.com/office/drawing/2010/main" val="0"/>
+              </a:ext>
+            </a:extLst>
+          </a:blip>
+          <a:srcRect l="22056" t="28273" r="21843" b="32696"/>
+          <a:stretch/>
+        </p:blipFill>
+        <p:spPr>
+          <a:xfrm>
+            <a:off x="10136374" y="755600"/>
+            <a:ext cx="1678788" cy="433120"/>
+          </a:xfrm>
+          <a:prstGeom prst="rect">
+            <a:avLst/>
+          </a:prstGeom>
+        </p:spPr>
+      </p:pic>
+    </p:spTree>
+    <p:extLst>
+      <p:ext uri="{BB962C8B-B14F-4D97-AF65-F5344CB8AC3E}">
+        <p14:creationId xmlns:p14="http://schemas.microsoft.com/office/powerpoint/2010/main" val="1399785776"/>
+      </p:ext>
+    </p:extLst>
+  </p:cSld>
+  <p:clrMapOvr>
+    <a:masterClrMapping/>
+  </p:clrMapOvr>
+  <p:timing>
+    <p:tnLst>
+      <p:par>
+        <p:cTn id="1" dur="indefinite" restart="never" nodeType="tmRoot"/>
+      </p:par>
+    </p:tnLst>
+  </p:timing>
+</p:sld>
+</file>
+
+<file path=ppt/slides/slide22.xml><?xml version="1.0" encoding="utf-8"?>
+<p:sld xmlns:a="http://schemas.openxmlformats.org/drawingml/2006/main" xmlns:r="http://schemas.openxmlformats.org/officeDocument/2006/relationships" xmlns:p="http://schemas.openxmlformats.org/presentationml/2006/main">
+  <p:cSld>
+    <p:spTree>
+      <p:nvGrpSpPr>
+        <p:cNvPr id="1" name=""/>
+        <p:cNvGrpSpPr/>
+        <p:nvPr/>
+      </p:nvGrpSpPr>
+      <p:grpSpPr>
+        <a:xfrm>
+          <a:off x="0" y="0"/>
+          <a:ext cx="0" cy="0"/>
+          <a:chOff x="0" y="0"/>
+          <a:chExt cx="0" cy="0"/>
+        </a:xfrm>
+      </p:grpSpPr>
+      <p:sp>
+        <p:nvSpPr>
+          <p:cNvPr id="2" name="Title 1"/>
+          <p:cNvSpPr>
+            <a:spLocks noGrp="1"/>
+          </p:cNvSpPr>
+          <p:nvPr>
+            <p:ph type="ctrTitle"/>
+          </p:nvPr>
+        </p:nvSpPr>
+        <p:spPr/>
+        <p:txBody>
+          <a:bodyPr/>
+          <a:lstStyle/>
+          <a:p>
+            <a:r>
+              <a:rPr lang="fr-FR" dirty="0" smtClean="0"/>
+              <a:t>Conclusion</a:t>
+            </a:r>
+            <a:endParaRPr lang="fr-FR" dirty="0"/>
+          </a:p>
+        </p:txBody>
+      </p:sp>
+      <p:sp>
+        <p:nvSpPr>
+          <p:cNvPr id="4" name="Subtitle 3"/>
+          <p:cNvSpPr>
+            <a:spLocks noGrp="1"/>
+          </p:cNvSpPr>
+          <p:nvPr>
+            <p:ph type="subTitle" idx="1"/>
+          </p:nvPr>
+        </p:nvSpPr>
+        <p:spPr/>
+        <p:txBody>
+          <a:bodyPr/>
+          <a:lstStyle/>
+          <a:p>
+            <a:r>
+              <a:rPr lang="fr-FR" dirty="0" smtClean="0"/>
+              <a:t>Merci pour votre attention !</a:t>
+            </a:r>
+            <a:endParaRPr lang="fr-FR" dirty="0"/>
+          </a:p>
+        </p:txBody>
+      </p:sp>
+      <p:sp>
+        <p:nvSpPr>
+          <p:cNvPr id="3" name="Slide Number Placeholder 2"/>
+          <p:cNvSpPr>
+            <a:spLocks noGrp="1"/>
+          </p:cNvSpPr>
+          <p:nvPr>
+            <p:ph type="sldNum" sz="quarter" idx="12"/>
+          </p:nvPr>
+        </p:nvSpPr>
+        <p:spPr/>
+        <p:txBody>
+          <a:bodyPr/>
+          <a:lstStyle/>
+          <a:p>
+            <a:fld id="{7404B288-D4C1-4B47-A59A-F4398D5A3735}" type="slidenum">
+              <a:rPr lang="fr-FR" smtClean="0"/>
+              <a:t>22</a:t>
+            </a:fld>
+            <a:endParaRPr lang="fr-FR"/>
+          </a:p>
+        </p:txBody>
+      </p:sp>
+      <p:pic>
+        <p:nvPicPr>
+          <p:cNvPr id="5" name="Picture 4"/>
+          <p:cNvPicPr>
+            <a:picLocks noChangeAspect="1"/>
+          </p:cNvPicPr>
+          <p:nvPr/>
+        </p:nvPicPr>
+        <p:blipFill>
+          <a:blip r:embed="rId2">
+            <a:extLst>
+              <a:ext uri="{28A0092B-C50C-407E-A947-70E740481C1C}">
+                <a14:useLocalDpi xmlns:a14="http://schemas.microsoft.com/office/drawing/2010/main" val="0"/>
+              </a:ext>
+            </a:extLst>
+          </a:blip>
+          <a:stretch>
+            <a:fillRect/>
+          </a:stretch>
+        </p:blipFill>
+        <p:spPr>
+          <a:xfrm rot="20934495">
+            <a:off x="9511277" y="2151484"/>
+            <a:ext cx="2367191" cy="2367191"/>
+          </a:xfrm>
+          <a:prstGeom prst="rect">
+            <a:avLst/>
+          </a:prstGeom>
+        </p:spPr>
+      </p:pic>
+    </p:spTree>
+    <p:extLst>
+      <p:ext uri="{BB962C8B-B14F-4D97-AF65-F5344CB8AC3E}">
+        <p14:creationId xmlns:p14="http://schemas.microsoft.com/office/powerpoint/2010/main" val="2239737622"/>
+      </p:ext>
+    </p:extLst>
+  </p:cSld>
+  <p:clrMapOvr>
+    <a:masterClrMapping/>
+  </p:clrMapOvr>
+  <p:timing>
+    <p:tnLst>
+      <p:par>
+        <p:cTn id="1" dur="indefinite" restart="never" nodeType="tmRoot"/>
+      </p:par>
+    </p:tnLst>
+  </p:timing>
 </p:sld>
 </file>
 
@@ -3944,6 +7042,29 @@
           </a:xfrm>
         </p:spPr>
       </p:pic>
+      <p:sp>
+        <p:nvSpPr>
+          <p:cNvPr id="3" name="Slide Number Placeholder 2"/>
+          <p:cNvSpPr>
+            <a:spLocks noGrp="1"/>
+          </p:cNvSpPr>
+          <p:nvPr>
+            <p:ph type="sldNum" sz="quarter" idx="12"/>
+          </p:nvPr>
+        </p:nvSpPr>
+        <p:spPr/>
+        <p:txBody>
+          <a:bodyPr/>
+          <a:lstStyle/>
+          <a:p>
+            <a:fld id="{7404B288-D4C1-4B47-A59A-F4398D5A3735}" type="slidenum">
+              <a:rPr lang="fr-FR" smtClean="0"/>
+              <a:t>3</a:t>
+            </a:fld>
+            <a:endParaRPr lang="fr-FR"/>
+          </a:p>
+        </p:txBody>
+      </p:sp>
     </p:spTree>
     <p:extLst>
       <p:ext uri="{BB962C8B-B14F-4D97-AF65-F5344CB8AC3E}">
@@ -3954,6 +7075,13 @@
   <p:clrMapOvr>
     <a:masterClrMapping/>
   </p:clrMapOvr>
+  <p:timing>
+    <p:tnLst>
+      <p:par>
+        <p:cTn id="1" dur="indefinite" restart="never" nodeType="tmRoot"/>
+      </p:par>
+    </p:tnLst>
+  </p:timing>
 </p:sld>
 </file>
 
@@ -3990,12 +7118,219 @@
           <a:lstStyle/>
           <a:p>
             <a:r>
-              <a:rPr lang="fr-FR" dirty="0" err="1" smtClean="0"/>
-              <a:t>LoRa</a:t>
-            </a:r>
-            <a:r>
               <a:rPr lang="fr-FR" dirty="0" smtClean="0"/>
-              <a:t> Wan</a:t>
+              <a:t>Application :</a:t>
+            </a:r>
+            <a:br>
+              <a:rPr lang="fr-FR" dirty="0" smtClean="0"/>
+            </a:br>
+            <a:r>
+              <a:rPr lang="fr-FR" dirty="0" smtClean="0"/>
+              <a:t>Technologies</a:t>
+            </a:r>
+            <a:endParaRPr lang="fr-FR" dirty="0"/>
+          </a:p>
+        </p:txBody>
+      </p:sp>
+      <p:sp>
+        <p:nvSpPr>
+          <p:cNvPr id="4" name="Slide Number Placeholder 3"/>
+          <p:cNvSpPr>
+            <a:spLocks noGrp="1"/>
+          </p:cNvSpPr>
+          <p:nvPr>
+            <p:ph type="sldNum" sz="quarter" idx="12"/>
+          </p:nvPr>
+        </p:nvSpPr>
+        <p:spPr/>
+        <p:txBody>
+          <a:bodyPr/>
+          <a:lstStyle/>
+          <a:p>
+            <a:fld id="{7404B288-D4C1-4B47-A59A-F4398D5A3735}" type="slidenum">
+              <a:rPr lang="fr-FR" smtClean="0"/>
+              <a:t>4</a:t>
+            </a:fld>
+            <a:endParaRPr lang="fr-FR"/>
+          </a:p>
+        </p:txBody>
+      </p:sp>
+      <p:pic>
+        <p:nvPicPr>
+          <p:cNvPr id="6" name="Picture 5"/>
+          <p:cNvPicPr>
+            <a:picLocks noChangeAspect="1"/>
+          </p:cNvPicPr>
+          <p:nvPr/>
+        </p:nvPicPr>
+        <p:blipFill rotWithShape="1">
+          <a:blip r:embed="rId2">
+            <a:extLst>
+              <a:ext uri="{28A0092B-C50C-407E-A947-70E740481C1C}">
+                <a14:useLocalDpi xmlns:a14="http://schemas.microsoft.com/office/drawing/2010/main" val="0"/>
+              </a:ext>
+            </a:extLst>
+          </a:blip>
+          <a:srcRect l="14315" r="13926"/>
+          <a:stretch/>
+        </p:blipFill>
+        <p:spPr>
+          <a:xfrm>
+            <a:off x="4022582" y="2207808"/>
+            <a:ext cx="1537854" cy="2143125"/>
+          </a:xfrm>
+          <a:prstGeom prst="rect">
+            <a:avLst/>
+          </a:prstGeom>
+        </p:spPr>
+      </p:pic>
+      <p:pic>
+        <p:nvPicPr>
+          <p:cNvPr id="8" name="Picture 7"/>
+          <p:cNvPicPr>
+            <a:picLocks noChangeAspect="1"/>
+          </p:cNvPicPr>
+          <p:nvPr/>
+        </p:nvPicPr>
+        <p:blipFill>
+          <a:blip r:embed="rId3">
+            <a:extLst>
+              <a:ext uri="{28A0092B-C50C-407E-A947-70E740481C1C}">
+                <a14:useLocalDpi xmlns:a14="http://schemas.microsoft.com/office/drawing/2010/main" val="0"/>
+              </a:ext>
+            </a:extLst>
+          </a:blip>
+          <a:stretch>
+            <a:fillRect/>
+          </a:stretch>
+        </p:blipFill>
+        <p:spPr>
+          <a:xfrm>
+            <a:off x="6068291" y="2207807"/>
+            <a:ext cx="2831987" cy="2143125"/>
+          </a:xfrm>
+          <a:prstGeom prst="rect">
+            <a:avLst/>
+          </a:prstGeom>
+        </p:spPr>
+      </p:pic>
+      <p:pic>
+        <p:nvPicPr>
+          <p:cNvPr id="9" name="Picture 8"/>
+          <p:cNvPicPr>
+            <a:picLocks noChangeAspect="1"/>
+          </p:cNvPicPr>
+          <p:nvPr/>
+        </p:nvPicPr>
+        <p:blipFill rotWithShape="1">
+          <a:blip r:embed="rId4">
+            <a:extLst>
+              <a:ext uri="{28A0092B-C50C-407E-A947-70E740481C1C}">
+                <a14:useLocalDpi xmlns:a14="http://schemas.microsoft.com/office/drawing/2010/main" val="0"/>
+              </a:ext>
+            </a:extLst>
+          </a:blip>
+          <a:srcRect l="20612" t="9999" r="18201" b="11775"/>
+          <a:stretch/>
+        </p:blipFill>
+        <p:spPr>
+          <a:xfrm>
+            <a:off x="9408133" y="2207807"/>
+            <a:ext cx="1676307" cy="2143125"/>
+          </a:xfrm>
+          <a:prstGeom prst="rect">
+            <a:avLst/>
+          </a:prstGeom>
+        </p:spPr>
+      </p:pic>
+      <p:sp>
+        <p:nvSpPr>
+          <p:cNvPr id="10" name="TextBox 9"/>
+          <p:cNvSpPr txBox="1"/>
+          <p:nvPr/>
+        </p:nvSpPr>
+        <p:spPr>
+          <a:xfrm>
+            <a:off x="4022582" y="4630189"/>
+            <a:ext cx="1537854" cy="369332"/>
+          </a:xfrm>
+          <a:prstGeom prst="rect">
+            <a:avLst/>
+          </a:prstGeom>
+          <a:noFill/>
+        </p:spPr>
+        <p:txBody>
+          <a:bodyPr wrap="square" rtlCol="0">
+            <a:spAutoFit/>
+          </a:bodyPr>
+          <a:lstStyle/>
+          <a:p>
+            <a:pPr algn="ctr"/>
+            <a:r>
+              <a:rPr lang="fr-FR" dirty="0" smtClean="0"/>
+              <a:t>Langage</a:t>
+            </a:r>
+            <a:endParaRPr lang="fr-FR" dirty="0"/>
+          </a:p>
+        </p:txBody>
+      </p:sp>
+      <p:sp>
+        <p:nvSpPr>
+          <p:cNvPr id="11" name="TextBox 10"/>
+          <p:cNvSpPr txBox="1"/>
+          <p:nvPr/>
+        </p:nvSpPr>
+        <p:spPr>
+          <a:xfrm>
+            <a:off x="6068291" y="4630189"/>
+            <a:ext cx="2831987" cy="646331"/>
+          </a:xfrm>
+          <a:prstGeom prst="rect">
+            <a:avLst/>
+          </a:prstGeom>
+          <a:noFill/>
+        </p:spPr>
+        <p:txBody>
+          <a:bodyPr wrap="square" rtlCol="0">
+            <a:spAutoFit/>
+          </a:bodyPr>
+          <a:lstStyle/>
+          <a:p>
+            <a:pPr algn="ctr"/>
+            <a:r>
+              <a:rPr lang="fr-FR" dirty="0" smtClean="0"/>
+              <a:t>Librairie d’interfaces mobiles</a:t>
+            </a:r>
+            <a:endParaRPr lang="fr-FR" dirty="0"/>
+          </a:p>
+        </p:txBody>
+      </p:sp>
+      <p:sp>
+        <p:nvSpPr>
+          <p:cNvPr id="12" name="TextBox 11"/>
+          <p:cNvSpPr txBox="1"/>
+          <p:nvPr/>
+        </p:nvSpPr>
+        <p:spPr>
+          <a:xfrm>
+            <a:off x="9408133" y="4630188"/>
+            <a:ext cx="1676307" cy="646331"/>
+          </a:xfrm>
+          <a:prstGeom prst="rect">
+            <a:avLst/>
+          </a:prstGeom>
+          <a:noFill/>
+        </p:spPr>
+        <p:txBody>
+          <a:bodyPr wrap="square" rtlCol="0">
+            <a:spAutoFit/>
+          </a:bodyPr>
+          <a:lstStyle/>
+          <a:p>
+            <a:pPr algn="ctr"/>
+            <a:r>
+              <a:rPr lang="fr-FR" dirty="0" smtClean="0"/>
+              <a:t>Librairie de gestion d’état</a:t>
             </a:r>
             <a:endParaRPr lang="fr-FR" dirty="0"/>
           </a:p>
@@ -4004,13 +7339,20 @@
     </p:spTree>
     <p:extLst>
       <p:ext uri="{BB962C8B-B14F-4D97-AF65-F5344CB8AC3E}">
-        <p14:creationId xmlns:p14="http://schemas.microsoft.com/office/powerpoint/2010/main" val="3710431776"/>
+        <p14:creationId xmlns:p14="http://schemas.microsoft.com/office/powerpoint/2010/main" val="389960271"/>
       </p:ext>
     </p:extLst>
   </p:cSld>
   <p:clrMapOvr>
     <a:masterClrMapping/>
   </p:clrMapOvr>
+  <p:timing>
+    <p:tnLst>
+      <p:par>
+        <p:cTn id="1" dur="indefinite" restart="never" nodeType="tmRoot"/>
+      </p:par>
+    </p:tnLst>
+  </p:timing>
 </p:sld>
 </file>
 
@@ -4047,28 +7389,244 @@
           <a:lstStyle/>
           <a:p>
             <a:r>
-              <a:rPr lang="fr-FR" dirty="0" err="1" smtClean="0"/>
-              <a:t>Nodes</a:t>
+              <a:rPr lang="fr-FR" dirty="0" smtClean="0"/>
+              <a:t>Application :</a:t>
+            </a:r>
+            <a:br>
+              <a:rPr lang="fr-FR" dirty="0" smtClean="0"/>
+            </a:br>
+            <a:r>
+              <a:rPr lang="fr-FR" dirty="0" smtClean="0"/>
+              <a:t>Connection</a:t>
             </a:r>
             <a:endParaRPr lang="fr-FR" dirty="0"/>
           </a:p>
         </p:txBody>
       </p:sp>
-      <p:sp>
-        <p:nvSpPr>
-          <p:cNvPr id="3" name="Content Placeholder 2"/>
-          <p:cNvSpPr>
-            <a:spLocks noGrp="1"/>
-          </p:cNvSpPr>
-          <p:nvPr>
-            <p:ph idx="1"/>
-          </p:nvPr>
-        </p:nvSpPr>
-        <p:spPr/>
-        <p:txBody>
-          <a:bodyPr/>
-          <a:lstStyle/>
-          <a:p>
+      <p:pic>
+        <p:nvPicPr>
+          <p:cNvPr id="8" name="Picture 7"/>
+          <p:cNvPicPr>
+            <a:picLocks noChangeAspect="1"/>
+          </p:cNvPicPr>
+          <p:nvPr/>
+        </p:nvPicPr>
+        <p:blipFill>
+          <a:blip r:embed="rId2" cstate="print">
+            <a:extLst>
+              <a:ext uri="{28A0092B-C50C-407E-A947-70E740481C1C}">
+                <a14:useLocalDpi xmlns:a14="http://schemas.microsoft.com/office/drawing/2010/main" val="0"/>
+              </a:ext>
+            </a:extLst>
+          </a:blip>
+          <a:stretch>
+            <a:fillRect/>
+          </a:stretch>
+        </p:blipFill>
+        <p:spPr>
+          <a:xfrm>
+            <a:off x="9154812" y="780175"/>
+            <a:ext cx="2531052" cy="5263650"/>
+          </a:xfrm>
+          <a:prstGeom prst="rect">
+            <a:avLst/>
+          </a:prstGeom>
+          <a:ln w="38100" cap="sq">
+            <a:solidFill>
+              <a:srgbClr val="000000"/>
+            </a:solidFill>
+            <a:prstDash val="solid"/>
+            <a:miter lim="800000"/>
+          </a:ln>
+          <a:effectLst>
+            <a:outerShdw blurRad="50800" dist="38100" dir="2700000" algn="tl" rotWithShape="0">
+              <a:srgbClr val="000000">
+                <a:alpha val="43000"/>
+              </a:srgbClr>
+            </a:outerShdw>
+          </a:effectLst>
+        </p:spPr>
+      </p:pic>
+      <p:pic>
+        <p:nvPicPr>
+          <p:cNvPr id="9" name="Picture 8"/>
+          <p:cNvPicPr>
+            <a:picLocks noChangeAspect="1"/>
+          </p:cNvPicPr>
+          <p:nvPr/>
+        </p:nvPicPr>
+        <p:blipFill>
+          <a:blip r:embed="rId3" cstate="print">
+            <a:extLst>
+              <a:ext uri="{28A0092B-C50C-407E-A947-70E740481C1C}">
+                <a14:useLocalDpi xmlns:a14="http://schemas.microsoft.com/office/drawing/2010/main" val="0"/>
+              </a:ext>
+            </a:extLst>
+          </a:blip>
+          <a:stretch>
+            <a:fillRect/>
+          </a:stretch>
+        </p:blipFill>
+        <p:spPr>
+          <a:xfrm>
+            <a:off x="6352407" y="779887"/>
+            <a:ext cx="2531052" cy="5263650"/>
+          </a:xfrm>
+          <a:prstGeom prst="rect">
+            <a:avLst/>
+          </a:prstGeom>
+          <a:ln w="38100" cap="sq">
+            <a:solidFill>
+              <a:srgbClr val="000000"/>
+            </a:solidFill>
+            <a:prstDash val="solid"/>
+            <a:miter lim="800000"/>
+          </a:ln>
+          <a:effectLst>
+            <a:outerShdw blurRad="50800" dist="38100" dir="2700000" algn="tl" rotWithShape="0">
+              <a:srgbClr val="000000">
+                <a:alpha val="43000"/>
+              </a:srgbClr>
+            </a:outerShdw>
+          </a:effectLst>
+        </p:spPr>
+      </p:pic>
+      <p:pic>
+        <p:nvPicPr>
+          <p:cNvPr id="10" name="Picture 9"/>
+          <p:cNvPicPr>
+            <a:picLocks noChangeAspect="1"/>
+          </p:cNvPicPr>
+          <p:nvPr/>
+        </p:nvPicPr>
+        <p:blipFill>
+          <a:blip r:embed="rId4" cstate="print">
+            <a:extLst>
+              <a:ext uri="{28A0092B-C50C-407E-A947-70E740481C1C}">
+                <a14:useLocalDpi xmlns:a14="http://schemas.microsoft.com/office/drawing/2010/main" val="0"/>
+              </a:ext>
+            </a:extLst>
+          </a:blip>
+          <a:stretch>
+            <a:fillRect/>
+          </a:stretch>
+        </p:blipFill>
+        <p:spPr>
+          <a:xfrm>
+            <a:off x="3550003" y="780175"/>
+            <a:ext cx="2531052" cy="5263650"/>
+          </a:xfrm>
+          <a:prstGeom prst="rect">
+            <a:avLst/>
+          </a:prstGeom>
+          <a:ln w="38100" cap="sq">
+            <a:solidFill>
+              <a:srgbClr val="000000"/>
+            </a:solidFill>
+            <a:prstDash val="solid"/>
+            <a:miter lim="800000"/>
+          </a:ln>
+          <a:effectLst>
+            <a:outerShdw blurRad="50800" dist="38100" dir="2700000" algn="tl" rotWithShape="0">
+              <a:srgbClr val="000000">
+                <a:alpha val="43000"/>
+              </a:srgbClr>
+            </a:outerShdw>
+          </a:effectLst>
+        </p:spPr>
+      </p:pic>
+      <p:sp>
+        <p:nvSpPr>
+          <p:cNvPr id="11" name="Oval 10"/>
+          <p:cNvSpPr/>
+          <p:nvPr/>
+        </p:nvSpPr>
+        <p:spPr>
+          <a:xfrm>
+            <a:off x="5703550" y="964734"/>
+            <a:ext cx="385893" cy="411060"/>
+          </a:xfrm>
+          <a:prstGeom prst="ellipse">
+            <a:avLst/>
+          </a:prstGeom>
+          <a:noFill/>
+          <a:ln w="38100" cap="flat" cmpd="sng" algn="ctr">
+            <a:solidFill>
+              <a:srgbClr val="C00000"/>
+            </a:solidFill>
+            <a:prstDash val="solid"/>
+            <a:round/>
+            <a:headEnd type="none" w="med" len="med"/>
+            <a:tailEnd type="none" w="med" len="med"/>
+          </a:ln>
+        </p:spPr>
+        <p:style>
+          <a:lnRef idx="0">
+            <a:scrgbClr r="0" g="0" b="0"/>
+          </a:lnRef>
+          <a:fillRef idx="0">
+            <a:scrgbClr r="0" g="0" b="0"/>
+          </a:fillRef>
+          <a:effectRef idx="0">
+            <a:scrgbClr r="0" g="0" b="0"/>
+          </a:effectRef>
+          <a:fontRef idx="minor">
+            <a:schemeClr val="accent5"/>
+          </a:fontRef>
+        </p:style>
+        <p:txBody>
+          <a:bodyPr rtlCol="0" anchor="ctr"/>
+          <a:lstStyle/>
+          <a:p>
+            <a:pPr algn="ctr"/>
+            <a:endParaRPr lang="fr-FR"/>
+          </a:p>
+        </p:txBody>
+      </p:sp>
+      <p:sp>
+        <p:nvSpPr>
+          <p:cNvPr id="12" name="Oval 11"/>
+          <p:cNvSpPr/>
+          <p:nvPr/>
+        </p:nvSpPr>
+        <p:spPr>
+          <a:xfrm>
+            <a:off x="6274158" y="1275127"/>
+            <a:ext cx="2609301" cy="696286"/>
+          </a:xfrm>
+          <a:prstGeom prst="ellipse">
+            <a:avLst/>
+          </a:prstGeom>
+          <a:noFill/>
+          <a:ln w="38100" cap="flat" cmpd="sng" algn="ctr">
+            <a:solidFill>
+              <a:srgbClr val="C00000"/>
+            </a:solidFill>
+            <a:prstDash val="solid"/>
+            <a:round/>
+            <a:headEnd type="none" w="med" len="med"/>
+            <a:tailEnd type="none" w="med" len="med"/>
+          </a:ln>
+        </p:spPr>
+        <p:style>
+          <a:lnRef idx="0">
+            <a:scrgbClr r="0" g="0" b="0"/>
+          </a:lnRef>
+          <a:fillRef idx="0">
+            <a:scrgbClr r="0" g="0" b="0"/>
+          </a:fillRef>
+          <a:effectRef idx="0">
+            <a:scrgbClr r="0" g="0" b="0"/>
+          </a:effectRef>
+          <a:fontRef idx="minor">
+            <a:schemeClr val="accent5"/>
+          </a:fontRef>
+        </p:style>
+        <p:txBody>
+          <a:bodyPr rtlCol="0" anchor="ctr"/>
+          <a:lstStyle/>
+          <a:p>
+            <a:pPr algn="ctr"/>
             <a:endParaRPr lang="fr-FR"/>
           </a:p>
         </p:txBody>
@@ -4076,13 +7634,20 @@
     </p:spTree>
     <p:extLst>
       <p:ext uri="{BB962C8B-B14F-4D97-AF65-F5344CB8AC3E}">
-        <p14:creationId xmlns:p14="http://schemas.microsoft.com/office/powerpoint/2010/main" val="1379314119"/>
+        <p14:creationId xmlns:p14="http://schemas.microsoft.com/office/powerpoint/2010/main" val="744395836"/>
       </p:ext>
     </p:extLst>
   </p:cSld>
   <p:clrMapOvr>
     <a:masterClrMapping/>
   </p:clrMapOvr>
+  <p:timing>
+    <p:tnLst>
+      <p:par>
+        <p:cTn id="1" dur="indefinite" restart="never" nodeType="tmRoot"/>
+      </p:par>
+    </p:tnLst>
+  </p:timing>
 </p:sld>
 </file>
 
@@ -4120,27 +7685,155 @@
           <a:p>
             <a:r>
               <a:rPr lang="fr-FR" dirty="0" smtClean="0"/>
-              <a:t>Server</a:t>
+              <a:t>Application :</a:t>
+            </a:r>
+            <a:br>
+              <a:rPr lang="fr-FR" dirty="0" smtClean="0"/>
+            </a:br>
+            <a:r>
+              <a:rPr lang="fr-FR" dirty="0"/>
+              <a:t>N</a:t>
+            </a:r>
+            <a:r>
+              <a:rPr lang="fr-FR" dirty="0" smtClean="0"/>
+              <a:t>ouveau contact</a:t>
             </a:r>
             <a:endParaRPr lang="fr-FR" dirty="0"/>
           </a:p>
         </p:txBody>
       </p:sp>
-      <p:sp>
-        <p:nvSpPr>
-          <p:cNvPr id="3" name="Content Placeholder 2"/>
-          <p:cNvSpPr>
-            <a:spLocks noGrp="1"/>
-          </p:cNvSpPr>
-          <p:nvPr>
-            <p:ph idx="1"/>
-          </p:nvPr>
-        </p:nvSpPr>
-        <p:spPr/>
-        <p:txBody>
-          <a:bodyPr/>
-          <a:lstStyle/>
-          <a:p>
+      <p:pic>
+        <p:nvPicPr>
+          <p:cNvPr id="6" name="Picture 5"/>
+          <p:cNvPicPr>
+            <a:picLocks noChangeAspect="1"/>
+          </p:cNvPicPr>
+          <p:nvPr/>
+        </p:nvPicPr>
+        <p:blipFill>
+          <a:blip r:embed="rId2" cstate="print">
+            <a:extLst>
+              <a:ext uri="{28A0092B-C50C-407E-A947-70E740481C1C}">
+                <a14:useLocalDpi xmlns:a14="http://schemas.microsoft.com/office/drawing/2010/main" val="0"/>
+              </a:ext>
+            </a:extLst>
+          </a:blip>
+          <a:stretch>
+            <a:fillRect/>
+          </a:stretch>
+        </p:blipFill>
+        <p:spPr>
+          <a:xfrm>
+            <a:off x="4885703" y="800176"/>
+            <a:ext cx="2523768" cy="5248503"/>
+          </a:xfrm>
+          <a:prstGeom prst="rect">
+            <a:avLst/>
+          </a:prstGeom>
+          <a:ln w="38100" cap="sq">
+            <a:solidFill>
+              <a:srgbClr val="000000"/>
+            </a:solidFill>
+            <a:prstDash val="solid"/>
+            <a:miter lim="800000"/>
+          </a:ln>
+          <a:effectLst>
+            <a:outerShdw blurRad="50800" dist="38100" dir="2700000" algn="tl" rotWithShape="0">
+              <a:srgbClr val="000000">
+                <a:alpha val="43000"/>
+              </a:srgbClr>
+            </a:outerShdw>
+          </a:effectLst>
+        </p:spPr>
+      </p:pic>
+      <p:pic>
+        <p:nvPicPr>
+          <p:cNvPr id="17" name="Picture 16"/>
+          <p:cNvPicPr>
+            <a:picLocks noChangeAspect="1"/>
+          </p:cNvPicPr>
+          <p:nvPr/>
+        </p:nvPicPr>
+        <p:blipFill>
+          <a:blip r:embed="rId3" cstate="print">
+            <a:extLst>
+              <a:ext uri="{28A0092B-C50C-407E-A947-70E740481C1C}">
+                <a14:useLocalDpi xmlns:a14="http://schemas.microsoft.com/office/drawing/2010/main" val="0"/>
+              </a:ext>
+            </a:extLst>
+          </a:blip>
+          <a:stretch>
+            <a:fillRect/>
+          </a:stretch>
+        </p:blipFill>
+        <p:spPr>
+          <a:xfrm>
+            <a:off x="7715798" y="800175"/>
+            <a:ext cx="2523768" cy="5248503"/>
+          </a:xfrm>
+          <a:prstGeom prst="rect">
+            <a:avLst/>
+          </a:prstGeom>
+          <a:ln w="38100" cap="sq">
+            <a:solidFill>
+              <a:srgbClr val="000000"/>
+            </a:solidFill>
+            <a:prstDash val="solid"/>
+            <a:miter lim="800000"/>
+          </a:ln>
+          <a:effectLst>
+            <a:outerShdw blurRad="50800" dist="38100" dir="2700000" algn="tl" rotWithShape="0">
+              <a:srgbClr val="000000">
+                <a:alpha val="43000"/>
+              </a:srgbClr>
+            </a:outerShdw>
+          </a:effectLst>
+        </p:spPr>
+      </p:pic>
+      <p:sp>
+        <p:nvSpPr>
+          <p:cNvPr id="20" name="Oval 19"/>
+          <p:cNvSpPr/>
+          <p:nvPr/>
+        </p:nvSpPr>
+        <p:spPr>
+          <a:xfrm>
+            <a:off x="6755846" y="5058560"/>
+            <a:ext cx="537859" cy="572937"/>
+          </a:xfrm>
+          <a:prstGeom prst="ellipse">
+            <a:avLst/>
+          </a:prstGeom>
+          <a:noFill/>
+          <a:ln w="38100" cap="flat" cmpd="sng" algn="ctr">
+            <a:solidFill>
+              <a:srgbClr val="C00000"/>
+            </a:solidFill>
+            <a:prstDash val="solid"/>
+            <a:round/>
+            <a:headEnd type="none" w="med" len="med"/>
+            <a:tailEnd type="none" w="med" len="med"/>
+          </a:ln>
+        </p:spPr>
+        <p:style>
+          <a:lnRef idx="0">
+            <a:scrgbClr r="0" g="0" b="0"/>
+          </a:lnRef>
+          <a:fillRef idx="0">
+            <a:scrgbClr r="0" g="0" b="0"/>
+          </a:fillRef>
+          <a:effectRef idx="0">
+            <a:scrgbClr r="0" g="0" b="0"/>
+          </a:effectRef>
+          <a:fontRef idx="minor">
+            <a:schemeClr val="accent5"/>
+          </a:fontRef>
+        </p:style>
+        <p:txBody>
+          <a:bodyPr rtlCol="0" anchor="ctr"/>
+          <a:lstStyle/>
+          <a:p>
+            <a:pPr algn="ctr"/>
             <a:endParaRPr lang="fr-FR"/>
           </a:p>
         </p:txBody>
@@ -4148,13 +7841,20 @@
     </p:spTree>
     <p:extLst>
       <p:ext uri="{BB962C8B-B14F-4D97-AF65-F5344CB8AC3E}">
-        <p14:creationId xmlns:p14="http://schemas.microsoft.com/office/powerpoint/2010/main" val="1425752529"/>
+        <p14:creationId xmlns:p14="http://schemas.microsoft.com/office/powerpoint/2010/main" val="782374127"/>
       </p:ext>
     </p:extLst>
   </p:cSld>
   <p:clrMapOvr>
     <a:masterClrMapping/>
   </p:clrMapOvr>
+  <p:timing>
+    <p:tnLst>
+      <p:par>
+        <p:cTn id="1" dur="indefinite" restart="never" nodeType="tmRoot"/>
+      </p:par>
+    </p:tnLst>
+  </p:timing>
 </p:sld>
 </file>
 
@@ -4192,27 +7892,243 @@
           <a:p>
             <a:r>
               <a:rPr lang="fr-FR" dirty="0" smtClean="0"/>
-              <a:t>App</a:t>
+              <a:t>Application :</a:t>
+            </a:r>
+            <a:br>
+              <a:rPr lang="fr-FR" dirty="0" smtClean="0"/>
+            </a:br>
+            <a:r>
+              <a:rPr lang="fr-FR" dirty="0" smtClean="0"/>
+              <a:t>Nouveaux messages</a:t>
             </a:r>
             <a:endParaRPr lang="fr-FR" dirty="0"/>
           </a:p>
         </p:txBody>
       </p:sp>
-      <p:sp>
-        <p:nvSpPr>
-          <p:cNvPr id="3" name="Content Placeholder 2"/>
-          <p:cNvSpPr>
-            <a:spLocks noGrp="1"/>
-          </p:cNvSpPr>
-          <p:nvPr>
-            <p:ph idx="1"/>
-          </p:nvPr>
-        </p:nvSpPr>
-        <p:spPr/>
-        <p:txBody>
-          <a:bodyPr/>
-          <a:lstStyle/>
-          <a:p>
+      <p:pic>
+        <p:nvPicPr>
+          <p:cNvPr id="6" name="Picture 5"/>
+          <p:cNvPicPr>
+            <a:picLocks noChangeAspect="1"/>
+          </p:cNvPicPr>
+          <p:nvPr/>
+        </p:nvPicPr>
+        <p:blipFill>
+          <a:blip r:embed="rId2" cstate="print">
+            <a:extLst>
+              <a:ext uri="{28A0092B-C50C-407E-A947-70E740481C1C}">
+                <a14:useLocalDpi xmlns:a14="http://schemas.microsoft.com/office/drawing/2010/main" val="0"/>
+              </a:ext>
+            </a:extLst>
+          </a:blip>
+          <a:stretch>
+            <a:fillRect/>
+          </a:stretch>
+        </p:blipFill>
+        <p:spPr>
+          <a:xfrm>
+            <a:off x="3640198" y="800176"/>
+            <a:ext cx="2523768" cy="5248503"/>
+          </a:xfrm>
+          <a:prstGeom prst="rect">
+            <a:avLst/>
+          </a:prstGeom>
+          <a:ln w="38100" cap="sq">
+            <a:solidFill>
+              <a:srgbClr val="000000"/>
+            </a:solidFill>
+            <a:prstDash val="solid"/>
+            <a:miter lim="800000"/>
+          </a:ln>
+          <a:effectLst>
+            <a:outerShdw blurRad="50800" dist="38100" dir="2700000" algn="tl" rotWithShape="0">
+              <a:srgbClr val="000000">
+                <a:alpha val="43000"/>
+              </a:srgbClr>
+            </a:outerShdw>
+          </a:effectLst>
+        </p:spPr>
+      </p:pic>
+      <p:pic>
+        <p:nvPicPr>
+          <p:cNvPr id="18" name="Picture 17"/>
+          <p:cNvPicPr>
+            <a:picLocks noChangeAspect="1"/>
+          </p:cNvPicPr>
+          <p:nvPr/>
+        </p:nvPicPr>
+        <p:blipFill>
+          <a:blip r:embed="rId3" cstate="print">
+            <a:extLst>
+              <a:ext uri="{28A0092B-C50C-407E-A947-70E740481C1C}">
+                <a14:useLocalDpi xmlns:a14="http://schemas.microsoft.com/office/drawing/2010/main" val="0"/>
+              </a:ext>
+            </a:extLst>
+          </a:blip>
+          <a:stretch>
+            <a:fillRect/>
+          </a:stretch>
+        </p:blipFill>
+        <p:spPr>
+          <a:xfrm>
+            <a:off x="9055928" y="808348"/>
+            <a:ext cx="2523768" cy="5248503"/>
+          </a:xfrm>
+          <a:prstGeom prst="rect">
+            <a:avLst/>
+          </a:prstGeom>
+          <a:ln w="38100" cap="sq">
+            <a:solidFill>
+              <a:srgbClr val="000000"/>
+            </a:solidFill>
+            <a:prstDash val="solid"/>
+            <a:miter lim="800000"/>
+          </a:ln>
+          <a:effectLst>
+            <a:outerShdw blurRad="50800" dist="38100" dir="2700000" algn="tl" rotWithShape="0">
+              <a:srgbClr val="000000">
+                <a:alpha val="43000"/>
+              </a:srgbClr>
+            </a:outerShdw>
+          </a:effectLst>
+        </p:spPr>
+      </p:pic>
+      <p:pic>
+        <p:nvPicPr>
+          <p:cNvPr id="19" name="Picture 18"/>
+          <p:cNvPicPr>
+            <a:picLocks noChangeAspect="1"/>
+          </p:cNvPicPr>
+          <p:nvPr/>
+        </p:nvPicPr>
+        <p:blipFill>
+          <a:blip r:embed="rId4" cstate="print">
+            <a:extLst>
+              <a:ext uri="{28A0092B-C50C-407E-A947-70E740481C1C}">
+                <a14:useLocalDpi xmlns:a14="http://schemas.microsoft.com/office/drawing/2010/main" val="0"/>
+              </a:ext>
+            </a:extLst>
+          </a:blip>
+          <a:stretch>
+            <a:fillRect/>
+          </a:stretch>
+        </p:blipFill>
+        <p:spPr>
+          <a:xfrm>
+            <a:off x="6348063" y="808348"/>
+            <a:ext cx="2523768" cy="5248503"/>
+          </a:xfrm>
+          <a:prstGeom prst="rect">
+            <a:avLst/>
+          </a:prstGeom>
+          <a:ln w="38100" cap="sq">
+            <a:solidFill>
+              <a:srgbClr val="000000"/>
+            </a:solidFill>
+            <a:prstDash val="solid"/>
+            <a:miter lim="800000"/>
+          </a:ln>
+          <a:effectLst>
+            <a:outerShdw blurRad="50800" dist="38100" dir="2700000" algn="tl" rotWithShape="0">
+              <a:srgbClr val="000000">
+                <a:alpha val="43000"/>
+              </a:srgbClr>
+            </a:outerShdw>
+          </a:effectLst>
+        </p:spPr>
+      </p:pic>
+      <p:sp>
+        <p:nvSpPr>
+          <p:cNvPr id="7" name="Oval 6"/>
+          <p:cNvSpPr/>
+          <p:nvPr/>
+        </p:nvSpPr>
+        <p:spPr>
+          <a:xfrm>
+            <a:off x="3597431" y="1458007"/>
+            <a:ext cx="2609301" cy="696286"/>
+          </a:xfrm>
+          <a:prstGeom prst="ellipse">
+            <a:avLst/>
+          </a:prstGeom>
+          <a:noFill/>
+          <a:ln w="38100" cap="flat" cmpd="sng" algn="ctr">
+            <a:solidFill>
+              <a:srgbClr val="C00000"/>
+            </a:solidFill>
+            <a:prstDash val="solid"/>
+            <a:round/>
+            <a:headEnd type="none" w="med" len="med"/>
+            <a:tailEnd type="none" w="med" len="med"/>
+          </a:ln>
+        </p:spPr>
+        <p:style>
+          <a:lnRef idx="0">
+            <a:scrgbClr r="0" g="0" b="0"/>
+          </a:lnRef>
+          <a:fillRef idx="0">
+            <a:scrgbClr r="0" g="0" b="0"/>
+          </a:fillRef>
+          <a:effectRef idx="0">
+            <a:scrgbClr r="0" g="0" b="0"/>
+          </a:effectRef>
+          <a:fontRef idx="minor">
+            <a:schemeClr val="accent5"/>
+          </a:fontRef>
+        </p:style>
+        <p:txBody>
+          <a:bodyPr rtlCol="0" anchor="ctr"/>
+          <a:lstStyle/>
+          <a:p>
+            <a:pPr algn="ctr"/>
+            <a:endParaRPr lang="fr-FR"/>
+          </a:p>
+        </p:txBody>
+      </p:sp>
+      <p:sp>
+        <p:nvSpPr>
+          <p:cNvPr id="8" name="Oval 7"/>
+          <p:cNvSpPr/>
+          <p:nvPr/>
+        </p:nvSpPr>
+        <p:spPr>
+          <a:xfrm>
+            <a:off x="6305297" y="5256924"/>
+            <a:ext cx="2609301" cy="696286"/>
+          </a:xfrm>
+          <a:prstGeom prst="ellipse">
+            <a:avLst/>
+          </a:prstGeom>
+          <a:noFill/>
+          <a:ln w="38100" cap="flat" cmpd="sng" algn="ctr">
+            <a:solidFill>
+              <a:srgbClr val="C00000"/>
+            </a:solidFill>
+            <a:prstDash val="solid"/>
+            <a:round/>
+            <a:headEnd type="none" w="med" len="med"/>
+            <a:tailEnd type="none" w="med" len="med"/>
+          </a:ln>
+        </p:spPr>
+        <p:style>
+          <a:lnRef idx="0">
+            <a:scrgbClr r="0" g="0" b="0"/>
+          </a:lnRef>
+          <a:fillRef idx="0">
+            <a:scrgbClr r="0" g="0" b="0"/>
+          </a:fillRef>
+          <a:effectRef idx="0">
+            <a:scrgbClr r="0" g="0" b="0"/>
+          </a:effectRef>
+          <a:fontRef idx="minor">
+            <a:schemeClr val="accent5"/>
+          </a:fontRef>
+        </p:style>
+        <p:txBody>
+          <a:bodyPr rtlCol="0" anchor="ctr"/>
+          <a:lstStyle/>
+          <a:p>
+            <a:pPr algn="ctr"/>
             <a:endParaRPr lang="fr-FR"/>
           </a:p>
         </p:txBody>
@@ -4220,13 +8136,1084 @@
     </p:spTree>
     <p:extLst>
       <p:ext uri="{BB962C8B-B14F-4D97-AF65-F5344CB8AC3E}">
-        <p14:creationId xmlns:p14="http://schemas.microsoft.com/office/powerpoint/2010/main" val="389960271"/>
+        <p14:creationId xmlns:p14="http://schemas.microsoft.com/office/powerpoint/2010/main" val="1483795540"/>
       </p:ext>
     </p:extLst>
   </p:cSld>
   <p:clrMapOvr>
     <a:masterClrMapping/>
   </p:clrMapOvr>
+  <p:timing>
+    <p:tnLst>
+      <p:par>
+        <p:cTn id="1" dur="indefinite" restart="never" nodeType="tmRoot"/>
+      </p:par>
+    </p:tnLst>
+  </p:timing>
+</p:sld>
+</file>
+
+<file path=ppt/slides/slide8.xml><?xml version="1.0" encoding="utf-8"?>
+<p:sld xmlns:a="http://schemas.openxmlformats.org/drawingml/2006/main" xmlns:r="http://schemas.openxmlformats.org/officeDocument/2006/relationships" xmlns:p="http://schemas.openxmlformats.org/presentationml/2006/main">
+  <p:cSld>
+    <p:spTree>
+      <p:nvGrpSpPr>
+        <p:cNvPr id="1" name=""/>
+        <p:cNvGrpSpPr/>
+        <p:nvPr/>
+      </p:nvGrpSpPr>
+      <p:grpSpPr>
+        <a:xfrm>
+          <a:off x="0" y="0"/>
+          <a:ext cx="0" cy="0"/>
+          <a:chOff x="0" y="0"/>
+          <a:chExt cx="0" cy="0"/>
+        </a:xfrm>
+      </p:grpSpPr>
+      <p:sp>
+        <p:nvSpPr>
+          <p:cNvPr id="2" name="Title 1"/>
+          <p:cNvSpPr>
+            <a:spLocks noGrp="1"/>
+          </p:cNvSpPr>
+          <p:nvPr>
+            <p:ph type="title"/>
+          </p:nvPr>
+        </p:nvSpPr>
+        <p:spPr/>
+        <p:txBody>
+          <a:bodyPr/>
+          <a:lstStyle/>
+          <a:p>
+            <a:r>
+              <a:rPr lang="fr-FR" dirty="0" smtClean="0"/>
+              <a:t>Schéma de principe</a:t>
+            </a:r>
+            <a:endParaRPr lang="fr-FR" dirty="0"/>
+          </a:p>
+        </p:txBody>
+      </p:sp>
+      <p:pic>
+        <p:nvPicPr>
+          <p:cNvPr id="4" name="Content Placeholder 3"/>
+          <p:cNvPicPr>
+            <a:picLocks noGrp="1" noChangeAspect="1"/>
+          </p:cNvPicPr>
+          <p:nvPr>
+            <p:ph idx="1"/>
+          </p:nvPr>
+        </p:nvPicPr>
+        <p:blipFill>
+          <a:blip r:embed="rId2">
+            <a:extLst>
+              <a:ext uri="{28A0092B-C50C-407E-A947-70E740481C1C}">
+                <a14:useLocalDpi xmlns:a14="http://schemas.microsoft.com/office/drawing/2010/main" val="0"/>
+              </a:ext>
+            </a:extLst>
+          </a:blip>
+          <a:stretch>
+            <a:fillRect/>
+          </a:stretch>
+        </p:blipFill>
+        <p:spPr>
+          <a:xfrm>
+            <a:off x="3431400" y="1612669"/>
+            <a:ext cx="8361728" cy="3699163"/>
+          </a:xfrm>
+        </p:spPr>
+      </p:pic>
+      <p:sp>
+        <p:nvSpPr>
+          <p:cNvPr id="3" name="Slide Number Placeholder 2"/>
+          <p:cNvSpPr>
+            <a:spLocks noGrp="1"/>
+          </p:cNvSpPr>
+          <p:nvPr>
+            <p:ph type="sldNum" sz="quarter" idx="12"/>
+          </p:nvPr>
+        </p:nvSpPr>
+        <p:spPr/>
+        <p:txBody>
+          <a:bodyPr/>
+          <a:lstStyle/>
+          <a:p>
+            <a:fld id="{7404B288-D4C1-4B47-A59A-F4398D5A3735}" type="slidenum">
+              <a:rPr lang="fr-FR" smtClean="0"/>
+              <a:t>8</a:t>
+            </a:fld>
+            <a:endParaRPr lang="fr-FR"/>
+          </a:p>
+        </p:txBody>
+      </p:sp>
+    </p:spTree>
+    <p:extLst>
+      <p:ext uri="{BB962C8B-B14F-4D97-AF65-F5344CB8AC3E}">
+        <p14:creationId xmlns:p14="http://schemas.microsoft.com/office/powerpoint/2010/main" val="586556990"/>
+      </p:ext>
+    </p:extLst>
+  </p:cSld>
+  <p:clrMapOvr>
+    <a:masterClrMapping/>
+  </p:clrMapOvr>
+  <p:timing>
+    <p:tnLst>
+      <p:par>
+        <p:cTn id="1" dur="indefinite" restart="never" nodeType="tmRoot"/>
+      </p:par>
+    </p:tnLst>
+  </p:timing>
+</p:sld>
+</file>
+
+<file path=ppt/slides/slide9.xml><?xml version="1.0" encoding="utf-8"?>
+<p:sld xmlns:a="http://schemas.openxmlformats.org/drawingml/2006/main" xmlns:r="http://schemas.openxmlformats.org/officeDocument/2006/relationships" xmlns:p="http://schemas.openxmlformats.org/presentationml/2006/main">
+  <p:cSld>
+    <p:spTree>
+      <p:nvGrpSpPr>
+        <p:cNvPr id="1" name=""/>
+        <p:cNvGrpSpPr/>
+        <p:nvPr/>
+      </p:nvGrpSpPr>
+      <p:grpSpPr>
+        <a:xfrm>
+          <a:off x="0" y="0"/>
+          <a:ext cx="0" cy="0"/>
+          <a:chOff x="0" y="0"/>
+          <a:chExt cx="0" cy="0"/>
+        </a:xfrm>
+      </p:grpSpPr>
+      <p:sp>
+        <p:nvSpPr>
+          <p:cNvPr id="2" name="Titre 1"/>
+          <p:cNvSpPr>
+            <a:spLocks noGrp="1"/>
+          </p:cNvSpPr>
+          <p:nvPr>
+            <p:ph type="title"/>
+          </p:nvPr>
+        </p:nvSpPr>
+        <p:spPr/>
+        <p:txBody>
+          <a:bodyPr/>
+          <a:lstStyle/>
+          <a:p>
+            <a:r>
+              <a:rPr lang="fr-FR" dirty="0" err="1" smtClean="0"/>
+              <a:t>Lopy</a:t>
+            </a:r>
+            <a:r>
+              <a:rPr lang="fr-FR" dirty="0" smtClean="0"/>
+              <a:t> </a:t>
+            </a:r>
+            <a:r>
+              <a:rPr lang="fr-FR" dirty="0" err="1" smtClean="0"/>
+              <a:t>node</a:t>
+            </a:r>
+            <a:endParaRPr lang="fr-FR" dirty="0"/>
+          </a:p>
+        </p:txBody>
+      </p:sp>
+      <p:graphicFrame>
+        <p:nvGraphicFramePr>
+          <p:cNvPr id="11" name="Tableau 10"/>
+          <p:cNvGraphicFramePr>
+            <a:graphicFrameLocks noGrp="1"/>
+          </p:cNvGraphicFramePr>
+          <p:nvPr>
+            <p:extLst>
+              <p:ext uri="{D42A27DB-BD31-4B8C-83A1-F6EECF244321}">
+                <p14:modId xmlns:p14="http://schemas.microsoft.com/office/powerpoint/2010/main" val="2946369822"/>
+              </p:ext>
+            </p:extLst>
+          </p:nvPr>
+        </p:nvGraphicFramePr>
+        <p:xfrm>
+          <a:off x="3898668" y="4754630"/>
+          <a:ext cx="6301051" cy="714380"/>
+        </p:xfrm>
+        <a:graphic>
+          <a:graphicData uri="http://schemas.openxmlformats.org/drawingml/2006/table">
+            <a:tbl>
+              <a:tblPr/>
+              <a:tblGrid>
+                <a:gridCol w="960921">
+                  <a:extLst>
+                    <a:ext uri="{9D8B030D-6E8A-4147-A177-3AD203B41FA5}">
+                      <a16:colId xmlns:a16="http://schemas.microsoft.com/office/drawing/2014/main" val="20000"/>
+                    </a:ext>
+                  </a:extLst>
+                </a:gridCol>
+                <a:gridCol w="859090">
+                  <a:extLst>
+                    <a:ext uri="{9D8B030D-6E8A-4147-A177-3AD203B41FA5}">
+                      <a16:colId xmlns:a16="http://schemas.microsoft.com/office/drawing/2014/main" val="20001"/>
+                    </a:ext>
+                  </a:extLst>
+                </a:gridCol>
+                <a:gridCol w="859090">
+                  <a:extLst>
+                    <a:ext uri="{9D8B030D-6E8A-4147-A177-3AD203B41FA5}">
+                      <a16:colId xmlns:a16="http://schemas.microsoft.com/office/drawing/2014/main" val="20002"/>
+                    </a:ext>
+                  </a:extLst>
+                </a:gridCol>
+                <a:gridCol w="1210223">
+                  <a:extLst>
+                    <a:ext uri="{9D8B030D-6E8A-4147-A177-3AD203B41FA5}">
+                      <a16:colId xmlns:a16="http://schemas.microsoft.com/office/drawing/2014/main" val="20003"/>
+                    </a:ext>
+                  </a:extLst>
+                </a:gridCol>
+                <a:gridCol w="2411727">
+                  <a:extLst>
+                    <a:ext uri="{9D8B030D-6E8A-4147-A177-3AD203B41FA5}">
+                      <a16:colId xmlns:a16="http://schemas.microsoft.com/office/drawing/2014/main" val="20004"/>
+                    </a:ext>
+                  </a:extLst>
+                </a:gridCol>
+              </a:tblGrid>
+              <a:tr h="357189">
+                <a:tc>
+                  <a:txBody>
+                    <a:bodyPr/>
+                    <a:lstStyle/>
+                    <a:p>
+                      <a:pPr algn="ctr">
+                        <a:lnSpc>
+                          <a:spcPct val="115000"/>
+                        </a:lnSpc>
+                        <a:spcAft>
+                          <a:spcPts val="0"/>
+                        </a:spcAft>
+                      </a:pPr>
+                      <a:r>
+                        <a:rPr lang="fr-FR" sz="2000" dirty="0">
+                          <a:solidFill>
+                            <a:srgbClr val="000000"/>
+                          </a:solidFill>
+                          <a:latin typeface="Calibri"/>
+                          <a:ea typeface="Times New Roman"/>
+                          <a:cs typeface="Times New Roman"/>
+                        </a:rPr>
+                        <a:t>0xCAFE</a:t>
+                      </a:r>
+                      <a:endParaRPr lang="fr-FR" sz="2000" dirty="0">
+                        <a:latin typeface="Calibri"/>
+                        <a:ea typeface="Calibri"/>
+                        <a:cs typeface="Times New Roman"/>
+                      </a:endParaRPr>
+                    </a:p>
+                  </a:txBody>
+                  <a:tcPr marL="44450" marR="44450" marT="0" marB="0" anchor="ctr">
+                    <a:lnL w="12700" cap="flat" cmpd="sng" algn="ctr">
+                      <a:solidFill>
+                        <a:srgbClr val="000000"/>
+                      </a:solidFill>
+                      <a:prstDash val="solid"/>
+                      <a:round/>
+                      <a:headEnd type="none" w="med" len="med"/>
+                      <a:tailEnd type="none" w="med" len="med"/>
+                    </a:lnL>
+                    <a:lnR w="12700" cap="flat" cmpd="sng" algn="ctr">
+                      <a:solidFill>
+                        <a:srgbClr val="000000"/>
+                      </a:solidFill>
+                      <a:prstDash val="solid"/>
+                      <a:round/>
+                      <a:headEnd type="none" w="med" len="med"/>
+                      <a:tailEnd type="none" w="med" len="med"/>
+                    </a:lnR>
+                    <a:lnT w="12700" cap="flat" cmpd="sng" algn="ctr">
+                      <a:solidFill>
+                        <a:srgbClr val="000000"/>
+                      </a:solidFill>
+                      <a:prstDash val="solid"/>
+                      <a:round/>
+                      <a:headEnd type="none" w="med" len="med"/>
+                      <a:tailEnd type="none" w="med" len="med"/>
+                    </a:lnT>
+                    <a:lnB w="12700" cap="flat" cmpd="sng" algn="ctr">
+                      <a:solidFill>
+                        <a:srgbClr val="000000"/>
+                      </a:solidFill>
+                      <a:prstDash val="solid"/>
+                      <a:round/>
+                      <a:headEnd type="none" w="med" len="med"/>
+                      <a:tailEnd type="none" w="med" len="med"/>
+                    </a:lnB>
+                  </a:tcPr>
+                </a:tc>
+                <a:tc>
+                  <a:txBody>
+                    <a:bodyPr/>
+                    <a:lstStyle/>
+                    <a:p>
+                      <a:pPr algn="ctr">
+                        <a:lnSpc>
+                          <a:spcPct val="115000"/>
+                        </a:lnSpc>
+                        <a:spcAft>
+                          <a:spcPts val="0"/>
+                        </a:spcAft>
+                      </a:pPr>
+                      <a:r>
+                        <a:rPr lang="fr-FR" sz="2000" dirty="0">
+                          <a:solidFill>
+                            <a:srgbClr val="000000"/>
+                          </a:solidFill>
+                          <a:latin typeface="Calibri"/>
+                          <a:ea typeface="Times New Roman"/>
+                          <a:cs typeface="Times New Roman"/>
+                        </a:rPr>
+                        <a:t>length</a:t>
+                      </a:r>
+                      <a:endParaRPr lang="fr-FR" sz="2000" dirty="0">
+                        <a:latin typeface="Calibri"/>
+                        <a:ea typeface="Calibri"/>
+                        <a:cs typeface="Times New Roman"/>
+                      </a:endParaRPr>
+                    </a:p>
+                  </a:txBody>
+                  <a:tcPr marL="44450" marR="44450" marT="0" marB="0" anchor="ctr">
+                    <a:lnL w="12700" cap="flat" cmpd="sng" algn="ctr">
+                      <a:solidFill>
+                        <a:srgbClr val="000000"/>
+                      </a:solidFill>
+                      <a:prstDash val="solid"/>
+                      <a:round/>
+                      <a:headEnd type="none" w="med" len="med"/>
+                      <a:tailEnd type="none" w="med" len="med"/>
+                    </a:lnL>
+                    <a:lnR w="12700" cap="flat" cmpd="sng" algn="ctr">
+                      <a:solidFill>
+                        <a:srgbClr val="000000"/>
+                      </a:solidFill>
+                      <a:prstDash val="solid"/>
+                      <a:round/>
+                      <a:headEnd type="none" w="med" len="med"/>
+                      <a:tailEnd type="none" w="med" len="med"/>
+                    </a:lnR>
+                    <a:lnT w="12700" cap="flat" cmpd="sng" algn="ctr">
+                      <a:solidFill>
+                        <a:srgbClr val="000000"/>
+                      </a:solidFill>
+                      <a:prstDash val="solid"/>
+                      <a:round/>
+                      <a:headEnd type="none" w="med" len="med"/>
+                      <a:tailEnd type="none" w="med" len="med"/>
+                    </a:lnT>
+                    <a:lnB w="12700" cap="flat" cmpd="sng" algn="ctr">
+                      <a:solidFill>
+                        <a:srgbClr val="000000"/>
+                      </a:solidFill>
+                      <a:prstDash val="solid"/>
+                      <a:round/>
+                      <a:headEnd type="none" w="med" len="med"/>
+                      <a:tailEnd type="none" w="med" len="med"/>
+                    </a:lnB>
+                  </a:tcPr>
+                </a:tc>
+                <a:tc>
+                  <a:txBody>
+                    <a:bodyPr/>
+                    <a:lstStyle/>
+                    <a:p>
+                      <a:pPr algn="ctr">
+                        <a:lnSpc>
+                          <a:spcPct val="115000"/>
+                        </a:lnSpc>
+                        <a:spcAft>
+                          <a:spcPts val="0"/>
+                        </a:spcAft>
+                      </a:pPr>
+                      <a:r>
+                        <a:rPr lang="fr-FR" sz="2000" dirty="0">
+                          <a:solidFill>
+                            <a:srgbClr val="000000"/>
+                          </a:solidFill>
+                          <a:latin typeface="Calibri"/>
+                          <a:ea typeface="Times New Roman"/>
+                          <a:cs typeface="Times New Roman"/>
+                        </a:rPr>
+                        <a:t>type</a:t>
+                      </a:r>
+                      <a:endParaRPr lang="fr-FR" sz="2000" dirty="0">
+                        <a:latin typeface="Calibri"/>
+                        <a:ea typeface="Calibri"/>
+                        <a:cs typeface="Times New Roman"/>
+                      </a:endParaRPr>
+                    </a:p>
+                  </a:txBody>
+                  <a:tcPr marL="44450" marR="44450" marT="0" marB="0" anchor="ctr">
+                    <a:lnL w="12700" cap="flat" cmpd="sng" algn="ctr">
+                      <a:solidFill>
+                        <a:srgbClr val="000000"/>
+                      </a:solidFill>
+                      <a:prstDash val="solid"/>
+                      <a:round/>
+                      <a:headEnd type="none" w="med" len="med"/>
+                      <a:tailEnd type="none" w="med" len="med"/>
+                    </a:lnL>
+                    <a:lnR w="12700" cap="flat" cmpd="sng" algn="ctr">
+                      <a:solidFill>
+                        <a:srgbClr val="000000"/>
+                      </a:solidFill>
+                      <a:prstDash val="solid"/>
+                      <a:round/>
+                      <a:headEnd type="none" w="med" len="med"/>
+                      <a:tailEnd type="none" w="med" len="med"/>
+                    </a:lnR>
+                    <a:lnT w="12700" cap="flat" cmpd="sng" algn="ctr">
+                      <a:solidFill>
+                        <a:srgbClr val="000000"/>
+                      </a:solidFill>
+                      <a:prstDash val="solid"/>
+                      <a:round/>
+                      <a:headEnd type="none" w="med" len="med"/>
+                      <a:tailEnd type="none" w="med" len="med"/>
+                    </a:lnT>
+                    <a:lnB w="12700" cap="flat" cmpd="sng" algn="ctr">
+                      <a:solidFill>
+                        <a:srgbClr val="000000"/>
+                      </a:solidFill>
+                      <a:prstDash val="solid"/>
+                      <a:round/>
+                      <a:headEnd type="none" w="med" len="med"/>
+                      <a:tailEnd type="none" w="med" len="med"/>
+                    </a:lnB>
+                  </a:tcPr>
+                </a:tc>
+                <a:tc>
+                  <a:txBody>
+                    <a:bodyPr/>
+                    <a:lstStyle/>
+                    <a:p>
+                      <a:pPr algn="ctr">
+                        <a:lnSpc>
+                          <a:spcPct val="115000"/>
+                        </a:lnSpc>
+                        <a:spcAft>
+                          <a:spcPts val="0"/>
+                        </a:spcAft>
+                      </a:pPr>
+                      <a:r>
+                        <a:rPr lang="fr-FR" sz="2000" dirty="0">
+                          <a:solidFill>
+                            <a:srgbClr val="000000"/>
+                          </a:solidFill>
+                          <a:latin typeface="Calibri"/>
+                          <a:ea typeface="Times New Roman"/>
+                          <a:cs typeface="Times New Roman"/>
+                        </a:rPr>
+                        <a:t>identifiant</a:t>
+                      </a:r>
+                      <a:endParaRPr lang="fr-FR" sz="2000" dirty="0">
+                        <a:latin typeface="Calibri"/>
+                        <a:ea typeface="Calibri"/>
+                        <a:cs typeface="Times New Roman"/>
+                      </a:endParaRPr>
+                    </a:p>
+                  </a:txBody>
+                  <a:tcPr marL="44450" marR="44450" marT="0" marB="0" anchor="ctr">
+                    <a:lnL w="12700" cap="flat" cmpd="sng" algn="ctr">
+                      <a:solidFill>
+                        <a:srgbClr val="000000"/>
+                      </a:solidFill>
+                      <a:prstDash val="solid"/>
+                      <a:round/>
+                      <a:headEnd type="none" w="med" len="med"/>
+                      <a:tailEnd type="none" w="med" len="med"/>
+                    </a:lnL>
+                    <a:lnR w="12700" cap="flat" cmpd="sng" algn="ctr">
+                      <a:solidFill>
+                        <a:srgbClr val="000000"/>
+                      </a:solidFill>
+                      <a:prstDash val="solid"/>
+                      <a:round/>
+                      <a:headEnd type="none" w="med" len="med"/>
+                      <a:tailEnd type="none" w="med" len="med"/>
+                    </a:lnR>
+                    <a:lnT w="12700" cap="flat" cmpd="sng" algn="ctr">
+                      <a:solidFill>
+                        <a:srgbClr val="000000"/>
+                      </a:solidFill>
+                      <a:prstDash val="solid"/>
+                      <a:round/>
+                      <a:headEnd type="none" w="med" len="med"/>
+                      <a:tailEnd type="none" w="med" len="med"/>
+                    </a:lnT>
+                    <a:lnB w="12700" cap="flat" cmpd="sng" algn="ctr">
+                      <a:solidFill>
+                        <a:srgbClr val="000000"/>
+                      </a:solidFill>
+                      <a:prstDash val="solid"/>
+                      <a:round/>
+                      <a:headEnd type="none" w="med" len="med"/>
+                      <a:tailEnd type="none" w="med" len="med"/>
+                    </a:lnB>
+                  </a:tcPr>
+                </a:tc>
+                <a:tc>
+                  <a:txBody>
+                    <a:bodyPr/>
+                    <a:lstStyle/>
+                    <a:p>
+                      <a:pPr algn="ctr">
+                        <a:lnSpc>
+                          <a:spcPct val="115000"/>
+                        </a:lnSpc>
+                        <a:spcAft>
+                          <a:spcPts val="0"/>
+                        </a:spcAft>
+                      </a:pPr>
+                      <a:r>
+                        <a:rPr lang="fr-FR" sz="2000" dirty="0">
+                          <a:solidFill>
+                            <a:srgbClr val="000000"/>
+                          </a:solidFill>
+                          <a:latin typeface="Calibri"/>
+                          <a:ea typeface="Times New Roman"/>
+                          <a:cs typeface="Times New Roman"/>
+                        </a:rPr>
+                        <a:t>message</a:t>
+                      </a:r>
+                      <a:endParaRPr lang="fr-FR" sz="2000" dirty="0">
+                        <a:latin typeface="Calibri"/>
+                        <a:ea typeface="Calibri"/>
+                        <a:cs typeface="Times New Roman"/>
+                      </a:endParaRPr>
+                    </a:p>
+                  </a:txBody>
+                  <a:tcPr marL="44450" marR="44450" marT="0" marB="0" anchor="ctr">
+                    <a:lnL w="12700" cap="flat" cmpd="sng" algn="ctr">
+                      <a:solidFill>
+                        <a:srgbClr val="000000"/>
+                      </a:solidFill>
+                      <a:prstDash val="solid"/>
+                      <a:round/>
+                      <a:headEnd type="none" w="med" len="med"/>
+                      <a:tailEnd type="none" w="med" len="med"/>
+                    </a:lnL>
+                    <a:lnR w="12700" cap="flat" cmpd="sng" algn="ctr">
+                      <a:solidFill>
+                        <a:srgbClr val="000000"/>
+                      </a:solidFill>
+                      <a:prstDash val="solid"/>
+                      <a:round/>
+                      <a:headEnd type="none" w="med" len="med"/>
+                      <a:tailEnd type="none" w="med" len="med"/>
+                    </a:lnR>
+                    <a:lnT w="12700" cap="flat" cmpd="sng" algn="ctr">
+                      <a:solidFill>
+                        <a:srgbClr val="000000"/>
+                      </a:solidFill>
+                      <a:prstDash val="solid"/>
+                      <a:round/>
+                      <a:headEnd type="none" w="med" len="med"/>
+                      <a:tailEnd type="none" w="med" len="med"/>
+                    </a:lnT>
+                    <a:lnB w="12700" cap="flat" cmpd="sng" algn="ctr">
+                      <a:solidFill>
+                        <a:srgbClr val="000000"/>
+                      </a:solidFill>
+                      <a:prstDash val="solid"/>
+                      <a:round/>
+                      <a:headEnd type="none" w="med" len="med"/>
+                      <a:tailEnd type="none" w="med" len="med"/>
+                    </a:lnB>
+                  </a:tcPr>
+                </a:tc>
+                <a:extLst>
+                  <a:ext uri="{0D108BD9-81ED-4DB2-BD59-A6C34878D82A}">
+                    <a16:rowId xmlns:a16="http://schemas.microsoft.com/office/drawing/2014/main" val="10000"/>
+                  </a:ext>
+                </a:extLst>
+              </a:tr>
+              <a:tr h="357191">
+                <a:tc>
+                  <a:txBody>
+                    <a:bodyPr/>
+                    <a:lstStyle/>
+                    <a:p>
+                      <a:pPr algn="ctr">
+                        <a:lnSpc>
+                          <a:spcPct val="115000"/>
+                        </a:lnSpc>
+                        <a:spcAft>
+                          <a:spcPts val="0"/>
+                        </a:spcAft>
+                      </a:pPr>
+                      <a:r>
+                        <a:rPr lang="fr-FR" sz="2000" dirty="0">
+                          <a:solidFill>
+                            <a:srgbClr val="000000"/>
+                          </a:solidFill>
+                          <a:latin typeface="Calibri"/>
+                          <a:ea typeface="Times New Roman"/>
+                          <a:cs typeface="Times New Roman"/>
+                        </a:rPr>
+                        <a:t>2 octets</a:t>
+                      </a:r>
+                      <a:endParaRPr lang="fr-FR" sz="2000" dirty="0">
+                        <a:latin typeface="Calibri"/>
+                        <a:ea typeface="Calibri"/>
+                        <a:cs typeface="Times New Roman"/>
+                      </a:endParaRPr>
+                    </a:p>
+                  </a:txBody>
+                  <a:tcPr marL="44450" marR="44450" marT="0" marB="0" anchor="ctr">
+                    <a:lnL w="12700" cap="flat" cmpd="sng" algn="ctr">
+                      <a:solidFill>
+                        <a:srgbClr val="000000"/>
+                      </a:solidFill>
+                      <a:prstDash val="solid"/>
+                      <a:round/>
+                      <a:headEnd type="none" w="med" len="med"/>
+                      <a:tailEnd type="none" w="med" len="med"/>
+                    </a:lnL>
+                    <a:lnR w="12700" cap="flat" cmpd="sng" algn="ctr">
+                      <a:solidFill>
+                        <a:srgbClr val="000000"/>
+                      </a:solidFill>
+                      <a:prstDash val="solid"/>
+                      <a:round/>
+                      <a:headEnd type="none" w="med" len="med"/>
+                      <a:tailEnd type="none" w="med" len="med"/>
+                    </a:lnR>
+                    <a:lnT w="12700" cap="flat" cmpd="sng" algn="ctr">
+                      <a:solidFill>
+                        <a:srgbClr val="000000"/>
+                      </a:solidFill>
+                      <a:prstDash val="solid"/>
+                      <a:round/>
+                      <a:headEnd type="none" w="med" len="med"/>
+                      <a:tailEnd type="none" w="med" len="med"/>
+                    </a:lnT>
+                    <a:lnB w="12700" cap="flat" cmpd="sng" algn="ctr">
+                      <a:solidFill>
+                        <a:srgbClr val="000000"/>
+                      </a:solidFill>
+                      <a:prstDash val="solid"/>
+                      <a:round/>
+                      <a:headEnd type="none" w="med" len="med"/>
+                      <a:tailEnd type="none" w="med" len="med"/>
+                    </a:lnB>
+                  </a:tcPr>
+                </a:tc>
+                <a:tc>
+                  <a:txBody>
+                    <a:bodyPr/>
+                    <a:lstStyle/>
+                    <a:p>
+                      <a:pPr algn="ctr">
+                        <a:lnSpc>
+                          <a:spcPct val="115000"/>
+                        </a:lnSpc>
+                        <a:spcAft>
+                          <a:spcPts val="0"/>
+                        </a:spcAft>
+                      </a:pPr>
+                      <a:r>
+                        <a:rPr lang="fr-FR" sz="2000" dirty="0">
+                          <a:solidFill>
+                            <a:srgbClr val="000000"/>
+                          </a:solidFill>
+                          <a:latin typeface="Calibri"/>
+                          <a:ea typeface="Times New Roman"/>
+                          <a:cs typeface="Times New Roman"/>
+                        </a:rPr>
+                        <a:t>1 octet</a:t>
+                      </a:r>
+                      <a:endParaRPr lang="fr-FR" sz="2000" dirty="0">
+                        <a:latin typeface="Calibri"/>
+                        <a:ea typeface="Calibri"/>
+                        <a:cs typeface="Times New Roman"/>
+                      </a:endParaRPr>
+                    </a:p>
+                  </a:txBody>
+                  <a:tcPr marL="44450" marR="44450" marT="0" marB="0" anchor="ctr">
+                    <a:lnL w="12700" cap="flat" cmpd="sng" algn="ctr">
+                      <a:solidFill>
+                        <a:srgbClr val="000000"/>
+                      </a:solidFill>
+                      <a:prstDash val="solid"/>
+                      <a:round/>
+                      <a:headEnd type="none" w="med" len="med"/>
+                      <a:tailEnd type="none" w="med" len="med"/>
+                    </a:lnL>
+                    <a:lnR w="12700" cap="flat" cmpd="sng" algn="ctr">
+                      <a:solidFill>
+                        <a:srgbClr val="000000"/>
+                      </a:solidFill>
+                      <a:prstDash val="solid"/>
+                      <a:round/>
+                      <a:headEnd type="none" w="med" len="med"/>
+                      <a:tailEnd type="none" w="med" len="med"/>
+                    </a:lnR>
+                    <a:lnT w="12700" cap="flat" cmpd="sng" algn="ctr">
+                      <a:solidFill>
+                        <a:srgbClr val="000000"/>
+                      </a:solidFill>
+                      <a:prstDash val="solid"/>
+                      <a:round/>
+                      <a:headEnd type="none" w="med" len="med"/>
+                      <a:tailEnd type="none" w="med" len="med"/>
+                    </a:lnT>
+                    <a:lnB w="12700" cap="flat" cmpd="sng" algn="ctr">
+                      <a:solidFill>
+                        <a:srgbClr val="000000"/>
+                      </a:solidFill>
+                      <a:prstDash val="solid"/>
+                      <a:round/>
+                      <a:headEnd type="none" w="med" len="med"/>
+                      <a:tailEnd type="none" w="med" len="med"/>
+                    </a:lnB>
+                  </a:tcPr>
+                </a:tc>
+                <a:tc>
+                  <a:txBody>
+                    <a:bodyPr/>
+                    <a:lstStyle/>
+                    <a:p>
+                      <a:pPr algn="ctr">
+                        <a:lnSpc>
+                          <a:spcPct val="115000"/>
+                        </a:lnSpc>
+                        <a:spcAft>
+                          <a:spcPts val="0"/>
+                        </a:spcAft>
+                      </a:pPr>
+                      <a:r>
+                        <a:rPr lang="fr-FR" sz="2000" dirty="0">
+                          <a:solidFill>
+                            <a:srgbClr val="000000"/>
+                          </a:solidFill>
+                          <a:latin typeface="Calibri"/>
+                          <a:ea typeface="Times New Roman"/>
+                          <a:cs typeface="Times New Roman"/>
+                        </a:rPr>
+                        <a:t>1 octet</a:t>
+                      </a:r>
+                      <a:endParaRPr lang="fr-FR" sz="2000" dirty="0">
+                        <a:latin typeface="Calibri"/>
+                        <a:ea typeface="Calibri"/>
+                        <a:cs typeface="Times New Roman"/>
+                      </a:endParaRPr>
+                    </a:p>
+                  </a:txBody>
+                  <a:tcPr marL="44450" marR="44450" marT="0" marB="0" anchor="ctr">
+                    <a:lnL w="12700" cap="flat" cmpd="sng" algn="ctr">
+                      <a:solidFill>
+                        <a:srgbClr val="000000"/>
+                      </a:solidFill>
+                      <a:prstDash val="solid"/>
+                      <a:round/>
+                      <a:headEnd type="none" w="med" len="med"/>
+                      <a:tailEnd type="none" w="med" len="med"/>
+                    </a:lnL>
+                    <a:lnR w="12700" cap="flat" cmpd="sng" algn="ctr">
+                      <a:solidFill>
+                        <a:srgbClr val="000000"/>
+                      </a:solidFill>
+                      <a:prstDash val="solid"/>
+                      <a:round/>
+                      <a:headEnd type="none" w="med" len="med"/>
+                      <a:tailEnd type="none" w="med" len="med"/>
+                    </a:lnR>
+                    <a:lnT w="12700" cap="flat" cmpd="sng" algn="ctr">
+                      <a:solidFill>
+                        <a:srgbClr val="000000"/>
+                      </a:solidFill>
+                      <a:prstDash val="solid"/>
+                      <a:round/>
+                      <a:headEnd type="none" w="med" len="med"/>
+                      <a:tailEnd type="none" w="med" len="med"/>
+                    </a:lnT>
+                    <a:lnB w="12700" cap="flat" cmpd="sng" algn="ctr">
+                      <a:solidFill>
+                        <a:srgbClr val="000000"/>
+                      </a:solidFill>
+                      <a:prstDash val="solid"/>
+                      <a:round/>
+                      <a:headEnd type="none" w="med" len="med"/>
+                      <a:tailEnd type="none" w="med" len="med"/>
+                    </a:lnB>
+                  </a:tcPr>
+                </a:tc>
+                <a:tc>
+                  <a:txBody>
+                    <a:bodyPr/>
+                    <a:lstStyle/>
+                    <a:p>
+                      <a:pPr algn="ctr">
+                        <a:lnSpc>
+                          <a:spcPct val="115000"/>
+                        </a:lnSpc>
+                        <a:spcAft>
+                          <a:spcPts val="0"/>
+                        </a:spcAft>
+                      </a:pPr>
+                      <a:r>
+                        <a:rPr lang="fr-FR" sz="2000" dirty="0">
+                          <a:solidFill>
+                            <a:srgbClr val="000000"/>
+                          </a:solidFill>
+                          <a:latin typeface="Calibri"/>
+                          <a:ea typeface="Times New Roman"/>
+                          <a:cs typeface="Times New Roman"/>
+                        </a:rPr>
+                        <a:t>10 octets</a:t>
+                      </a:r>
+                      <a:endParaRPr lang="fr-FR" sz="2000" dirty="0">
+                        <a:latin typeface="Calibri"/>
+                        <a:ea typeface="Calibri"/>
+                        <a:cs typeface="Times New Roman"/>
+                      </a:endParaRPr>
+                    </a:p>
+                  </a:txBody>
+                  <a:tcPr marL="44450" marR="44450" marT="0" marB="0" anchor="ctr">
+                    <a:lnL w="12700" cap="flat" cmpd="sng" algn="ctr">
+                      <a:solidFill>
+                        <a:srgbClr val="000000"/>
+                      </a:solidFill>
+                      <a:prstDash val="solid"/>
+                      <a:round/>
+                      <a:headEnd type="none" w="med" len="med"/>
+                      <a:tailEnd type="none" w="med" len="med"/>
+                    </a:lnL>
+                    <a:lnR w="12700" cap="flat" cmpd="sng" algn="ctr">
+                      <a:solidFill>
+                        <a:srgbClr val="000000"/>
+                      </a:solidFill>
+                      <a:prstDash val="solid"/>
+                      <a:round/>
+                      <a:headEnd type="none" w="med" len="med"/>
+                      <a:tailEnd type="none" w="med" len="med"/>
+                    </a:lnR>
+                    <a:lnT w="12700" cap="flat" cmpd="sng" algn="ctr">
+                      <a:solidFill>
+                        <a:srgbClr val="000000"/>
+                      </a:solidFill>
+                      <a:prstDash val="solid"/>
+                      <a:round/>
+                      <a:headEnd type="none" w="med" len="med"/>
+                      <a:tailEnd type="none" w="med" len="med"/>
+                    </a:lnT>
+                    <a:lnB w="12700" cap="flat" cmpd="sng" algn="ctr">
+                      <a:solidFill>
+                        <a:srgbClr val="000000"/>
+                      </a:solidFill>
+                      <a:prstDash val="solid"/>
+                      <a:round/>
+                      <a:headEnd type="none" w="med" len="med"/>
+                      <a:tailEnd type="none" w="med" len="med"/>
+                    </a:lnB>
+                  </a:tcPr>
+                </a:tc>
+                <a:tc>
+                  <a:txBody>
+                    <a:bodyPr/>
+                    <a:lstStyle/>
+                    <a:p>
+                      <a:pPr algn="ctr">
+                        <a:lnSpc>
+                          <a:spcPct val="115000"/>
+                        </a:lnSpc>
+                        <a:spcAft>
+                          <a:spcPts val="0"/>
+                        </a:spcAft>
+                      </a:pPr>
+                      <a:r>
+                        <a:rPr lang="fr-FR" sz="2000" dirty="0">
+                          <a:solidFill>
+                            <a:srgbClr val="000000"/>
+                          </a:solidFill>
+                          <a:latin typeface="Calibri"/>
+                          <a:ea typeface="Times New Roman"/>
+                          <a:cs typeface="Times New Roman"/>
+                        </a:rPr>
+                        <a:t>189 octets</a:t>
+                      </a:r>
+                      <a:endParaRPr lang="fr-FR" sz="2000" dirty="0">
+                        <a:latin typeface="Calibri"/>
+                        <a:ea typeface="Calibri"/>
+                        <a:cs typeface="Times New Roman"/>
+                      </a:endParaRPr>
+                    </a:p>
+                  </a:txBody>
+                  <a:tcPr marL="44450" marR="44450" marT="0" marB="0" anchor="ctr">
+                    <a:lnL w="12700" cap="flat" cmpd="sng" algn="ctr">
+                      <a:solidFill>
+                        <a:srgbClr val="000000"/>
+                      </a:solidFill>
+                      <a:prstDash val="solid"/>
+                      <a:round/>
+                      <a:headEnd type="none" w="med" len="med"/>
+                      <a:tailEnd type="none" w="med" len="med"/>
+                    </a:lnL>
+                    <a:lnR w="12700" cap="flat" cmpd="sng" algn="ctr">
+                      <a:solidFill>
+                        <a:srgbClr val="000000"/>
+                      </a:solidFill>
+                      <a:prstDash val="solid"/>
+                      <a:round/>
+                      <a:headEnd type="none" w="med" len="med"/>
+                      <a:tailEnd type="none" w="med" len="med"/>
+                    </a:lnR>
+                    <a:lnT w="12700" cap="flat" cmpd="sng" algn="ctr">
+                      <a:solidFill>
+                        <a:srgbClr val="000000"/>
+                      </a:solidFill>
+                      <a:prstDash val="solid"/>
+                      <a:round/>
+                      <a:headEnd type="none" w="med" len="med"/>
+                      <a:tailEnd type="none" w="med" len="med"/>
+                    </a:lnT>
+                    <a:lnB w="12700" cap="flat" cmpd="sng" algn="ctr">
+                      <a:solidFill>
+                        <a:srgbClr val="000000"/>
+                      </a:solidFill>
+                      <a:prstDash val="solid"/>
+                      <a:round/>
+                      <a:headEnd type="none" w="med" len="med"/>
+                      <a:tailEnd type="none" w="med" len="med"/>
+                    </a:lnB>
+                  </a:tcPr>
+                </a:tc>
+                <a:extLst>
+                  <a:ext uri="{0D108BD9-81ED-4DB2-BD59-A6C34878D82A}">
+                    <a16:rowId xmlns:a16="http://schemas.microsoft.com/office/drawing/2014/main" val="10001"/>
+                  </a:ext>
+                </a:extLst>
+              </a:tr>
+            </a:tbl>
+          </a:graphicData>
+        </a:graphic>
+      </p:graphicFrame>
+      <p:sp>
+        <p:nvSpPr>
+          <p:cNvPr id="12" name="Espace réservé du contenu 2"/>
+          <p:cNvSpPr>
+            <a:spLocks noGrp="1"/>
+          </p:cNvSpPr>
+          <p:nvPr>
+            <p:ph idx="1"/>
+          </p:nvPr>
+        </p:nvSpPr>
+        <p:spPr>
+          <a:xfrm>
+            <a:off x="3898668" y="1428737"/>
+            <a:ext cx="6532909" cy="3051823"/>
+          </a:xfrm>
+        </p:spPr>
+        <p:txBody>
+          <a:bodyPr/>
+          <a:lstStyle/>
+          <a:p>
+            <a:pPr>
+              <a:buNone/>
+            </a:pPr>
+            <a:r>
+              <a:rPr lang="fr-FR" dirty="0" smtClean="0"/>
+              <a:t>3 threads :</a:t>
+            </a:r>
+          </a:p>
+          <a:p>
+            <a:r>
+              <a:rPr lang="fr-FR" dirty="0" smtClean="0"/>
+              <a:t>Écriture dans la socket (pour les messages)</a:t>
+            </a:r>
+          </a:p>
+          <a:p>
+            <a:r>
+              <a:rPr lang="fr-FR" dirty="0" smtClean="0"/>
+              <a:t>Lecture de la socket</a:t>
+            </a:r>
+          </a:p>
+          <a:p>
+            <a:r>
+              <a:rPr lang="fr-FR" dirty="0" smtClean="0"/>
+              <a:t>Polling &amp; </a:t>
+            </a:r>
+            <a:r>
+              <a:rPr lang="fr-FR" dirty="0" smtClean="0"/>
+              <a:t>BLE</a:t>
+            </a:r>
+            <a:endParaRPr lang="fr-FR" dirty="0" smtClean="0"/>
+          </a:p>
+        </p:txBody>
+      </p:sp>
+      <p:sp>
+        <p:nvSpPr>
+          <p:cNvPr id="13" name="ZoneTexte 12"/>
+          <p:cNvSpPr txBox="1"/>
+          <p:nvPr/>
+        </p:nvSpPr>
+        <p:spPr>
+          <a:xfrm>
+            <a:off x="5513276" y="5469010"/>
+            <a:ext cx="3071834" cy="369332"/>
+          </a:xfrm>
+          <a:prstGeom prst="rect">
+            <a:avLst/>
+          </a:prstGeom>
+          <a:noFill/>
+        </p:spPr>
+        <p:txBody>
+          <a:bodyPr wrap="square" rtlCol="0">
+            <a:spAutoFit/>
+          </a:bodyPr>
+          <a:lstStyle/>
+          <a:p>
+            <a:pPr algn="ctr"/>
+            <a:r>
+              <a:rPr lang="fr-FR" dirty="0"/>
+              <a:t>Format des messages</a:t>
+            </a:r>
+            <a:endParaRPr lang="fr-FR" dirty="0"/>
+          </a:p>
+        </p:txBody>
+      </p:sp>
+      <p:sp>
+        <p:nvSpPr>
+          <p:cNvPr id="3" name="Slide Number Placeholder 2"/>
+          <p:cNvSpPr>
+            <a:spLocks noGrp="1"/>
+          </p:cNvSpPr>
+          <p:nvPr>
+            <p:ph type="sldNum" sz="quarter" idx="12"/>
+          </p:nvPr>
+        </p:nvSpPr>
+        <p:spPr/>
+        <p:txBody>
+          <a:bodyPr/>
+          <a:lstStyle/>
+          <a:p>
+            <a:fld id="{7404B288-D4C1-4B47-A59A-F4398D5A3735}" type="slidenum">
+              <a:rPr lang="fr-FR" smtClean="0"/>
+              <a:t>9</a:t>
+            </a:fld>
+            <a:endParaRPr lang="fr-FR"/>
+          </a:p>
+        </p:txBody>
+      </p:sp>
+    </p:spTree>
+    <p:extLst>
+      <p:ext uri="{BB962C8B-B14F-4D97-AF65-F5344CB8AC3E}">
+        <p14:creationId xmlns:p14="http://schemas.microsoft.com/office/powerpoint/2010/main" val="605596602"/>
+      </p:ext>
+    </p:extLst>
+  </p:cSld>
+  <p:clrMapOvr>
+    <a:masterClrMapping/>
+  </p:clrMapOvr>
+  <p:timing>
+    <p:tnLst>
+      <p:par>
+        <p:cTn id="1" dur="indefinite" restart="never" nodeType="tmRoot"/>
+      </p:par>
+    </p:tnLst>
+  </p:timing>
 </p:sld>
 </file>
 
@@ -4459,4 +9446,265 @@
     </a:ext>
   </a:extLst>
 </a:theme>
+</file>
+
+<file path=ppt/theme/theme2.xml><?xml version="1.0" encoding="utf-8"?>
+<a:theme xmlns:a="http://schemas.openxmlformats.org/drawingml/2006/main" name="Office Theme">
+  <a:themeElements>
+    <a:clrScheme name="Office">
+      <a:dk1>
+        <a:sysClr val="windowText" lastClr="000000"/>
+      </a:dk1>
+      <a:lt1>
+        <a:sysClr val="window" lastClr="FFFFFF"/>
+      </a:lt1>
+      <a:dk2>
+        <a:srgbClr val="44546A"/>
+      </a:dk2>
+      <a:lt2>
+        <a:srgbClr val="E7E6E6"/>
+      </a:lt2>
+      <a:accent1>
+        <a:srgbClr val="5B9BD5"/>
+      </a:accent1>
+      <a:accent2>
+        <a:srgbClr val="ED7D31"/>
+      </a:accent2>
+      <a:accent3>
+        <a:srgbClr val="A5A5A5"/>
+      </a:accent3>
+      <a:accent4>
+        <a:srgbClr val="FFC000"/>
+      </a:accent4>
+      <a:accent5>
+        <a:srgbClr val="4472C4"/>
+      </a:accent5>
+      <a:accent6>
+        <a:srgbClr val="70AD47"/>
+      </a:accent6>
+      <a:hlink>
+        <a:srgbClr val="0563C1"/>
+      </a:hlink>
+      <a:folHlink>
+        <a:srgbClr val="954F72"/>
+      </a:folHlink>
+    </a:clrScheme>
+    <a:fontScheme name="Office">
+      <a:majorFont>
+        <a:latin typeface="Calibri Light" panose="020F0302020204030204"/>
+        <a:ea typeface=""/>
+        <a:cs typeface=""/>
+        <a:font script="Jpan" typeface="游ゴシック Light"/>
+        <a:font script="Hang" typeface="맑은 고딕"/>
+        <a:font script="Hans" typeface="等线 Light"/>
+        <a:font script="Hant" typeface="新細明體"/>
+        <a:font script="Arab" typeface="Times New Roman"/>
+        <a:font script="Hebr" typeface="Times New Roman"/>
+        <a:font script="Thai" typeface="Angsana New"/>
+        <a:font script="Ethi" typeface="Nyala"/>
+        <a:font script="Beng" typeface="Vrinda"/>
+        <a:font script="Gujr" typeface="Shruti"/>
+        <a:font script="Khmr" typeface="MoolBoran"/>
+        <a:font script="Knda" typeface="Tunga"/>
+        <a:font script="Guru" typeface="Raavi"/>
+        <a:font script="Cans" typeface="Euphemia"/>
+        <a:font script="Cher" typeface="Plantagenet Cherokee"/>
+        <a:font script="Yiii" typeface="Microsoft Yi Baiti"/>
+        <a:font script="Tibt" typeface="Microsoft Himalaya"/>
+        <a:font script="Thaa" typeface="MV Boli"/>
+        <a:font script="Deva" typeface="Mangal"/>
+        <a:font script="Telu" typeface="Gautami"/>
+        <a:font script="Taml" typeface="Latha"/>
+        <a:font script="Syrc" typeface="Estrangelo Edessa"/>
+        <a:font script="Orya" typeface="Kalinga"/>
+        <a:font script="Mlym" typeface="Kartika"/>
+        <a:font script="Laoo" typeface="DokChampa"/>
+        <a:font script="Sinh" typeface="Iskoola Pota"/>
+        <a:font script="Mong" typeface="Mongolian Baiti"/>
+        <a:font script="Viet" typeface="Times New Roman"/>
+        <a:font script="Uigh" typeface="Microsoft Uighur"/>
+        <a:font script="Geor" typeface="Sylfaen"/>
+      </a:majorFont>
+      <a:minorFont>
+        <a:latin typeface="Calibri" panose="020F0502020204030204"/>
+        <a:ea typeface=""/>
+        <a:cs typeface=""/>
+        <a:font script="Jpan" typeface="游ゴシック"/>
+        <a:font script="Hang" typeface="맑은 고딕"/>
+        <a:font script="Hans" typeface="等线"/>
+        <a:font script="Hant" typeface="新細明體"/>
+        <a:font script="Arab" typeface="Arial"/>
+        <a:font script="Hebr" typeface="Arial"/>
+        <a:font script="Thai" typeface="Cordia New"/>
+        <a:font script="Ethi" typeface="Nyala"/>
+        <a:font script="Beng" typeface="Vrinda"/>
+        <a:font script="Gujr" typeface="Shruti"/>
+        <a:font script="Khmr" typeface="DaunPenh"/>
+        <a:font script="Knda" typeface="Tunga"/>
+        <a:font script="Guru" typeface="Raavi"/>
+        <a:font script="Cans" typeface="Euphemia"/>
+        <a:font script="Cher" typeface="Plantagenet Cherokee"/>
+        <a:font script="Yiii" typeface="Microsoft Yi Baiti"/>
+        <a:font script="Tibt" typeface="Microsoft Himalaya"/>
+        <a:font script="Thaa" typeface="MV Boli"/>
+        <a:font script="Deva" typeface="Mangal"/>
+        <a:font script="Telu" typeface="Gautami"/>
+        <a:font script="Taml" typeface="Latha"/>
+        <a:font script="Syrc" typeface="Estrangelo Edessa"/>
+        <a:font script="Orya" typeface="Kalinga"/>
+        <a:font script="Mlym" typeface="Kartika"/>
+        <a:font script="Laoo" typeface="DokChampa"/>
+        <a:font script="Sinh" typeface="Iskoola Pota"/>
+        <a:font script="Mong" typeface="Mongolian Baiti"/>
+        <a:font script="Viet" typeface="Arial"/>
+        <a:font script="Uigh" typeface="Microsoft Uighur"/>
+        <a:font script="Geor" typeface="Sylfaen"/>
+      </a:minorFont>
+    </a:fontScheme>
+    <a:fmtScheme name="Office">
+      <a:fillStyleLst>
+        <a:solidFill>
+          <a:schemeClr val="phClr"/>
+        </a:solidFill>
+        <a:gradFill rotWithShape="1">
+          <a:gsLst>
+            <a:gs pos="0">
+              <a:schemeClr val="phClr">
+                <a:lumMod val="110000"/>
+                <a:satMod val="105000"/>
+                <a:tint val="67000"/>
+              </a:schemeClr>
+            </a:gs>
+            <a:gs pos="50000">
+              <a:schemeClr val="phClr">
+                <a:lumMod val="105000"/>
+                <a:satMod val="103000"/>
+                <a:tint val="73000"/>
+              </a:schemeClr>
+            </a:gs>
+            <a:gs pos="100000">
+              <a:schemeClr val="phClr">
+                <a:lumMod val="105000"/>
+                <a:satMod val="109000"/>
+                <a:tint val="81000"/>
+              </a:schemeClr>
+            </a:gs>
+          </a:gsLst>
+          <a:lin ang="5400000" scaled="0"/>
+        </a:gradFill>
+        <a:gradFill rotWithShape="1">
+          <a:gsLst>
+            <a:gs pos="0">
+              <a:schemeClr val="phClr">
+                <a:satMod val="103000"/>
+                <a:lumMod val="102000"/>
+                <a:tint val="94000"/>
+              </a:schemeClr>
+            </a:gs>
+            <a:gs pos="50000">
+              <a:schemeClr val="phClr">
+                <a:satMod val="110000"/>
+                <a:lumMod val="100000"/>
+                <a:shade val="100000"/>
+              </a:schemeClr>
+            </a:gs>
+            <a:gs pos="100000">
+              <a:schemeClr val="phClr">
+                <a:lumMod val="99000"/>
+                <a:satMod val="120000"/>
+                <a:shade val="78000"/>
+              </a:schemeClr>
+            </a:gs>
+          </a:gsLst>
+          <a:lin ang="5400000" scaled="0"/>
+        </a:gradFill>
+      </a:fillStyleLst>
+      <a:lnStyleLst>
+        <a:ln w="6350" cap="flat" cmpd="sng" algn="ctr">
+          <a:solidFill>
+            <a:schemeClr val="phClr"/>
+          </a:solidFill>
+          <a:prstDash val="solid"/>
+          <a:miter lim="800000"/>
+        </a:ln>
+        <a:ln w="12700" cap="flat" cmpd="sng" algn="ctr">
+          <a:solidFill>
+            <a:schemeClr val="phClr"/>
+          </a:solidFill>
+          <a:prstDash val="solid"/>
+          <a:miter lim="800000"/>
+        </a:ln>
+        <a:ln w="19050" cap="flat" cmpd="sng" algn="ctr">
+          <a:solidFill>
+            <a:schemeClr val="phClr"/>
+          </a:solidFill>
+          <a:prstDash val="solid"/>
+          <a:miter lim="800000"/>
+        </a:ln>
+      </a:lnStyleLst>
+      <a:effectStyleLst>
+        <a:effectStyle>
+          <a:effectLst/>
+        </a:effectStyle>
+        <a:effectStyle>
+          <a:effectLst/>
+        </a:effectStyle>
+        <a:effectStyle>
+          <a:effectLst>
+            <a:outerShdw blurRad="57150" dist="19050" dir="5400000" algn="ctr" rotWithShape="0">
+              <a:srgbClr val="000000">
+                <a:alpha val="63000"/>
+              </a:srgbClr>
+            </a:outerShdw>
+          </a:effectLst>
+        </a:effectStyle>
+      </a:effectStyleLst>
+      <a:bgFillStyleLst>
+        <a:solidFill>
+          <a:schemeClr val="phClr"/>
+        </a:solidFill>
+        <a:solidFill>
+          <a:schemeClr val="phClr">
+            <a:tint val="95000"/>
+            <a:satMod val="170000"/>
+          </a:schemeClr>
+        </a:solidFill>
+        <a:gradFill rotWithShape="1">
+          <a:gsLst>
+            <a:gs pos="0">
+              <a:schemeClr val="phClr">
+                <a:tint val="93000"/>
+                <a:satMod val="150000"/>
+                <a:shade val="98000"/>
+                <a:lumMod val="102000"/>
+              </a:schemeClr>
+            </a:gs>
+            <a:gs pos="50000">
+              <a:schemeClr val="phClr">
+                <a:tint val="98000"/>
+                <a:satMod val="130000"/>
+                <a:shade val="90000"/>
+                <a:lumMod val="103000"/>
+              </a:schemeClr>
+            </a:gs>
+            <a:gs pos="100000">
+              <a:schemeClr val="phClr">
+                <a:shade val="63000"/>
+                <a:satMod val="120000"/>
+              </a:schemeClr>
+            </a:gs>
+          </a:gsLst>
+          <a:lin ang="5400000" scaled="0"/>
+        </a:gradFill>
+      </a:bgFillStyleLst>
+    </a:fmtScheme>
+  </a:themeElements>
+  <a:objectDefaults/>
+  <a:extraClrSchemeLst/>
+  <a:extLst>
+    <a:ext uri="{05A4C25C-085E-4340-85A3-A5531E510DB2}">
+      <thm15:themeFamily xmlns:thm15="http://schemas.microsoft.com/office/thememl/2012/main" name="Office Theme" id="{62F939B6-93AF-4DB8-9C6B-D6C7DFDC589F}" vid="{4A3C46E8-61CC-4603-A589-7422A47A8E4A}"/>
+    </a:ext>
+  </a:extLst>
+</a:theme>
 </file>